--- a/Meeting/20190531 Meeting/20190531 Meeting.pptx
+++ b/Meeting/20190531 Meeting/20190531 Meeting.pptx
@@ -5,12 +5,14 @@
     <p:sldMasterId id="2147483648" r:id="rId4"/>
   </p:sldMasterIdLst>
   <p:notesMasterIdLst>
-    <p:notesMasterId r:id="rId8"/>
+    <p:notesMasterId r:id="rId10"/>
   </p:notesMasterIdLst>
   <p:sldIdLst>
     <p:sldId id="314" r:id="rId5"/>
     <p:sldId id="315" r:id="rId6"/>
-    <p:sldId id="316" r:id="rId7"/>
+    <p:sldId id="318" r:id="rId7"/>
+    <p:sldId id="316" r:id="rId8"/>
+    <p:sldId id="317" r:id="rId9"/>
   </p:sldIdLst>
   <p:sldSz cx="12192000" cy="6858000"/>
   <p:notesSz cx="6858000" cy="9144000"/>
@@ -582,6 +584,94 @@
     <p:extLst>
       <p:ext uri="{BB962C8B-B14F-4D97-AF65-F5344CB8AC3E}">
         <p14:creationId xmlns:p14="http://schemas.microsoft.com/office/powerpoint/2010/main" val="1670296125"/>
+      </p:ext>
+    </p:extLst>
+  </p:cSld>
+  <p:clrMapOvr>
+    <a:masterClrMapping/>
+  </p:clrMapOvr>
+</p:notes>
+</file>
+
+<file path=ppt/notesSlides/notesSlide2.xml><?xml version="1.0" encoding="utf-8"?>
+<p:notes xmlns:a="http://schemas.openxmlformats.org/drawingml/2006/main" xmlns:r="http://schemas.openxmlformats.org/officeDocument/2006/relationships" xmlns:p="http://schemas.openxmlformats.org/presentationml/2006/main">
+  <p:cSld>
+    <p:spTree>
+      <p:nvGrpSpPr>
+        <p:cNvPr id="1" name=""/>
+        <p:cNvGrpSpPr/>
+        <p:nvPr/>
+      </p:nvGrpSpPr>
+      <p:grpSpPr>
+        <a:xfrm>
+          <a:off x="0" y="0"/>
+          <a:ext cx="0" cy="0"/>
+          <a:chOff x="0" y="0"/>
+          <a:chExt cx="0" cy="0"/>
+        </a:xfrm>
+      </p:grpSpPr>
+      <p:sp>
+        <p:nvSpPr>
+          <p:cNvPr id="2" name="投影片圖像版面配置區 1"/>
+          <p:cNvSpPr>
+            <a:spLocks noGrp="1" noRot="1" noChangeAspect="1"/>
+          </p:cNvSpPr>
+          <p:nvPr>
+            <p:ph type="sldImg"/>
+          </p:nvPr>
+        </p:nvSpPr>
+        <p:spPr/>
+      </p:sp>
+      <p:sp>
+        <p:nvSpPr>
+          <p:cNvPr id="3" name="備忘稿版面配置區 2"/>
+          <p:cNvSpPr>
+            <a:spLocks noGrp="1"/>
+          </p:cNvSpPr>
+          <p:nvPr>
+            <p:ph type="body" idx="1"/>
+          </p:nvPr>
+        </p:nvSpPr>
+        <p:spPr/>
+        <p:txBody>
+          <a:bodyPr/>
+          <a:lstStyle/>
+          <a:p>
+            <a:r>
+              <a:rPr lang="en-US" altLang="zh-TW" dirty="0" smtClean="0"/>
+              <a:t>Tradition DBE MCE</a:t>
+            </a:r>
+            <a:endParaRPr lang="zh-TW" altLang="en-US" dirty="0"/>
+          </a:p>
+        </p:txBody>
+      </p:sp>
+      <p:sp>
+        <p:nvSpPr>
+          <p:cNvPr id="4" name="投影片編號版面配置區 3"/>
+          <p:cNvSpPr>
+            <a:spLocks noGrp="1"/>
+          </p:cNvSpPr>
+          <p:nvPr>
+            <p:ph type="sldNum" sz="quarter" idx="10"/>
+          </p:nvPr>
+        </p:nvSpPr>
+        <p:spPr/>
+        <p:txBody>
+          <a:bodyPr/>
+          <a:lstStyle/>
+          <a:p>
+            <a:fld id="{4B9FA8AB-93ED-4030-B179-2AF13832ABA7}" type="slidenum">
+              <a:rPr lang="zh-TW" altLang="en-US" smtClean="0"/>
+              <a:t>5</a:t>
+            </a:fld>
+            <a:endParaRPr lang="zh-TW" altLang="en-US"/>
+          </a:p>
+        </p:txBody>
+      </p:sp>
+    </p:spTree>
+    <p:extLst>
+      <p:ext uri="{BB962C8B-B14F-4D97-AF65-F5344CB8AC3E}">
+        <p14:creationId xmlns:p14="http://schemas.microsoft.com/office/powerpoint/2010/main" val="2669053725"/>
       </p:ext>
     </p:extLst>
   </p:cSld>
@@ -23071,7 +23161,7 @@
         </p:nvSpPr>
         <p:spPr>
           <a:xfrm>
-            <a:off x="6826098" y="3447832"/>
+            <a:off x="6826098" y="4160222"/>
             <a:ext cx="4779514" cy="461665"/>
           </a:xfrm>
           <a:prstGeom prst="rect">
@@ -23109,7 +23199,7 @@
         </p:nvSpPr>
         <p:spPr>
           <a:xfrm>
-            <a:off x="6826099" y="4167961"/>
+            <a:off x="6826099" y="4880351"/>
             <a:ext cx="4599139" cy="1200329"/>
           </a:xfrm>
           <a:prstGeom prst="rect">
@@ -23163,7 +23253,7 @@
         </p:nvSpPr>
         <p:spPr>
           <a:xfrm>
-            <a:off x="6826098" y="1275906"/>
+            <a:off x="6826098" y="1988296"/>
             <a:ext cx="4599140" cy="1200329"/>
           </a:xfrm>
           <a:prstGeom prst="rect">
@@ -23225,7 +23315,7 @@
         </p:nvCxnSpPr>
         <p:spPr>
           <a:xfrm>
-            <a:off x="9112102" y="2190307"/>
+            <a:off x="8973878" y="2939902"/>
             <a:ext cx="0" cy="978195"/>
           </a:xfrm>
           <a:prstGeom prst="straightConnector1">
@@ -23253,6 +23343,61 @@
           </a:fontRef>
         </p:style>
       </p:cxnSp>
+      <p:sp>
+        <p:nvSpPr>
+          <p:cNvPr id="8" name="文字方塊 7"/>
+          <p:cNvSpPr txBox="1"/>
+          <p:nvPr/>
+        </p:nvSpPr>
+        <p:spPr>
+          <a:xfrm>
+            <a:off x="6826098" y="1280500"/>
+            <a:ext cx="4196020" cy="428066"/>
+          </a:xfrm>
+          <a:prstGeom prst="rect">
+            <a:avLst/>
+          </a:prstGeom>
+          <a:noFill/>
+        </p:spPr>
+        <p:txBody>
+          <a:bodyPr wrap="none" lIns="0" rtlCol="0" anchor="t">
+            <a:spAutoFit/>
+          </a:bodyPr>
+          <a:lstStyle/>
+          <a:p>
+            <a:pPr>
+              <a:lnSpc>
+                <a:spcPct val="120000"/>
+              </a:lnSpc>
+            </a:pPr>
+            <a:r>
+              <a:rPr lang="zh-TW" altLang="en-US" sz="2000" dirty="0">
+                <a:latin typeface="Segoe UI Light" panose="020B0502040204020203" pitchFamily="34" charset="0"/>
+                <a:cs typeface="Segoe UI Light" panose="020B0502040204020203" pitchFamily="34" charset="0"/>
+              </a:rPr>
+              <a:t>鋼筋切斷點</a:t>
+            </a:r>
+            <a:r>
+              <a:rPr lang="zh-TW" altLang="en-US" sz="2000" dirty="0" smtClean="0">
+                <a:latin typeface="Segoe UI Light" panose="020B0502040204020203" pitchFamily="34" charset="0"/>
+                <a:cs typeface="Segoe UI Light" panose="020B0502040204020203" pitchFamily="34" charset="0"/>
+              </a:rPr>
+              <a:t>之最佳化</a:t>
+            </a:r>
+            <a:r>
+              <a:rPr lang="zh-TW" altLang="en-US" sz="2000" dirty="0">
+                <a:latin typeface="Segoe UI Light" panose="020B0502040204020203" pitchFamily="34" charset="0"/>
+                <a:cs typeface="Segoe UI Light" panose="020B0502040204020203" pitchFamily="34" charset="0"/>
+              </a:rPr>
+              <a:t>研究與數值驗證</a:t>
+            </a:r>
+            <a:endParaRPr lang="zh-TW" altLang="en-US" sz="2000" dirty="0" smtClean="0">
+              <a:latin typeface="Segoe UI Light" panose="020B0502040204020203" pitchFamily="34" charset="0"/>
+              <a:cs typeface="Segoe UI Light" panose="020B0502040204020203" pitchFamily="34" charset="0"/>
+            </a:endParaRPr>
+          </a:p>
+        </p:txBody>
+      </p:sp>
     </p:spTree>
     <p:extLst>
       <p:ext uri="{BB962C8B-B14F-4D97-AF65-F5344CB8AC3E}">
@@ -23325,10 +23470,599 @@
           </a:p>
         </p:txBody>
       </p:sp>
+      <p:pic>
+        <p:nvPicPr>
+          <p:cNvPr id="4" name="圖片 3"/>
+          <p:cNvPicPr>
+            <a:picLocks noChangeAspect="1"/>
+          </p:cNvPicPr>
+          <p:nvPr/>
+        </p:nvPicPr>
+        <p:blipFill>
+          <a:blip r:embed="rId2"/>
+          <a:stretch>
+            <a:fillRect/>
+          </a:stretch>
+        </p:blipFill>
+        <p:spPr>
+          <a:xfrm>
+            <a:off x="0" y="0"/>
+            <a:ext cx="3283497" cy="3429000"/>
+          </a:xfrm>
+          <a:prstGeom prst="rect">
+            <a:avLst/>
+          </a:prstGeom>
+        </p:spPr>
+      </p:pic>
+      <p:pic>
+        <p:nvPicPr>
+          <p:cNvPr id="5" name="圖片 4"/>
+          <p:cNvPicPr>
+            <a:picLocks noChangeAspect="1"/>
+          </p:cNvPicPr>
+          <p:nvPr/>
+        </p:nvPicPr>
+        <p:blipFill>
+          <a:blip r:embed="rId3"/>
+          <a:stretch>
+            <a:fillRect/>
+          </a:stretch>
+        </p:blipFill>
+        <p:spPr>
+          <a:xfrm>
+            <a:off x="0" y="3429000"/>
+            <a:ext cx="3283497" cy="3429000"/>
+          </a:xfrm>
+          <a:prstGeom prst="rect">
+            <a:avLst/>
+          </a:prstGeom>
+        </p:spPr>
+      </p:pic>
+      <p:pic>
+        <p:nvPicPr>
+          <p:cNvPr id="6" name="圖片 5"/>
+          <p:cNvPicPr>
+            <a:picLocks noChangeAspect="1"/>
+          </p:cNvPicPr>
+          <p:nvPr/>
+        </p:nvPicPr>
+        <p:blipFill>
+          <a:blip r:embed="rId4"/>
+          <a:stretch>
+            <a:fillRect/>
+          </a:stretch>
+        </p:blipFill>
+        <p:spPr>
+          <a:xfrm>
+            <a:off x="3283497" y="1485945"/>
+            <a:ext cx="5126857" cy="1355423"/>
+          </a:xfrm>
+          <a:prstGeom prst="rect">
+            <a:avLst/>
+          </a:prstGeom>
+        </p:spPr>
+      </p:pic>
+      <p:pic>
+        <p:nvPicPr>
+          <p:cNvPr id="7" name="圖片 6"/>
+          <p:cNvPicPr>
+            <a:picLocks noChangeAspect="1"/>
+          </p:cNvPicPr>
+          <p:nvPr/>
+        </p:nvPicPr>
+        <p:blipFill>
+          <a:blip r:embed="rId5"/>
+          <a:stretch>
+            <a:fillRect/>
+          </a:stretch>
+        </p:blipFill>
+        <p:spPr>
+          <a:xfrm>
+            <a:off x="3266484" y="1"/>
+            <a:ext cx="5143870" cy="1403973"/>
+          </a:xfrm>
+          <a:prstGeom prst="rect">
+            <a:avLst/>
+          </a:prstGeom>
+        </p:spPr>
+      </p:pic>
+      <p:pic>
+        <p:nvPicPr>
+          <p:cNvPr id="8" name="圖片 7"/>
+          <p:cNvPicPr>
+            <a:picLocks noChangeAspect="1"/>
+          </p:cNvPicPr>
+          <p:nvPr/>
+        </p:nvPicPr>
+        <p:blipFill>
+          <a:blip r:embed="rId6"/>
+          <a:stretch>
+            <a:fillRect/>
+          </a:stretch>
+        </p:blipFill>
+        <p:spPr>
+          <a:xfrm>
+            <a:off x="3266483" y="2841369"/>
+            <a:ext cx="4609595" cy="4016631"/>
+          </a:xfrm>
+          <a:prstGeom prst="rect">
+            <a:avLst/>
+          </a:prstGeom>
+        </p:spPr>
+      </p:pic>
+      <p:pic>
+        <p:nvPicPr>
+          <p:cNvPr id="9" name="圖片 8"/>
+          <p:cNvPicPr>
+            <a:picLocks noChangeAspect="1"/>
+          </p:cNvPicPr>
+          <p:nvPr/>
+        </p:nvPicPr>
+        <p:blipFill>
+          <a:blip r:embed="rId7">
+            <a:clrChange>
+              <a:clrFrom>
+                <a:srgbClr val="FFFFFF"/>
+              </a:clrFrom>
+              <a:clrTo>
+                <a:srgbClr val="FFFFFF">
+                  <a:alpha val="0"/>
+                </a:srgbClr>
+              </a:clrTo>
+            </a:clrChange>
+          </a:blip>
+          <a:stretch>
+            <a:fillRect/>
+          </a:stretch>
+        </p:blipFill>
+        <p:spPr>
+          <a:xfrm>
+            <a:off x="8993831" y="2688372"/>
+            <a:ext cx="2613713" cy="4169628"/>
+          </a:xfrm>
+          <a:prstGeom prst="rect">
+            <a:avLst/>
+          </a:prstGeom>
+        </p:spPr>
+      </p:pic>
+      <p:pic>
+        <p:nvPicPr>
+          <p:cNvPr id="10" name="圖片 9"/>
+          <p:cNvPicPr>
+            <a:picLocks noChangeAspect="1"/>
+          </p:cNvPicPr>
+          <p:nvPr/>
+        </p:nvPicPr>
+        <p:blipFill rotWithShape="1">
+          <a:blip r:embed="rId8">
+            <a:clrChange>
+              <a:clrFrom>
+                <a:srgbClr val="FFFFFF"/>
+              </a:clrFrom>
+              <a:clrTo>
+                <a:srgbClr val="FFFFFF">
+                  <a:alpha val="0"/>
+                </a:srgbClr>
+              </a:clrTo>
+            </a:clrChange>
+          </a:blip>
+          <a:srcRect r="41190"/>
+          <a:stretch/>
+        </p:blipFill>
+        <p:spPr>
+          <a:xfrm>
+            <a:off x="8993831" y="0"/>
+            <a:ext cx="3198169" cy="2685714"/>
+          </a:xfrm>
+          <a:prstGeom prst="rect">
+            <a:avLst/>
+          </a:prstGeom>
+        </p:spPr>
+      </p:pic>
+      <p:cxnSp>
+        <p:nvCxnSpPr>
+          <p:cNvPr id="12" name="直線接點 11"/>
+          <p:cNvCxnSpPr/>
+          <p:nvPr/>
+        </p:nvCxnSpPr>
+        <p:spPr>
+          <a:xfrm>
+            <a:off x="8993831" y="2275367"/>
+            <a:ext cx="3185764" cy="0"/>
+          </a:xfrm>
+          <a:prstGeom prst="line">
+            <a:avLst/>
+          </a:prstGeom>
+          <a:ln>
+            <a:solidFill>
+              <a:schemeClr val="tx1"/>
+            </a:solidFill>
+          </a:ln>
+        </p:spPr>
+        <p:style>
+          <a:lnRef idx="1">
+            <a:schemeClr val="accent1"/>
+          </a:lnRef>
+          <a:fillRef idx="0">
+            <a:schemeClr val="accent1"/>
+          </a:fillRef>
+          <a:effectRef idx="0">
+            <a:schemeClr val="accent1"/>
+          </a:effectRef>
+          <a:fontRef idx="minor">
+            <a:schemeClr val="tx1"/>
+          </a:fontRef>
+        </p:style>
+      </p:cxnSp>
+      <p:cxnSp>
+        <p:nvCxnSpPr>
+          <p:cNvPr id="13" name="直線接點 12"/>
+          <p:cNvCxnSpPr/>
+          <p:nvPr/>
+        </p:nvCxnSpPr>
+        <p:spPr>
+          <a:xfrm>
+            <a:off x="8993831" y="2523996"/>
+            <a:ext cx="3185764" cy="0"/>
+          </a:xfrm>
+          <a:prstGeom prst="line">
+            <a:avLst/>
+          </a:prstGeom>
+          <a:ln>
+            <a:solidFill>
+              <a:schemeClr val="tx1"/>
+            </a:solidFill>
+          </a:ln>
+        </p:spPr>
+        <p:style>
+          <a:lnRef idx="1">
+            <a:schemeClr val="accent1"/>
+          </a:lnRef>
+          <a:fillRef idx="0">
+            <a:schemeClr val="accent1"/>
+          </a:fillRef>
+          <a:effectRef idx="0">
+            <a:schemeClr val="accent1"/>
+          </a:effectRef>
+          <a:fontRef idx="minor">
+            <a:schemeClr val="tx1"/>
+          </a:fontRef>
+        </p:style>
+      </p:cxnSp>
+    </p:spTree>
+    <p:extLst>
+      <p:ext uri="{BB962C8B-B14F-4D97-AF65-F5344CB8AC3E}">
+        <p14:creationId xmlns:p14="http://schemas.microsoft.com/office/powerpoint/2010/main" val="2490319399"/>
+      </p:ext>
+    </p:extLst>
+  </p:cSld>
+  <p:clrMapOvr>
+    <a:masterClrMapping/>
+  </p:clrMapOvr>
+  <mc:AlternateContent xmlns:mc="http://schemas.openxmlformats.org/markup-compatibility/2006" xmlns:p14="http://schemas.microsoft.com/office/powerpoint/2010/main">
+    <mc:Choice Requires="p14">
+      <p:transition spd="med" p14:dur="700">
+        <p:fade/>
+      </p:transition>
+    </mc:Choice>
+    <mc:Fallback xmlns="">
+      <p:transition spd="med">
+        <p:fade/>
+      </p:transition>
+    </mc:Fallback>
+  </mc:AlternateContent>
+  <p:timing>
+    <p:tnLst>
+      <p:par>
+        <p:cTn id="1" dur="indefinite" restart="never" nodeType="tmRoot"/>
+      </p:par>
+    </p:tnLst>
+  </p:timing>
+</p:sld>
+</file>
+
+<file path=ppt/slides/slide4.xml><?xml version="1.0" encoding="utf-8"?>
+<p:sld xmlns:a="http://schemas.openxmlformats.org/drawingml/2006/main" xmlns:r="http://schemas.openxmlformats.org/officeDocument/2006/relationships" xmlns:p="http://schemas.openxmlformats.org/presentationml/2006/main">
+  <p:cSld>
+    <p:spTree>
+      <p:nvGrpSpPr>
+        <p:cNvPr id="1" name=""/>
+        <p:cNvGrpSpPr/>
+        <p:nvPr/>
+      </p:nvGrpSpPr>
+      <p:grpSpPr>
+        <a:xfrm>
+          <a:off x="0" y="0"/>
+          <a:ext cx="0" cy="0"/>
+          <a:chOff x="0" y="0"/>
+          <a:chExt cx="0" cy="0"/>
+        </a:xfrm>
+      </p:grpSpPr>
+      <p:pic>
+        <p:nvPicPr>
+          <p:cNvPr id="3" name="圖片 2"/>
+          <p:cNvPicPr>
+            <a:picLocks noChangeAspect="1"/>
+          </p:cNvPicPr>
+          <p:nvPr/>
+        </p:nvPicPr>
+        <p:blipFill>
+          <a:blip r:embed="rId2">
+            <a:clrChange>
+              <a:clrFrom>
+                <a:srgbClr val="FFFFFF"/>
+              </a:clrFrom>
+              <a:clrTo>
+                <a:srgbClr val="FFFFFF">
+                  <a:alpha val="0"/>
+                </a:srgbClr>
+              </a:clrTo>
+            </a:clrChange>
+          </a:blip>
+          <a:stretch>
+            <a:fillRect/>
+          </a:stretch>
+        </p:blipFill>
+        <p:spPr>
+          <a:xfrm>
+            <a:off x="6847500" y="1756610"/>
+            <a:ext cx="5344500" cy="4004000"/>
+          </a:xfrm>
+          <a:prstGeom prst="rect">
+            <a:avLst/>
+          </a:prstGeom>
+        </p:spPr>
+      </p:pic>
+      <p:sp>
+        <p:nvSpPr>
+          <p:cNvPr id="5" name="橢圓 4"/>
+          <p:cNvSpPr/>
+          <p:nvPr/>
+        </p:nvSpPr>
+        <p:spPr>
+          <a:xfrm>
+            <a:off x="10217888" y="3338623"/>
+            <a:ext cx="1499191" cy="1499191"/>
+          </a:xfrm>
+          <a:prstGeom prst="ellipse">
+            <a:avLst/>
+          </a:prstGeom>
+          <a:noFill/>
+          <a:ln>
+            <a:solidFill>
+              <a:schemeClr val="accent1"/>
+            </a:solidFill>
+          </a:ln>
+        </p:spPr>
+        <p:style>
+          <a:lnRef idx="2">
+            <a:schemeClr val="accent1">
+              <a:shade val="50000"/>
+            </a:schemeClr>
+          </a:lnRef>
+          <a:fillRef idx="1">
+            <a:schemeClr val="accent1"/>
+          </a:fillRef>
+          <a:effectRef idx="0">
+            <a:schemeClr val="accent1"/>
+          </a:effectRef>
+          <a:fontRef idx="minor">
+            <a:schemeClr val="lt1"/>
+          </a:fontRef>
+        </p:style>
+        <p:txBody>
+          <a:bodyPr rtlCol="0" anchor="ctr"/>
+          <a:lstStyle/>
+          <a:p>
+            <a:pPr algn="ctr"/>
+            <a:endParaRPr lang="zh-TW" altLang="en-US"/>
+          </a:p>
+        </p:txBody>
+      </p:sp>
+      <p:sp>
+        <p:nvSpPr>
+          <p:cNvPr id="2" name="投影片編號版面配置區 1"/>
+          <p:cNvSpPr>
+            <a:spLocks noGrp="1"/>
+          </p:cNvSpPr>
+          <p:nvPr>
+            <p:ph type="sldNum" sz="quarter" idx="4"/>
+          </p:nvPr>
+        </p:nvSpPr>
+        <p:spPr/>
+        <p:txBody>
+          <a:bodyPr/>
+          <a:lstStyle/>
+          <a:p>
+            <a:fld id="{6F0746BA-D1AA-4FF4-8D48-BDBC7FF48778}" type="slidenum">
+              <a:rPr lang="fr-FR" smtClean="0"/>
+              <a:t>4</a:t>
+            </a:fld>
+            <a:endParaRPr lang="fr-FR"/>
+          </a:p>
+        </p:txBody>
+      </p:sp>
+      <p:pic>
+        <p:nvPicPr>
+          <p:cNvPr id="4" name="圖片 3"/>
+          <p:cNvPicPr>
+            <a:picLocks noChangeAspect="1"/>
+          </p:cNvPicPr>
+          <p:nvPr/>
+        </p:nvPicPr>
+        <p:blipFill>
+          <a:blip r:embed="rId3">
+            <a:clrChange>
+              <a:clrFrom>
+                <a:srgbClr val="FFFFFF"/>
+              </a:clrFrom>
+              <a:clrTo>
+                <a:srgbClr val="FFFFFF">
+                  <a:alpha val="0"/>
+                </a:srgbClr>
+              </a:clrTo>
+            </a:clrChange>
+          </a:blip>
+          <a:stretch>
+            <a:fillRect/>
+          </a:stretch>
+        </p:blipFill>
+        <p:spPr>
+          <a:xfrm>
+            <a:off x="531694" y="1804457"/>
+            <a:ext cx="5344500" cy="4004000"/>
+          </a:xfrm>
+          <a:prstGeom prst="rect">
+            <a:avLst/>
+          </a:prstGeom>
+        </p:spPr>
+      </p:pic>
     </p:spTree>
     <p:extLst>
       <p:ext uri="{BB962C8B-B14F-4D97-AF65-F5344CB8AC3E}">
         <p14:creationId xmlns:p14="http://schemas.microsoft.com/office/powerpoint/2010/main" val="4234360279"/>
+      </p:ext>
+    </p:extLst>
+  </p:cSld>
+  <p:clrMapOvr>
+    <a:masterClrMapping/>
+  </p:clrMapOvr>
+  <mc:AlternateContent xmlns:mc="http://schemas.openxmlformats.org/markup-compatibility/2006" xmlns:p14="http://schemas.microsoft.com/office/powerpoint/2010/main">
+    <mc:Choice Requires="p14">
+      <p:transition spd="med" p14:dur="700">
+        <p:fade/>
+      </p:transition>
+    </mc:Choice>
+    <mc:Fallback xmlns="">
+      <p:transition spd="med">
+        <p:fade/>
+      </p:transition>
+    </mc:Fallback>
+  </mc:AlternateContent>
+  <p:timing>
+    <p:tnLst>
+      <p:par>
+        <p:cTn id="1" dur="indefinite" restart="never" nodeType="tmRoot"/>
+      </p:par>
+    </p:tnLst>
+  </p:timing>
+</p:sld>
+</file>
+
+<file path=ppt/slides/slide5.xml><?xml version="1.0" encoding="utf-8"?>
+<p:sld xmlns:a="http://schemas.openxmlformats.org/drawingml/2006/main" xmlns:r="http://schemas.openxmlformats.org/officeDocument/2006/relationships" xmlns:p="http://schemas.openxmlformats.org/presentationml/2006/main">
+  <p:cSld>
+    <p:spTree>
+      <p:nvGrpSpPr>
+        <p:cNvPr id="1" name=""/>
+        <p:cNvGrpSpPr/>
+        <p:nvPr/>
+      </p:nvGrpSpPr>
+      <p:grpSpPr>
+        <a:xfrm>
+          <a:off x="0" y="0"/>
+          <a:ext cx="0" cy="0"/>
+          <a:chOff x="0" y="0"/>
+          <a:chExt cx="0" cy="0"/>
+        </a:xfrm>
+      </p:grpSpPr>
+      <p:sp>
+        <p:nvSpPr>
+          <p:cNvPr id="2" name="投影片編號版面配置區 1"/>
+          <p:cNvSpPr>
+            <a:spLocks noGrp="1"/>
+          </p:cNvSpPr>
+          <p:nvPr>
+            <p:ph type="sldNum" sz="quarter" idx="4"/>
+          </p:nvPr>
+        </p:nvSpPr>
+        <p:spPr/>
+        <p:txBody>
+          <a:bodyPr/>
+          <a:lstStyle/>
+          <a:p>
+            <a:fld id="{6F0746BA-D1AA-4FF4-8D48-BDBC7FF48778}" type="slidenum">
+              <a:rPr lang="fr-FR" smtClean="0"/>
+              <a:t>5</a:t>
+            </a:fld>
+            <a:endParaRPr lang="fr-FR"/>
+          </a:p>
+        </p:txBody>
+      </p:sp>
+      <p:pic>
+        <p:nvPicPr>
+          <p:cNvPr id="3" name="圖片 2"/>
+          <p:cNvPicPr>
+            <a:picLocks noChangeAspect="1"/>
+          </p:cNvPicPr>
+          <p:nvPr/>
+        </p:nvPicPr>
+        <p:blipFill>
+          <a:blip r:embed="rId3">
+            <a:clrChange>
+              <a:clrFrom>
+                <a:srgbClr val="FFFFFF"/>
+              </a:clrFrom>
+              <a:clrTo>
+                <a:srgbClr val="FFFFFF">
+                  <a:alpha val="0"/>
+                </a:srgbClr>
+              </a:clrTo>
+            </a:clrChange>
+          </a:blip>
+          <a:stretch>
+            <a:fillRect/>
+          </a:stretch>
+        </p:blipFill>
+        <p:spPr>
+          <a:xfrm>
+            <a:off x="0" y="1536692"/>
+            <a:ext cx="6095238" cy="4571429"/>
+          </a:xfrm>
+          <a:prstGeom prst="rect">
+            <a:avLst/>
+          </a:prstGeom>
+        </p:spPr>
+      </p:pic>
+      <p:pic>
+        <p:nvPicPr>
+          <p:cNvPr id="4" name="圖片 3"/>
+          <p:cNvPicPr>
+            <a:picLocks noChangeAspect="1"/>
+          </p:cNvPicPr>
+          <p:nvPr/>
+        </p:nvPicPr>
+        <p:blipFill>
+          <a:blip r:embed="rId4">
+            <a:clrChange>
+              <a:clrFrom>
+                <a:srgbClr val="FFFFFF"/>
+              </a:clrFrom>
+              <a:clrTo>
+                <a:srgbClr val="FFFFFF">
+                  <a:alpha val="0"/>
+                </a:srgbClr>
+              </a:clrTo>
+            </a:clrChange>
+          </a:blip>
+          <a:stretch>
+            <a:fillRect/>
+          </a:stretch>
+        </p:blipFill>
+        <p:spPr>
+          <a:xfrm>
+            <a:off x="6096762" y="1536692"/>
+            <a:ext cx="6095238" cy="4571429"/>
+          </a:xfrm>
+          <a:prstGeom prst="rect">
+            <a:avLst/>
+          </a:prstGeom>
+        </p:spPr>
+      </p:pic>
+    </p:spTree>
+    <p:extLst>
+      <p:ext uri="{BB962C8B-B14F-4D97-AF65-F5344CB8AC3E}">
+        <p14:creationId xmlns:p14="http://schemas.microsoft.com/office/powerpoint/2010/main" val="2305774951"/>
       </p:ext>
     </p:extLst>
   </p:cSld>
@@ -23934,6 +24668,15 @@
 </file>
 
 <file path=customXml/item2.xml><?xml version="1.0" encoding="utf-8"?>
+<?mso-contentType ?>
+<FormTemplates xmlns="http://schemas.microsoft.com/sharepoint/v3/contenttype/forms">
+  <Display>DocumentLibraryForm</Display>
+  <Edit>DocumentLibraryForm</Edit>
+  <New>DocumentLibraryForm</New>
+</FormTemplates>
+</file>
+
+<file path=customXml/item3.xml><?xml version="1.0" encoding="utf-8"?>
 <ct:contentTypeSchema xmlns:ct="http://schemas.microsoft.com/office/2006/metadata/contentType" xmlns:ma="http://schemas.microsoft.com/office/2006/metadata/properties/metaAttributes" ct:_="" ma:_="" ma:contentTypeName="Document" ma:contentTypeID="0x01010005FA520563873D4EB8CBD5344A351BEB" ma:contentTypeVersion="0" ma:contentTypeDescription="Crée un document." ma:contentTypeScope="" ma:versionID="005ce72954985de94fc750614f2007cc">
   <xsd:schema xmlns:xsd="http://www.w3.org/2001/XMLSchema" xmlns:xs="http://www.w3.org/2001/XMLSchema" xmlns:p="http://schemas.microsoft.com/office/2006/metadata/properties" targetNamespace="http://schemas.microsoft.com/office/2006/metadata/properties" ma:root="true" ma:fieldsID="36883d0f3030e52908f9a4448a35c02a">
     <xsd:element name="properties">
@@ -24047,15 +24790,6 @@
 </ct:contentTypeSchema>
 </file>
 
-<file path=customXml/item3.xml><?xml version="1.0" encoding="utf-8"?>
-<?mso-contentType ?>
-<FormTemplates xmlns="http://schemas.microsoft.com/sharepoint/v3/contenttype/forms">
-  <Display>DocumentLibraryForm</Display>
-  <Edit>DocumentLibraryForm</Edit>
-  <New>DocumentLibraryForm</New>
-</FormTemplates>
-</file>
-
 <file path=customXml/itemProps1.xml><?xml version="1.0" encoding="utf-8"?>
 <ds:datastoreItem xmlns:ds="http://schemas.openxmlformats.org/officeDocument/2006/customXml" ds:itemID="{88BF5EC3-CBCF-41C7-846F-A9B4B81CCEA8}">
   <ds:schemaRefs>
@@ -24072,6 +24806,14 @@
 </file>
 
 <file path=customXml/itemProps2.xml><?xml version="1.0" encoding="utf-8"?>
+<ds:datastoreItem xmlns:ds="http://schemas.openxmlformats.org/officeDocument/2006/customXml" ds:itemID="{95457E87-E546-449E-A4D1-371201992E58}">
+  <ds:schemaRefs>
+    <ds:schemaRef ds:uri="http://schemas.microsoft.com/sharepoint/v3/contenttype/forms"/>
+  </ds:schemaRefs>
+</ds:datastoreItem>
+</file>
+
+<file path=customXml/itemProps3.xml><?xml version="1.0" encoding="utf-8"?>
 <ds:datastoreItem xmlns:ds="http://schemas.openxmlformats.org/officeDocument/2006/customXml" ds:itemID="{FF14EDAB-351E-4851-B148-260C81C296AA}">
   <ds:schemaRefs>
     <ds:schemaRef ds:uri="http://schemas.microsoft.com/office/2006/metadata/contentType"/>
@@ -24085,12 +24827,4 @@
     <ds:schemaRef ds:uri="http://schemas.microsoft.com/office/infopath/2007/PartnerControls"/>
   </ds:schemaRefs>
 </ds:datastoreItem>
-</file>
-
-<file path=customXml/itemProps3.xml><?xml version="1.0" encoding="utf-8"?>
-<ds:datastoreItem xmlns:ds="http://schemas.openxmlformats.org/officeDocument/2006/customXml" ds:itemID="{95457E87-E546-449E-A4D1-371201992E58}">
-  <ds:schemaRefs>
-    <ds:schemaRef ds:uri="http://schemas.microsoft.com/sharepoint/v3/contenttype/forms"/>
-  </ds:schemaRefs>
-</ds:datastoreItem>
 </file>
--- a/Meeting/20190531 Meeting/20190531 Meeting.pptx
+++ b/Meeting/20190531 Meeting/20190531 Meeting.pptx
@@ -5,14 +5,20 @@
     <p:sldMasterId id="2147483648" r:id="rId4"/>
   </p:sldMasterIdLst>
   <p:notesMasterIdLst>
-    <p:notesMasterId r:id="rId10"/>
+    <p:notesMasterId r:id="rId16"/>
   </p:notesMasterIdLst>
   <p:sldIdLst>
     <p:sldId id="314" r:id="rId5"/>
     <p:sldId id="315" r:id="rId6"/>
-    <p:sldId id="318" r:id="rId7"/>
-    <p:sldId id="316" r:id="rId8"/>
-    <p:sldId id="317" r:id="rId9"/>
+    <p:sldId id="321" r:id="rId7"/>
+    <p:sldId id="319" r:id="rId8"/>
+    <p:sldId id="320" r:id="rId9"/>
+    <p:sldId id="322" r:id="rId10"/>
+    <p:sldId id="324" r:id="rId11"/>
+    <p:sldId id="323" r:id="rId12"/>
+    <p:sldId id="318" r:id="rId13"/>
+    <p:sldId id="316" r:id="rId14"/>
+    <p:sldId id="317" r:id="rId15"/>
   </p:sldIdLst>
   <p:sldSz cx="12192000" cy="6858000"/>
   <p:notesSz cx="6858000" cy="9144000"/>
@@ -234,7 +240,7 @@
           <a:p>
             <a:fld id="{E17FB05D-A85A-41E9-95F8-557FC4A8E4EF}" type="datetimeFigureOut">
               <a:rPr lang="zh-TW" altLang="en-US" smtClean="0"/>
-              <a:t>2019/5/29</a:t>
+              <a:t>2019/5/30</a:t>
             </a:fld>
             <a:endParaRPr lang="zh-TW" altLang="en-US"/>
           </a:p>
@@ -638,6 +644,93 @@
           <a:lstStyle/>
           <a:p>
             <a:r>
+              <a:rPr lang="zh-TW" altLang="en-US" dirty="0"/>
+              <a:t>定義非線性驗證的邊界</a:t>
+            </a:r>
+          </a:p>
+        </p:txBody>
+      </p:sp>
+      <p:sp>
+        <p:nvSpPr>
+          <p:cNvPr id="4" name="投影片編號版面配置區 3"/>
+          <p:cNvSpPr>
+            <a:spLocks noGrp="1"/>
+          </p:cNvSpPr>
+          <p:nvPr>
+            <p:ph type="sldNum" sz="quarter" idx="10"/>
+          </p:nvPr>
+        </p:nvSpPr>
+        <p:spPr/>
+        <p:txBody>
+          <a:bodyPr/>
+          <a:lstStyle/>
+          <a:p>
+            <a:fld id="{4B9FA8AB-93ED-4030-B179-2AF13832ABA7}" type="slidenum">
+              <a:rPr lang="zh-TW" altLang="en-US" smtClean="0"/>
+              <a:t>3</a:t>
+            </a:fld>
+            <a:endParaRPr lang="zh-TW" altLang="en-US"/>
+          </a:p>
+        </p:txBody>
+      </p:sp>
+    </p:spTree>
+    <p:extLst>
+      <p:ext uri="{BB962C8B-B14F-4D97-AF65-F5344CB8AC3E}">
+        <p14:creationId xmlns:p14="http://schemas.microsoft.com/office/powerpoint/2010/main" val="381185548"/>
+      </p:ext>
+    </p:extLst>
+  </p:cSld>
+  <p:clrMapOvr>
+    <a:masterClrMapping/>
+  </p:clrMapOvr>
+</p:notes>
+</file>
+
+<file path=ppt/notesSlides/notesSlide3.xml><?xml version="1.0" encoding="utf-8"?>
+<p:notes xmlns:a="http://schemas.openxmlformats.org/drawingml/2006/main" xmlns:r="http://schemas.openxmlformats.org/officeDocument/2006/relationships" xmlns:p="http://schemas.openxmlformats.org/presentationml/2006/main">
+  <p:cSld>
+    <p:spTree>
+      <p:nvGrpSpPr>
+        <p:cNvPr id="1" name=""/>
+        <p:cNvGrpSpPr/>
+        <p:nvPr/>
+      </p:nvGrpSpPr>
+      <p:grpSpPr>
+        <a:xfrm>
+          <a:off x="0" y="0"/>
+          <a:ext cx="0" cy="0"/>
+          <a:chOff x="0" y="0"/>
+          <a:chExt cx="0" cy="0"/>
+        </a:xfrm>
+      </p:grpSpPr>
+      <p:sp>
+        <p:nvSpPr>
+          <p:cNvPr id="2" name="投影片圖像版面配置區 1"/>
+          <p:cNvSpPr>
+            <a:spLocks noGrp="1" noRot="1" noChangeAspect="1"/>
+          </p:cNvSpPr>
+          <p:nvPr>
+            <p:ph type="sldImg"/>
+          </p:nvPr>
+        </p:nvSpPr>
+        <p:spPr/>
+      </p:sp>
+      <p:sp>
+        <p:nvSpPr>
+          <p:cNvPr id="3" name="備忘稿版面配置區 2"/>
+          <p:cNvSpPr>
+            <a:spLocks noGrp="1"/>
+          </p:cNvSpPr>
+          <p:nvPr>
+            <p:ph type="body" idx="1"/>
+          </p:nvPr>
+        </p:nvSpPr>
+        <p:spPr/>
+        <p:txBody>
+          <a:bodyPr/>
+          <a:lstStyle/>
+          <a:p>
+            <a:r>
               <a:rPr lang="en-US" altLang="zh-TW" dirty="0" smtClean="0"/>
               <a:t>Tradition DBE MCE</a:t>
             </a:r>
@@ -662,7 +755,7 @@
           <a:p>
             <a:fld id="{4B9FA8AB-93ED-4030-B179-2AF13832ABA7}" type="slidenum">
               <a:rPr lang="zh-TW" altLang="en-US" smtClean="0"/>
-              <a:t>5</a:t>
+              <a:t>11</a:t>
             </a:fld>
             <a:endParaRPr lang="zh-TW" altLang="en-US"/>
           </a:p>
@@ -851,7 +944,7 @@
           <a:p>
             <a:fld id="{7A7E7069-7A31-444D-80E6-B61C02E1392B}" type="datetime1">
               <a:rPr lang="fr-FR" altLang="zh-TW" smtClean="0"/>
-              <a:t>29/05/2019</a:t>
+              <a:t>30/05/2019</a:t>
             </a:fld>
             <a:endParaRPr lang="fr-FR"/>
           </a:p>
@@ -1200,7 +1293,7 @@
           <a:p>
             <a:fld id="{AB24F10B-ECA2-4753-8694-8A0132243A1A}" type="datetime1">
               <a:rPr lang="fr-FR" altLang="zh-TW" smtClean="0"/>
-              <a:t>29/05/2019</a:t>
+              <a:t>30/05/2019</a:t>
             </a:fld>
             <a:endParaRPr lang="fr-FR"/>
           </a:p>
@@ -1729,7 +1822,7 @@
           <a:p>
             <a:fld id="{DF3763D6-108C-484F-A72E-357B7AC47626}" type="datetime1">
               <a:rPr lang="fr-FR" altLang="zh-TW" smtClean="0"/>
-              <a:t>29/05/2019</a:t>
+              <a:t>30/05/2019</a:t>
             </a:fld>
             <a:endParaRPr lang="fr-FR"/>
           </a:p>
@@ -1997,7 +2090,7 @@
           <a:p>
             <a:fld id="{70A2E91A-1B1C-4AA6-BE7D-BFAB22416A0A}" type="datetime1">
               <a:rPr lang="fr-FR" altLang="zh-TW" smtClean="0"/>
-              <a:t>29/05/2019</a:t>
+              <a:t>30/05/2019</a:t>
             </a:fld>
             <a:endParaRPr lang="fr-FR"/>
           </a:p>
@@ -2314,7 +2407,7 @@
           <a:p>
             <a:fld id="{CB63E6B3-FD71-4468-88B9-C0735253CCAA}" type="datetime1">
               <a:rPr lang="fr-FR" altLang="zh-TW" smtClean="0"/>
-              <a:t>29/05/2019</a:t>
+              <a:t>30/05/2019</a:t>
             </a:fld>
             <a:endParaRPr lang="fr-FR"/>
           </a:p>
@@ -2576,7 +2669,7 @@
           <a:p>
             <a:fld id="{E7037967-40FB-4E34-8FF3-6969956CCBF8}" type="datetime1">
               <a:rPr lang="fr-FR" altLang="zh-TW" smtClean="0"/>
-              <a:t>29/05/2019</a:t>
+              <a:t>30/05/2019</a:t>
             </a:fld>
             <a:endParaRPr lang="fr-FR"/>
           </a:p>
@@ -3294,7 +3387,7 @@
           <a:p>
             <a:fld id="{D3ACC2AA-C9BE-4B6D-A61B-7594931CB630}" type="datetime1">
               <a:rPr lang="fr-FR" altLang="zh-TW" smtClean="0"/>
-              <a:t>29/05/2019</a:t>
+              <a:t>30/05/2019</a:t>
             </a:fld>
             <a:endParaRPr lang="fr-FR"/>
           </a:p>
@@ -3651,7 +3744,7 @@
           <a:p>
             <a:fld id="{1D45520A-363C-425F-A28D-4D02521E9EC2}" type="datetime1">
               <a:rPr lang="fr-FR" altLang="zh-TW" smtClean="0"/>
-              <a:t>29/05/2019</a:t>
+              <a:t>30/05/2019</a:t>
             </a:fld>
             <a:endParaRPr lang="fr-FR"/>
           </a:p>
@@ -3951,7 +4044,7 @@
           <a:p>
             <a:fld id="{172E36E1-A9EF-44B8-BDC2-AD38F076111B}" type="datetime1">
               <a:rPr lang="fr-FR" altLang="zh-TW" smtClean="0"/>
-              <a:t>29/05/2019</a:t>
+              <a:t>30/05/2019</a:t>
             </a:fld>
             <a:endParaRPr lang="fr-FR"/>
           </a:p>
@@ -4138,7 +4231,7 @@
           <a:p>
             <a:fld id="{E6060845-F4F6-4A6C-87EC-25D40DD76F66}" type="datetime1">
               <a:rPr lang="fr-FR" altLang="zh-TW" smtClean="0"/>
-              <a:t>29/05/2019</a:t>
+              <a:t>30/05/2019</a:t>
             </a:fld>
             <a:endParaRPr lang="fr-FR"/>
           </a:p>
@@ -10537,7 +10630,7 @@
           <a:p>
             <a:fld id="{A0B758D6-ED01-4AE2-915C-7364812A8626}" type="datetime1">
               <a:rPr lang="fr-FR" altLang="zh-TW" smtClean="0"/>
-              <a:t>29/05/2019</a:t>
+              <a:t>30/05/2019</a:t>
             </a:fld>
             <a:endParaRPr lang="fr-FR"/>
           </a:p>
@@ -15788,7 +15881,7 @@
           <a:p>
             <a:fld id="{3878EA16-B830-4EFF-8CB0-DE8E57720CDD}" type="datetime1">
               <a:rPr lang="fr-FR" altLang="zh-TW" smtClean="0"/>
-              <a:t>29/05/2019</a:t>
+              <a:t>30/05/2019</a:t>
             </a:fld>
             <a:endParaRPr lang="fr-FR"/>
           </a:p>
@@ -16522,7 +16615,7 @@
           <a:p>
             <a:fld id="{2579C44F-DB87-47B9-975C-3AD181DD0144}" type="datetime1">
               <a:rPr lang="fr-FR" altLang="zh-TW" smtClean="0"/>
-              <a:t>29/05/2019</a:t>
+              <a:t>30/05/2019</a:t>
             </a:fld>
             <a:endParaRPr lang="fr-FR"/>
           </a:p>
@@ -18442,7 +18535,7 @@
           <a:p>
             <a:fld id="{17C8F73A-9A53-44D5-87A0-EF89FB35B76E}" type="datetime1">
               <a:rPr lang="fr-FR" altLang="zh-TW" smtClean="0"/>
-              <a:t>29/05/2019</a:t>
+              <a:t>30/05/2019</a:t>
             </a:fld>
             <a:endParaRPr lang="fr-FR"/>
           </a:p>
@@ -19108,7 +19201,7 @@
           <a:p>
             <a:fld id="{01D877FE-3F74-424B-86C7-10EA22D7ED24}" type="datetime1">
               <a:rPr lang="fr-FR" altLang="zh-TW" smtClean="0"/>
-              <a:t>29/05/2019</a:t>
+              <a:t>30/05/2019</a:t>
             </a:fld>
             <a:endParaRPr lang="fr-FR"/>
           </a:p>
@@ -19774,7 +19867,7 @@
           <a:p>
             <a:fld id="{B9087178-D13A-4930-A1A8-4200F7450DEF}" type="datetime1">
               <a:rPr lang="fr-FR" altLang="zh-TW" smtClean="0"/>
-              <a:t>29/05/2019</a:t>
+              <a:t>30/05/2019</a:t>
             </a:fld>
             <a:endParaRPr lang="fr-FR"/>
           </a:p>
@@ -21509,7 +21602,7 @@
           <a:p>
             <a:fld id="{0003247B-B3F7-41BB-A95F-B6B56C48E17E}" type="datetime1">
               <a:rPr lang="fr-FR" altLang="zh-TW" smtClean="0"/>
-              <a:t>29/05/2019</a:t>
+              <a:t>30/05/2019</a:t>
             </a:fld>
             <a:endParaRPr lang="fr-FR"/>
           </a:p>
@@ -21753,7 +21846,7 @@
           <a:p>
             <a:fld id="{7036140C-C5FE-4C35-B4E1-C65C06066FA9}" type="datetime1">
               <a:rPr lang="fr-FR" altLang="zh-TW" smtClean="0"/>
-              <a:t>29/05/2019</a:t>
+              <a:t>30/05/2019</a:t>
             </a:fld>
             <a:endParaRPr lang="fr-FR"/>
           </a:p>
@@ -21931,7 +22024,7 @@
           <a:p>
             <a:fld id="{887BFBD1-3D9B-4272-AD61-7503861467DB}" type="datetime1">
               <a:rPr lang="fr-FR" altLang="zh-TW" smtClean="0"/>
-              <a:t>29/05/2019</a:t>
+              <a:t>30/05/2019</a:t>
             </a:fld>
             <a:endParaRPr lang="fr-FR"/>
           </a:p>
@@ -22720,6 +22813,336 @@
 </p:sld>
 </file>
 
+<file path=ppt/slides/slide10.xml><?xml version="1.0" encoding="utf-8"?>
+<p:sld xmlns:a="http://schemas.openxmlformats.org/drawingml/2006/main" xmlns:r="http://schemas.openxmlformats.org/officeDocument/2006/relationships" xmlns:p="http://schemas.openxmlformats.org/presentationml/2006/main" show="0">
+  <p:cSld>
+    <p:spTree>
+      <p:nvGrpSpPr>
+        <p:cNvPr id="1" name=""/>
+        <p:cNvGrpSpPr/>
+        <p:nvPr/>
+      </p:nvGrpSpPr>
+      <p:grpSpPr>
+        <a:xfrm>
+          <a:off x="0" y="0"/>
+          <a:ext cx="0" cy="0"/>
+          <a:chOff x="0" y="0"/>
+          <a:chExt cx="0" cy="0"/>
+        </a:xfrm>
+      </p:grpSpPr>
+      <p:pic>
+        <p:nvPicPr>
+          <p:cNvPr id="3" name="圖片 2"/>
+          <p:cNvPicPr>
+            <a:picLocks noChangeAspect="1"/>
+          </p:cNvPicPr>
+          <p:nvPr/>
+        </p:nvPicPr>
+        <p:blipFill>
+          <a:blip r:embed="rId2">
+            <a:clrChange>
+              <a:clrFrom>
+                <a:srgbClr val="FFFFFF"/>
+              </a:clrFrom>
+              <a:clrTo>
+                <a:srgbClr val="FFFFFF">
+                  <a:alpha val="0"/>
+                </a:srgbClr>
+              </a:clrTo>
+            </a:clrChange>
+          </a:blip>
+          <a:stretch>
+            <a:fillRect/>
+          </a:stretch>
+        </p:blipFill>
+        <p:spPr>
+          <a:xfrm>
+            <a:off x="6847500" y="1756610"/>
+            <a:ext cx="5344500" cy="4004000"/>
+          </a:xfrm>
+          <a:prstGeom prst="rect">
+            <a:avLst/>
+          </a:prstGeom>
+        </p:spPr>
+      </p:pic>
+      <p:sp>
+        <p:nvSpPr>
+          <p:cNvPr id="5" name="橢圓 4"/>
+          <p:cNvSpPr/>
+          <p:nvPr/>
+        </p:nvSpPr>
+        <p:spPr>
+          <a:xfrm>
+            <a:off x="10217888" y="3338623"/>
+            <a:ext cx="1499191" cy="1499191"/>
+          </a:xfrm>
+          <a:prstGeom prst="ellipse">
+            <a:avLst/>
+          </a:prstGeom>
+          <a:noFill/>
+          <a:ln>
+            <a:solidFill>
+              <a:schemeClr val="accent1"/>
+            </a:solidFill>
+          </a:ln>
+        </p:spPr>
+        <p:style>
+          <a:lnRef idx="2">
+            <a:schemeClr val="accent1">
+              <a:shade val="50000"/>
+            </a:schemeClr>
+          </a:lnRef>
+          <a:fillRef idx="1">
+            <a:schemeClr val="accent1"/>
+          </a:fillRef>
+          <a:effectRef idx="0">
+            <a:schemeClr val="accent1"/>
+          </a:effectRef>
+          <a:fontRef idx="minor">
+            <a:schemeClr val="lt1"/>
+          </a:fontRef>
+        </p:style>
+        <p:txBody>
+          <a:bodyPr rtlCol="0" anchor="ctr"/>
+          <a:lstStyle/>
+          <a:p>
+            <a:pPr algn="ctr"/>
+            <a:endParaRPr lang="zh-TW" altLang="en-US"/>
+          </a:p>
+        </p:txBody>
+      </p:sp>
+      <p:sp>
+        <p:nvSpPr>
+          <p:cNvPr id="2" name="投影片編號版面配置區 1"/>
+          <p:cNvSpPr>
+            <a:spLocks noGrp="1"/>
+          </p:cNvSpPr>
+          <p:nvPr>
+            <p:ph type="sldNum" sz="quarter" idx="4"/>
+          </p:nvPr>
+        </p:nvSpPr>
+        <p:spPr/>
+        <p:txBody>
+          <a:bodyPr/>
+          <a:lstStyle/>
+          <a:p>
+            <a:fld id="{6F0746BA-D1AA-4FF4-8D48-BDBC7FF48778}" type="slidenum">
+              <a:rPr lang="fr-FR" smtClean="0"/>
+              <a:t>10</a:t>
+            </a:fld>
+            <a:endParaRPr lang="fr-FR"/>
+          </a:p>
+        </p:txBody>
+      </p:sp>
+      <p:pic>
+        <p:nvPicPr>
+          <p:cNvPr id="4" name="圖片 3"/>
+          <p:cNvPicPr>
+            <a:picLocks noChangeAspect="1"/>
+          </p:cNvPicPr>
+          <p:nvPr/>
+        </p:nvPicPr>
+        <p:blipFill>
+          <a:blip r:embed="rId3">
+            <a:clrChange>
+              <a:clrFrom>
+                <a:srgbClr val="FFFFFF"/>
+              </a:clrFrom>
+              <a:clrTo>
+                <a:srgbClr val="FFFFFF">
+                  <a:alpha val="0"/>
+                </a:srgbClr>
+              </a:clrTo>
+            </a:clrChange>
+          </a:blip>
+          <a:stretch>
+            <a:fillRect/>
+          </a:stretch>
+        </p:blipFill>
+        <p:spPr>
+          <a:xfrm>
+            <a:off x="531694" y="1804457"/>
+            <a:ext cx="5344500" cy="4004000"/>
+          </a:xfrm>
+          <a:prstGeom prst="rect">
+            <a:avLst/>
+          </a:prstGeom>
+        </p:spPr>
+      </p:pic>
+    </p:spTree>
+    <p:extLst>
+      <p:ext uri="{BB962C8B-B14F-4D97-AF65-F5344CB8AC3E}">
+        <p14:creationId xmlns:p14="http://schemas.microsoft.com/office/powerpoint/2010/main" val="4234360279"/>
+      </p:ext>
+    </p:extLst>
+  </p:cSld>
+  <p:clrMapOvr>
+    <a:masterClrMapping/>
+  </p:clrMapOvr>
+  <mc:AlternateContent xmlns:mc="http://schemas.openxmlformats.org/markup-compatibility/2006" xmlns:p14="http://schemas.microsoft.com/office/powerpoint/2010/main">
+    <mc:Choice Requires="p14">
+      <p:transition spd="med" p14:dur="700">
+        <p:fade/>
+      </p:transition>
+    </mc:Choice>
+    <mc:Fallback xmlns="">
+      <p:transition spd="med">
+        <p:fade/>
+      </p:transition>
+    </mc:Fallback>
+  </mc:AlternateContent>
+  <p:timing>
+    <p:tnLst>
+      <p:par>
+        <p:cTn id="1" dur="indefinite" restart="never" nodeType="tmRoot"/>
+      </p:par>
+    </p:tnLst>
+  </p:timing>
+</p:sld>
+</file>
+
+<file path=ppt/slides/slide11.xml><?xml version="1.0" encoding="utf-8"?>
+<p:sld xmlns:a="http://schemas.openxmlformats.org/drawingml/2006/main" xmlns:r="http://schemas.openxmlformats.org/officeDocument/2006/relationships" xmlns:p="http://schemas.openxmlformats.org/presentationml/2006/main" show="0">
+  <p:cSld>
+    <p:spTree>
+      <p:nvGrpSpPr>
+        <p:cNvPr id="1" name=""/>
+        <p:cNvGrpSpPr/>
+        <p:nvPr/>
+      </p:nvGrpSpPr>
+      <p:grpSpPr>
+        <a:xfrm>
+          <a:off x="0" y="0"/>
+          <a:ext cx="0" cy="0"/>
+          <a:chOff x="0" y="0"/>
+          <a:chExt cx="0" cy="0"/>
+        </a:xfrm>
+      </p:grpSpPr>
+      <p:sp>
+        <p:nvSpPr>
+          <p:cNvPr id="2" name="投影片編號版面配置區 1"/>
+          <p:cNvSpPr>
+            <a:spLocks noGrp="1"/>
+          </p:cNvSpPr>
+          <p:nvPr>
+            <p:ph type="sldNum" sz="quarter" idx="4"/>
+          </p:nvPr>
+        </p:nvSpPr>
+        <p:spPr/>
+        <p:txBody>
+          <a:bodyPr/>
+          <a:lstStyle/>
+          <a:p>
+            <a:fld id="{6F0746BA-D1AA-4FF4-8D48-BDBC7FF48778}" type="slidenum">
+              <a:rPr lang="fr-FR" smtClean="0"/>
+              <a:t>11</a:t>
+            </a:fld>
+            <a:endParaRPr lang="fr-FR"/>
+          </a:p>
+        </p:txBody>
+      </p:sp>
+      <p:pic>
+        <p:nvPicPr>
+          <p:cNvPr id="3" name="圖片 2"/>
+          <p:cNvPicPr>
+            <a:picLocks noChangeAspect="1"/>
+          </p:cNvPicPr>
+          <p:nvPr/>
+        </p:nvPicPr>
+        <p:blipFill>
+          <a:blip r:embed="rId3">
+            <a:clrChange>
+              <a:clrFrom>
+                <a:srgbClr val="FFFFFF"/>
+              </a:clrFrom>
+              <a:clrTo>
+                <a:srgbClr val="FFFFFF">
+                  <a:alpha val="0"/>
+                </a:srgbClr>
+              </a:clrTo>
+            </a:clrChange>
+          </a:blip>
+          <a:stretch>
+            <a:fillRect/>
+          </a:stretch>
+        </p:blipFill>
+        <p:spPr>
+          <a:xfrm>
+            <a:off x="0" y="1536692"/>
+            <a:ext cx="6095238" cy="4571429"/>
+          </a:xfrm>
+          <a:prstGeom prst="rect">
+            <a:avLst/>
+          </a:prstGeom>
+        </p:spPr>
+      </p:pic>
+      <p:pic>
+        <p:nvPicPr>
+          <p:cNvPr id="4" name="圖片 3"/>
+          <p:cNvPicPr>
+            <a:picLocks noChangeAspect="1"/>
+          </p:cNvPicPr>
+          <p:nvPr/>
+        </p:nvPicPr>
+        <p:blipFill>
+          <a:blip r:embed="rId4">
+            <a:clrChange>
+              <a:clrFrom>
+                <a:srgbClr val="FFFFFF"/>
+              </a:clrFrom>
+              <a:clrTo>
+                <a:srgbClr val="FFFFFF">
+                  <a:alpha val="0"/>
+                </a:srgbClr>
+              </a:clrTo>
+            </a:clrChange>
+          </a:blip>
+          <a:stretch>
+            <a:fillRect/>
+          </a:stretch>
+        </p:blipFill>
+        <p:spPr>
+          <a:xfrm>
+            <a:off x="6096762" y="1536692"/>
+            <a:ext cx="6095238" cy="4571429"/>
+          </a:xfrm>
+          <a:prstGeom prst="rect">
+            <a:avLst/>
+          </a:prstGeom>
+        </p:spPr>
+      </p:pic>
+    </p:spTree>
+    <p:extLst>
+      <p:ext uri="{BB962C8B-B14F-4D97-AF65-F5344CB8AC3E}">
+        <p14:creationId xmlns:p14="http://schemas.microsoft.com/office/powerpoint/2010/main" val="2305774951"/>
+      </p:ext>
+    </p:extLst>
+  </p:cSld>
+  <p:clrMapOvr>
+    <a:masterClrMapping/>
+  </p:clrMapOvr>
+  <mc:AlternateContent xmlns:mc="http://schemas.openxmlformats.org/markup-compatibility/2006" xmlns:p14="http://schemas.microsoft.com/office/powerpoint/2010/main">
+    <mc:Choice Requires="p14">
+      <p:transition spd="med" p14:dur="700">
+        <p:fade/>
+      </p:transition>
+    </mc:Choice>
+    <mc:Fallback xmlns="">
+      <p:transition spd="med">
+        <p:fade/>
+      </p:transition>
+    </mc:Fallback>
+  </mc:AlternateContent>
+  <p:timing>
+    <p:tnLst>
+      <p:par>
+        <p:cTn id="1" dur="indefinite" restart="never" nodeType="tmRoot"/>
+      </p:par>
+    </p:tnLst>
+  </p:timing>
+</p:sld>
+</file>
+
 <file path=ppt/slides/slide2.xml><?xml version="1.0" encoding="utf-8"?>
 <p:sld xmlns:a="http://schemas.openxmlformats.org/drawingml/2006/main" xmlns:r="http://schemas.openxmlformats.org/officeDocument/2006/relationships" xmlns:p="http://schemas.openxmlformats.org/presentationml/2006/main">
   <p:cSld>
@@ -23045,10 +23468,20 @@
             </a:r>
             <a:r>
               <a:rPr lang="zh-TW" altLang="en-US" sz="2000" dirty="0">
+                <a:solidFill>
+                  <a:schemeClr val="accent1"/>
+                </a:solidFill>
                 <a:latin typeface="Segoe UI Light" panose="020B0502040204020203" pitchFamily="34" charset="0"/>
                 <a:cs typeface="Segoe UI Light" panose="020B0502040204020203" pitchFamily="34" charset="0"/>
               </a:rPr>
-              <a:t>撓曲鋼筋切斷點效益</a:t>
+              <a:t>撓曲鋼筋</a:t>
+            </a:r>
+            <a:r>
+              <a:rPr lang="zh-TW" altLang="en-US" sz="2000" dirty="0">
+                <a:latin typeface="Segoe UI Light" panose="020B0502040204020203" pitchFamily="34" charset="0"/>
+                <a:cs typeface="Segoe UI Light" panose="020B0502040204020203" pitchFamily="34" charset="0"/>
+              </a:rPr>
+              <a:t>切斷點效益</a:t>
             </a:r>
             <a:r>
               <a:rPr lang="zh-TW" altLang="en-US" sz="2000" dirty="0" smtClean="0">
@@ -23077,10 +23510,20 @@
             </a:r>
             <a:r>
               <a:rPr lang="zh-TW" altLang="en-US" sz="2000" dirty="0">
+                <a:solidFill>
+                  <a:schemeClr val="accent1"/>
+                </a:solidFill>
                 <a:latin typeface="Segoe UI Light" panose="020B0502040204020203" pitchFamily="34" charset="0"/>
                 <a:cs typeface="Segoe UI Light" panose="020B0502040204020203" pitchFamily="34" charset="0"/>
               </a:rPr>
-              <a:t>剪力鋼筋分斷區域效益</a:t>
+              <a:t>剪力鋼筋</a:t>
+            </a:r>
+            <a:r>
+              <a:rPr lang="zh-TW" altLang="en-US" sz="2000" dirty="0">
+                <a:latin typeface="Segoe UI Light" panose="020B0502040204020203" pitchFamily="34" charset="0"/>
+                <a:cs typeface="Segoe UI Light" panose="020B0502040204020203" pitchFamily="34" charset="0"/>
+              </a:rPr>
+              <a:t>分斷區域效益</a:t>
             </a:r>
             <a:r>
               <a:rPr lang="zh-TW" altLang="en-US" sz="2000" dirty="0" smtClean="0">
@@ -23449,6 +23892,34 @@
       </p:grpSpPr>
       <p:sp>
         <p:nvSpPr>
+          <p:cNvPr id="3" name="文字版面配置區 2"/>
+          <p:cNvSpPr>
+            <a:spLocks noGrp="1"/>
+          </p:cNvSpPr>
+          <p:nvPr>
+            <p:ph type="body" sz="quarter" idx="10"/>
+          </p:nvPr>
+        </p:nvSpPr>
+        <p:spPr>
+          <a:xfrm>
+            <a:off x="839787" y="660400"/>
+            <a:ext cx="6082007" cy="701731"/>
+          </a:xfrm>
+        </p:spPr>
+        <p:txBody>
+          <a:bodyPr/>
+          <a:lstStyle/>
+          <a:p>
+            <a:r>
+              <a:rPr lang="en-US" altLang="zh-TW" dirty="0"/>
+              <a:t>Pushover Method</a:t>
+            </a:r>
+            <a:endParaRPr lang="zh-TW" altLang="en-US" dirty="0"/>
+          </a:p>
+        </p:txBody>
+      </p:sp>
+      <p:sp>
+        <p:nvSpPr>
           <p:cNvPr id="2" name="投影片編號版面配置區 1"/>
           <p:cNvSpPr>
             <a:spLocks noGrp="1"/>
@@ -23465,6 +23936,1480 @@
             <a:fld id="{6F0746BA-D1AA-4FF4-8D48-BDBC7FF48778}" type="slidenum">
               <a:rPr lang="fr-FR" smtClean="0"/>
               <a:t>3</a:t>
+            </a:fld>
+            <a:endParaRPr lang="fr-FR"/>
+          </a:p>
+        </p:txBody>
+      </p:sp>
+      <p:pic>
+        <p:nvPicPr>
+          <p:cNvPr id="4" name="圖片 3"/>
+          <p:cNvPicPr>
+            <a:picLocks noChangeAspect="1"/>
+          </p:cNvPicPr>
+          <p:nvPr/>
+        </p:nvPicPr>
+        <p:blipFill>
+          <a:blip r:embed="rId4">
+            <a:clrChange>
+              <a:clrFrom>
+                <a:srgbClr val="FFFFFF"/>
+              </a:clrFrom>
+              <a:clrTo>
+                <a:srgbClr val="FFFFFF">
+                  <a:alpha val="0"/>
+                </a:srgbClr>
+              </a:clrTo>
+            </a:clrChange>
+          </a:blip>
+          <a:stretch>
+            <a:fillRect/>
+          </a:stretch>
+        </p:blipFill>
+        <p:spPr>
+          <a:xfrm>
+            <a:off x="1432010" y="3440133"/>
+            <a:ext cx="895238" cy="1914286"/>
+          </a:xfrm>
+          <a:prstGeom prst="rect">
+            <a:avLst/>
+          </a:prstGeom>
+        </p:spPr>
+      </p:pic>
+      <p:sp>
+        <p:nvSpPr>
+          <p:cNvPr id="9" name="矩形 8"/>
+          <p:cNvSpPr/>
+          <p:nvPr/>
+        </p:nvSpPr>
+        <p:spPr>
+          <a:xfrm>
+            <a:off x="3947115" y="2721935"/>
+            <a:ext cx="2787943" cy="369332"/>
+          </a:xfrm>
+          <a:prstGeom prst="rect">
+            <a:avLst/>
+          </a:prstGeom>
+        </p:spPr>
+        <p:txBody>
+          <a:bodyPr wrap="none">
+            <a:spAutoFit/>
+          </a:bodyPr>
+          <a:lstStyle/>
+          <a:p>
+            <a:r>
+              <a:rPr lang="en-US" altLang="zh-TW" dirty="0"/>
+              <a:t>Multi-Modes Combination </a:t>
+            </a:r>
+            <a:endParaRPr lang="zh-TW" altLang="en-US" dirty="0"/>
+          </a:p>
+        </p:txBody>
+      </p:sp>
+      <p:pic>
+        <p:nvPicPr>
+          <p:cNvPr id="47" name="圖片 46"/>
+          <p:cNvPicPr>
+            <a:picLocks noChangeAspect="1"/>
+          </p:cNvPicPr>
+          <p:nvPr/>
+        </p:nvPicPr>
+        <p:blipFill>
+          <a:blip r:embed="rId5"/>
+          <a:stretch>
+            <a:fillRect/>
+          </a:stretch>
+        </p:blipFill>
+        <p:spPr>
+          <a:xfrm>
+            <a:off x="7549118" y="3439633"/>
+            <a:ext cx="3416703" cy="1902897"/>
+          </a:xfrm>
+          <a:prstGeom prst="rect">
+            <a:avLst/>
+          </a:prstGeom>
+        </p:spPr>
+      </p:pic>
+      <p:sp>
+        <p:nvSpPr>
+          <p:cNvPr id="48" name="文字方塊 47"/>
+          <p:cNvSpPr txBox="1"/>
+          <p:nvPr/>
+        </p:nvSpPr>
+        <p:spPr>
+          <a:xfrm>
+            <a:off x="9037874" y="5928925"/>
+            <a:ext cx="619721" cy="427425"/>
+          </a:xfrm>
+          <a:prstGeom prst="rect">
+            <a:avLst/>
+          </a:prstGeom>
+          <a:noFill/>
+        </p:spPr>
+        <p:txBody>
+          <a:bodyPr wrap="none" lIns="0" rtlCol="0" anchor="t">
+            <a:spAutoFit/>
+          </a:bodyPr>
+          <a:lstStyle/>
+          <a:p>
+            <a:pPr algn="l">
+              <a:lnSpc>
+                <a:spcPct val="120000"/>
+              </a:lnSpc>
+            </a:pPr>
+            <a:r>
+              <a:rPr lang="en-US" altLang="zh-TW" sz="2000" dirty="0">
+                <a:latin typeface="Segoe UI Light" panose="020B0502040204020203" pitchFamily="34" charset="0"/>
+                <a:cs typeface="Segoe UI Light" panose="020B0502040204020203" pitchFamily="34" charset="0"/>
+              </a:rPr>
+              <a:t>SRSS</a:t>
+            </a:r>
+            <a:endParaRPr lang="zh-TW" altLang="en-US" sz="2000" dirty="0">
+              <a:latin typeface="Segoe UI Light" panose="020B0502040204020203" pitchFamily="34" charset="0"/>
+              <a:cs typeface="Segoe UI Light" panose="020B0502040204020203" pitchFamily="34" charset="0"/>
+            </a:endParaRPr>
+          </a:p>
+        </p:txBody>
+      </p:sp>
+      <p:cxnSp>
+        <p:nvCxnSpPr>
+          <p:cNvPr id="50" name="直線單箭頭接點 49"/>
+          <p:cNvCxnSpPr/>
+          <p:nvPr/>
+        </p:nvCxnSpPr>
+        <p:spPr>
+          <a:xfrm flipH="1">
+            <a:off x="9347733" y="5428542"/>
+            <a:ext cx="1" cy="399051"/>
+          </a:xfrm>
+          <a:prstGeom prst="straightConnector1">
+            <a:avLst/>
+          </a:prstGeom>
+          <a:ln>
+            <a:solidFill>
+              <a:schemeClr val="tx1"/>
+            </a:solidFill>
+            <a:tailEnd type="triangle"/>
+          </a:ln>
+        </p:spPr>
+        <p:style>
+          <a:lnRef idx="1">
+            <a:schemeClr val="accent1"/>
+          </a:lnRef>
+          <a:fillRef idx="0">
+            <a:schemeClr val="accent1"/>
+          </a:fillRef>
+          <a:effectRef idx="0">
+            <a:schemeClr val="accent1"/>
+          </a:effectRef>
+          <a:fontRef idx="minor">
+            <a:schemeClr val="tx1"/>
+          </a:fontRef>
+        </p:style>
+      </p:cxnSp>
+      <p:graphicFrame>
+        <p:nvGraphicFramePr>
+          <p:cNvPr id="6" name="物件 5"/>
+          <p:cNvGraphicFramePr>
+            <a:graphicFrameLocks noChangeAspect="1"/>
+          </p:cNvGraphicFramePr>
+          <p:nvPr>
+            <p:extLst/>
+          </p:nvPr>
+        </p:nvGraphicFramePr>
+        <p:xfrm>
+          <a:off x="4221671" y="3421587"/>
+          <a:ext cx="1612900" cy="787400"/>
+        </p:xfrm>
+        <a:graphic>
+          <a:graphicData uri="http://schemas.openxmlformats.org/presentationml/2006/ole">
+            <mc:AlternateContent xmlns:mc="http://schemas.openxmlformats.org/markup-compatibility/2006">
+              <mc:Choice xmlns:v="urn:schemas-microsoft-com:vml" Requires="v">
+                <p:oleObj spid="_x0000_s1029" name="Equation" r:id="rId6" imgW="1612800" imgH="787320" progId="Equation.DSMT4">
+                  <p:embed/>
+                </p:oleObj>
+              </mc:Choice>
+              <mc:Fallback>
+                <p:oleObj name="Equation" r:id="rId6" imgW="1612800" imgH="787320" progId="Equation.DSMT4">
+                  <p:embed/>
+                  <p:pic>
+                    <p:nvPicPr>
+                      <p:cNvPr id="6" name="物件 5"/>
+                      <p:cNvPicPr/>
+                      <p:nvPr/>
+                    </p:nvPicPr>
+                    <p:blipFill>
+                      <a:blip r:embed="rId7"/>
+                      <a:stretch>
+                        <a:fillRect/>
+                      </a:stretch>
+                    </p:blipFill>
+                    <p:spPr>
+                      <a:xfrm>
+                        <a:off x="4221671" y="3421587"/>
+                        <a:ext cx="1612900" cy="787400"/>
+                      </a:xfrm>
+                      <a:prstGeom prst="rect">
+                        <a:avLst/>
+                      </a:prstGeom>
+                    </p:spPr>
+                  </p:pic>
+                </p:oleObj>
+              </mc:Fallback>
+            </mc:AlternateContent>
+          </a:graphicData>
+        </a:graphic>
+      </p:graphicFrame>
+      <p:sp>
+        <p:nvSpPr>
+          <p:cNvPr id="13" name="矩形 12"/>
+          <p:cNvSpPr/>
+          <p:nvPr/>
+        </p:nvSpPr>
+        <p:spPr>
+          <a:xfrm>
+            <a:off x="1065746" y="2721935"/>
+            <a:ext cx="1792991" cy="369332"/>
+          </a:xfrm>
+          <a:prstGeom prst="rect">
+            <a:avLst/>
+          </a:prstGeom>
+        </p:spPr>
+        <p:txBody>
+          <a:bodyPr wrap="none">
+            <a:spAutoFit/>
+          </a:bodyPr>
+          <a:lstStyle/>
+          <a:p>
+            <a:r>
+              <a:rPr lang="en-US" altLang="zh-TW" dirty="0"/>
+              <a:t>Inverted Triangle</a:t>
+            </a:r>
+          </a:p>
+        </p:txBody>
+      </p:sp>
+      <p:sp>
+        <p:nvSpPr>
+          <p:cNvPr id="14" name="矩形 13"/>
+          <p:cNvSpPr/>
+          <p:nvPr/>
+        </p:nvSpPr>
+        <p:spPr>
+          <a:xfrm>
+            <a:off x="7549118" y="2726441"/>
+            <a:ext cx="2576346" cy="369332"/>
+          </a:xfrm>
+          <a:prstGeom prst="rect">
+            <a:avLst/>
+          </a:prstGeom>
+        </p:spPr>
+        <p:txBody>
+          <a:bodyPr wrap="none">
+            <a:spAutoFit/>
+          </a:bodyPr>
+          <a:lstStyle/>
+          <a:p>
+            <a:r>
+              <a:rPr lang="en-US" altLang="zh-TW" dirty="0"/>
+              <a:t>Modal Pushover Analysis</a:t>
+            </a:r>
+          </a:p>
+        </p:txBody>
+      </p:sp>
+      <p:cxnSp>
+        <p:nvCxnSpPr>
+          <p:cNvPr id="7" name="直線單箭頭接點 6">
+            <a:extLst>
+              <a:ext uri="{FF2B5EF4-FFF2-40B4-BE49-F238E27FC236}">
+                <a16:creationId xmlns:a16="http://schemas.microsoft.com/office/drawing/2014/main" id="{893C97C3-A73C-4CB3-84A6-CCE439A5CE3F}"/>
+              </a:ext>
+            </a:extLst>
+          </p:cNvPr>
+          <p:cNvCxnSpPr>
+            <a:cxnSpLocks/>
+          </p:cNvCxnSpPr>
+          <p:nvPr/>
+        </p:nvCxnSpPr>
+        <p:spPr>
+          <a:xfrm flipV="1">
+            <a:off x="5604735" y="4114675"/>
+            <a:ext cx="0" cy="414294"/>
+          </a:xfrm>
+          <a:prstGeom prst="straightConnector1">
+            <a:avLst/>
+          </a:prstGeom>
+          <a:ln>
+            <a:solidFill>
+              <a:schemeClr val="tx1"/>
+            </a:solidFill>
+            <a:tailEnd type="triangle"/>
+          </a:ln>
+        </p:spPr>
+        <p:style>
+          <a:lnRef idx="1">
+            <a:schemeClr val="accent1"/>
+          </a:lnRef>
+          <a:fillRef idx="0">
+            <a:schemeClr val="accent1"/>
+          </a:fillRef>
+          <a:effectRef idx="0">
+            <a:schemeClr val="accent1"/>
+          </a:effectRef>
+          <a:fontRef idx="minor">
+            <a:schemeClr val="tx1"/>
+          </a:fontRef>
+        </p:style>
+      </p:cxnSp>
+      <p:sp>
+        <p:nvSpPr>
+          <p:cNvPr id="8" name="文字方塊 7">
+            <a:extLst>
+              <a:ext uri="{FF2B5EF4-FFF2-40B4-BE49-F238E27FC236}">
+                <a16:creationId xmlns:a16="http://schemas.microsoft.com/office/drawing/2014/main" id="{6997416E-D5F9-4730-B7DB-D24404E0DB3F}"/>
+              </a:ext>
+            </a:extLst>
+          </p:cNvPr>
+          <p:cNvSpPr txBox="1"/>
+          <p:nvPr/>
+        </p:nvSpPr>
+        <p:spPr>
+          <a:xfrm>
+            <a:off x="5483472" y="4539307"/>
+            <a:ext cx="1461297" cy="427425"/>
+          </a:xfrm>
+          <a:prstGeom prst="rect">
+            <a:avLst/>
+          </a:prstGeom>
+          <a:noFill/>
+        </p:spPr>
+        <p:txBody>
+          <a:bodyPr wrap="none" lIns="0" rtlCol="0" anchor="t">
+            <a:spAutoFit/>
+          </a:bodyPr>
+          <a:lstStyle/>
+          <a:p>
+            <a:pPr algn="l">
+              <a:lnSpc>
+                <a:spcPct val="120000"/>
+              </a:lnSpc>
+            </a:pPr>
+            <a:r>
+              <a:rPr lang="en-US" altLang="zh-TW" sz="2000" dirty="0">
+                <a:latin typeface="Segoe UI Light" panose="020B0502040204020203" pitchFamily="34" charset="0"/>
+                <a:cs typeface="Segoe UI Light" panose="020B0502040204020203" pitchFamily="34" charset="0"/>
+              </a:rPr>
+              <a:t>Mode Shape</a:t>
+            </a:r>
+            <a:endParaRPr lang="zh-TW" altLang="en-US" sz="2000" dirty="0">
+              <a:latin typeface="Segoe UI Light" panose="020B0502040204020203" pitchFamily="34" charset="0"/>
+              <a:cs typeface="Segoe UI Light" panose="020B0502040204020203" pitchFamily="34" charset="0"/>
+            </a:endParaRPr>
+          </a:p>
+        </p:txBody>
+      </p:sp>
+      <p:cxnSp>
+        <p:nvCxnSpPr>
+          <p:cNvPr id="12" name="直線單箭頭接點 11">
+            <a:extLst>
+              <a:ext uri="{FF2B5EF4-FFF2-40B4-BE49-F238E27FC236}">
+                <a16:creationId xmlns:a16="http://schemas.microsoft.com/office/drawing/2014/main" id="{8710B65C-C600-4C5A-9301-4882E6B52FA9}"/>
+              </a:ext>
+            </a:extLst>
+          </p:cNvPr>
+          <p:cNvCxnSpPr/>
+          <p:nvPr/>
+        </p:nvCxnSpPr>
+        <p:spPr>
+          <a:xfrm flipV="1">
+            <a:off x="5314106" y="4114675"/>
+            <a:ext cx="0" cy="1048996"/>
+          </a:xfrm>
+          <a:prstGeom prst="straightConnector1">
+            <a:avLst/>
+          </a:prstGeom>
+          <a:ln>
+            <a:solidFill>
+              <a:schemeClr val="tx1"/>
+            </a:solidFill>
+            <a:tailEnd type="triangle"/>
+          </a:ln>
+        </p:spPr>
+        <p:style>
+          <a:lnRef idx="1">
+            <a:schemeClr val="accent1"/>
+          </a:lnRef>
+          <a:fillRef idx="0">
+            <a:schemeClr val="accent1"/>
+          </a:fillRef>
+          <a:effectRef idx="0">
+            <a:schemeClr val="accent1"/>
+          </a:effectRef>
+          <a:fontRef idx="minor">
+            <a:schemeClr val="tx1"/>
+          </a:fontRef>
+        </p:style>
+      </p:cxnSp>
+      <p:sp>
+        <p:nvSpPr>
+          <p:cNvPr id="15" name="文字方塊 14">
+            <a:extLst>
+              <a:ext uri="{FF2B5EF4-FFF2-40B4-BE49-F238E27FC236}">
+                <a16:creationId xmlns:a16="http://schemas.microsoft.com/office/drawing/2014/main" id="{C1EDB3F8-275A-4BC6-9F95-CCAC05F92E85}"/>
+              </a:ext>
+            </a:extLst>
+          </p:cNvPr>
+          <p:cNvSpPr txBox="1"/>
+          <p:nvPr/>
+        </p:nvSpPr>
+        <p:spPr>
+          <a:xfrm>
+            <a:off x="5174428" y="5310256"/>
+            <a:ext cx="1591141" cy="427425"/>
+          </a:xfrm>
+          <a:prstGeom prst="rect">
+            <a:avLst/>
+          </a:prstGeom>
+          <a:noFill/>
+        </p:spPr>
+        <p:txBody>
+          <a:bodyPr wrap="none" lIns="0" rtlCol="0" anchor="t">
+            <a:spAutoFit/>
+          </a:bodyPr>
+          <a:lstStyle/>
+          <a:p>
+            <a:pPr algn="l">
+              <a:lnSpc>
+                <a:spcPct val="120000"/>
+              </a:lnSpc>
+            </a:pPr>
+            <a:r>
+              <a:rPr lang="en-US" altLang="zh-TW" sz="2000" dirty="0">
+                <a:latin typeface="Segoe UI Light" panose="020B0502040204020203" pitchFamily="34" charset="0"/>
+                <a:cs typeface="Segoe UI Light" panose="020B0502040204020203" pitchFamily="34" charset="0"/>
+              </a:rPr>
+              <a:t>Effective Mass</a:t>
+            </a:r>
+            <a:endParaRPr lang="zh-TW" altLang="en-US" sz="2000" dirty="0">
+              <a:latin typeface="Segoe UI Light" panose="020B0502040204020203" pitchFamily="34" charset="0"/>
+              <a:cs typeface="Segoe UI Light" panose="020B0502040204020203" pitchFamily="34" charset="0"/>
+            </a:endParaRPr>
+          </a:p>
+        </p:txBody>
+      </p:sp>
+    </p:spTree>
+    <p:extLst>
+      <p:ext uri="{BB962C8B-B14F-4D97-AF65-F5344CB8AC3E}">
+        <p14:creationId xmlns:p14="http://schemas.microsoft.com/office/powerpoint/2010/main" val="3901358709"/>
+      </p:ext>
+    </p:extLst>
+  </p:cSld>
+  <p:clrMapOvr>
+    <a:masterClrMapping/>
+  </p:clrMapOvr>
+  <mc:AlternateContent xmlns:mc="http://schemas.openxmlformats.org/markup-compatibility/2006" xmlns:p14="http://schemas.microsoft.com/office/powerpoint/2010/main">
+    <mc:Choice Requires="p14">
+      <p:transition spd="med" p14:dur="700">
+        <p:fade/>
+      </p:transition>
+    </mc:Choice>
+    <mc:Fallback xmlns="">
+      <p:transition spd="med">
+        <p:fade/>
+      </p:transition>
+    </mc:Fallback>
+  </mc:AlternateContent>
+  <p:timing>
+    <p:tnLst>
+      <p:par>
+        <p:cTn id="1" dur="indefinite" restart="never" nodeType="tmRoot"/>
+      </p:par>
+    </p:tnLst>
+  </p:timing>
+</p:sld>
+</file>
+
+<file path=ppt/slides/slide4.xml><?xml version="1.0" encoding="utf-8"?>
+<p:sld xmlns:a="http://schemas.openxmlformats.org/drawingml/2006/main" xmlns:r="http://schemas.openxmlformats.org/officeDocument/2006/relationships" xmlns:p="http://schemas.openxmlformats.org/presentationml/2006/main">
+  <p:cSld>
+    <p:spTree>
+      <p:nvGrpSpPr>
+        <p:cNvPr id="1" name=""/>
+        <p:cNvGrpSpPr/>
+        <p:nvPr/>
+      </p:nvGrpSpPr>
+      <p:grpSpPr>
+        <a:xfrm>
+          <a:off x="0" y="0"/>
+          <a:ext cx="0" cy="0"/>
+          <a:chOff x="0" y="0"/>
+          <a:chExt cx="0" cy="0"/>
+        </a:xfrm>
+      </p:grpSpPr>
+      <p:sp>
+        <p:nvSpPr>
+          <p:cNvPr id="5" name="文字版面配置區 4"/>
+          <p:cNvSpPr>
+            <a:spLocks noGrp="1"/>
+          </p:cNvSpPr>
+          <p:nvPr>
+            <p:ph type="body" sz="quarter" idx="10"/>
+          </p:nvPr>
+        </p:nvSpPr>
+        <p:spPr>
+          <a:xfrm>
+            <a:off x="839787" y="660400"/>
+            <a:ext cx="9909729" cy="701731"/>
+          </a:xfrm>
+        </p:spPr>
+        <p:txBody>
+          <a:bodyPr/>
+          <a:lstStyle/>
+          <a:p>
+            <a:r>
+              <a:rPr lang="en-US" altLang="zh-TW" dirty="0" smtClean="0"/>
+              <a:t>Multi-Modes Combination </a:t>
+            </a:r>
+            <a:r>
+              <a:rPr lang="zh-TW" altLang="en-US" dirty="0" smtClean="0"/>
+              <a:t>不穩定</a:t>
+            </a:r>
+            <a:endParaRPr lang="zh-TW" altLang="en-US" dirty="0"/>
+          </a:p>
+        </p:txBody>
+      </p:sp>
+      <p:sp>
+        <p:nvSpPr>
+          <p:cNvPr id="2" name="投影片編號版面配置區 1"/>
+          <p:cNvSpPr>
+            <a:spLocks noGrp="1"/>
+          </p:cNvSpPr>
+          <p:nvPr>
+            <p:ph type="sldNum" sz="quarter" idx="4"/>
+          </p:nvPr>
+        </p:nvSpPr>
+        <p:spPr/>
+        <p:txBody>
+          <a:bodyPr/>
+          <a:lstStyle/>
+          <a:p>
+            <a:fld id="{6F0746BA-D1AA-4FF4-8D48-BDBC7FF48778}" type="slidenum">
+              <a:rPr lang="fr-FR" smtClean="0"/>
+              <a:t>4</a:t>
+            </a:fld>
+            <a:endParaRPr lang="fr-FR"/>
+          </a:p>
+        </p:txBody>
+      </p:sp>
+      <p:pic>
+        <p:nvPicPr>
+          <p:cNvPr id="3" name="圖片 2"/>
+          <p:cNvPicPr>
+            <a:picLocks noChangeAspect="1"/>
+          </p:cNvPicPr>
+          <p:nvPr/>
+        </p:nvPicPr>
+        <p:blipFill>
+          <a:blip r:embed="rId2">
+            <a:clrChange>
+              <a:clrFrom>
+                <a:srgbClr val="FFFFFF"/>
+              </a:clrFrom>
+              <a:clrTo>
+                <a:srgbClr val="FFFFFF">
+                  <a:alpha val="0"/>
+                </a:srgbClr>
+              </a:clrTo>
+            </a:clrChange>
+          </a:blip>
+          <a:stretch>
+            <a:fillRect/>
+          </a:stretch>
+        </p:blipFill>
+        <p:spPr>
+          <a:xfrm>
+            <a:off x="751500" y="2298875"/>
+            <a:ext cx="5344500" cy="4004000"/>
+          </a:xfrm>
+          <a:prstGeom prst="rect">
+            <a:avLst/>
+          </a:prstGeom>
+        </p:spPr>
+      </p:pic>
+      <p:pic>
+        <p:nvPicPr>
+          <p:cNvPr id="4" name="圖片 3"/>
+          <p:cNvPicPr>
+            <a:picLocks noChangeAspect="1"/>
+          </p:cNvPicPr>
+          <p:nvPr/>
+        </p:nvPicPr>
+        <p:blipFill>
+          <a:blip r:embed="rId3">
+            <a:clrChange>
+              <a:clrFrom>
+                <a:srgbClr val="FFFFFF"/>
+              </a:clrFrom>
+              <a:clrTo>
+                <a:srgbClr val="FFFFFF">
+                  <a:alpha val="0"/>
+                </a:srgbClr>
+              </a:clrTo>
+            </a:clrChange>
+          </a:blip>
+          <a:stretch>
+            <a:fillRect/>
+          </a:stretch>
+        </p:blipFill>
+        <p:spPr>
+          <a:xfrm>
+            <a:off x="6106633" y="2298872"/>
+            <a:ext cx="5344500" cy="4004000"/>
+          </a:xfrm>
+          <a:prstGeom prst="rect">
+            <a:avLst/>
+          </a:prstGeom>
+        </p:spPr>
+      </p:pic>
+      <p:sp>
+        <p:nvSpPr>
+          <p:cNvPr id="6" name="文字方塊 5"/>
+          <p:cNvSpPr txBox="1"/>
+          <p:nvPr/>
+        </p:nvSpPr>
+        <p:spPr>
+          <a:xfrm>
+            <a:off x="2711299" y="1784332"/>
+            <a:ext cx="1010726" cy="427425"/>
+          </a:xfrm>
+          <a:prstGeom prst="rect">
+            <a:avLst/>
+          </a:prstGeom>
+          <a:noFill/>
+        </p:spPr>
+        <p:txBody>
+          <a:bodyPr wrap="none" lIns="0" rtlCol="0" anchor="t">
+            <a:spAutoFit/>
+          </a:bodyPr>
+          <a:lstStyle/>
+          <a:p>
+            <a:pPr algn="l">
+              <a:lnSpc>
+                <a:spcPct val="120000"/>
+              </a:lnSpc>
+            </a:pPr>
+            <a:r>
+              <a:rPr lang="en-US" altLang="zh-TW" sz="2000" dirty="0" smtClean="0">
+                <a:latin typeface="Segoe UI Light" panose="020B0502040204020203" pitchFamily="34" charset="0"/>
+                <a:cs typeface="Segoe UI Light" panose="020B0502040204020203" pitchFamily="34" charset="0"/>
+              </a:rPr>
+              <a:t>Tradition</a:t>
+            </a:r>
+            <a:endParaRPr lang="zh-TW" altLang="en-US" sz="2000" dirty="0" smtClean="0">
+              <a:latin typeface="Segoe UI Light" panose="020B0502040204020203" pitchFamily="34" charset="0"/>
+              <a:cs typeface="Segoe UI Light" panose="020B0502040204020203" pitchFamily="34" charset="0"/>
+            </a:endParaRPr>
+          </a:p>
+        </p:txBody>
+      </p:sp>
+      <p:sp>
+        <p:nvSpPr>
+          <p:cNvPr id="7" name="文字方塊 6"/>
+          <p:cNvSpPr txBox="1"/>
+          <p:nvPr/>
+        </p:nvSpPr>
+        <p:spPr>
+          <a:xfrm>
+            <a:off x="8431619" y="1784332"/>
+            <a:ext cx="1102225" cy="427425"/>
+          </a:xfrm>
+          <a:prstGeom prst="rect">
+            <a:avLst/>
+          </a:prstGeom>
+          <a:noFill/>
+        </p:spPr>
+        <p:txBody>
+          <a:bodyPr wrap="none" lIns="0" rtlCol="0" anchor="t">
+            <a:spAutoFit/>
+          </a:bodyPr>
+          <a:lstStyle/>
+          <a:p>
+            <a:pPr algn="l">
+              <a:lnSpc>
+                <a:spcPct val="120000"/>
+              </a:lnSpc>
+            </a:pPr>
+            <a:r>
+              <a:rPr lang="en-US" altLang="zh-TW" sz="2000" dirty="0" smtClean="0">
+                <a:latin typeface="Segoe UI Light" panose="020B0502040204020203" pitchFamily="34" charset="0"/>
+                <a:cs typeface="Segoe UI Light" panose="020B0502040204020203" pitchFamily="34" charset="0"/>
+              </a:rPr>
+              <a:t>Multi-Cut</a:t>
+            </a:r>
+            <a:endParaRPr lang="zh-TW" altLang="en-US" sz="2000" dirty="0" smtClean="0">
+              <a:latin typeface="Segoe UI Light" panose="020B0502040204020203" pitchFamily="34" charset="0"/>
+              <a:cs typeface="Segoe UI Light" panose="020B0502040204020203" pitchFamily="34" charset="0"/>
+            </a:endParaRPr>
+          </a:p>
+        </p:txBody>
+      </p:sp>
+    </p:spTree>
+    <p:extLst>
+      <p:ext uri="{BB962C8B-B14F-4D97-AF65-F5344CB8AC3E}">
+        <p14:creationId xmlns:p14="http://schemas.microsoft.com/office/powerpoint/2010/main" val="1744711545"/>
+      </p:ext>
+    </p:extLst>
+  </p:cSld>
+  <p:clrMapOvr>
+    <a:masterClrMapping/>
+  </p:clrMapOvr>
+  <mc:AlternateContent xmlns:mc="http://schemas.openxmlformats.org/markup-compatibility/2006" xmlns:p14="http://schemas.microsoft.com/office/powerpoint/2010/main">
+    <mc:Choice Requires="p14">
+      <p:transition spd="med" p14:dur="700">
+        <p:fade/>
+      </p:transition>
+    </mc:Choice>
+    <mc:Fallback xmlns="">
+      <p:transition spd="med">
+        <p:fade/>
+      </p:transition>
+    </mc:Fallback>
+  </mc:AlternateContent>
+  <p:timing>
+    <p:tnLst>
+      <p:par>
+        <p:cTn id="1" dur="indefinite" restart="never" nodeType="tmRoot"/>
+      </p:par>
+    </p:tnLst>
+  </p:timing>
+</p:sld>
+</file>
+
+<file path=ppt/slides/slide5.xml><?xml version="1.0" encoding="utf-8"?>
+<p:sld xmlns:a="http://schemas.openxmlformats.org/drawingml/2006/main" xmlns:r="http://schemas.openxmlformats.org/officeDocument/2006/relationships" xmlns:p="http://schemas.openxmlformats.org/presentationml/2006/main">
+  <p:cSld>
+    <p:spTree>
+      <p:nvGrpSpPr>
+        <p:cNvPr id="1" name=""/>
+        <p:cNvGrpSpPr/>
+        <p:nvPr/>
+      </p:nvGrpSpPr>
+      <p:grpSpPr>
+        <a:xfrm>
+          <a:off x="0" y="0"/>
+          <a:ext cx="0" cy="0"/>
+          <a:chOff x="0" y="0"/>
+          <a:chExt cx="0" cy="0"/>
+        </a:xfrm>
+      </p:grpSpPr>
+      <p:sp>
+        <p:nvSpPr>
+          <p:cNvPr id="2" name="文字版面配置區 1"/>
+          <p:cNvSpPr>
+            <a:spLocks noGrp="1"/>
+          </p:cNvSpPr>
+          <p:nvPr>
+            <p:ph type="body" sz="quarter" idx="10"/>
+          </p:nvPr>
+        </p:nvSpPr>
+        <p:spPr/>
+        <p:txBody>
+          <a:bodyPr/>
+          <a:lstStyle/>
+          <a:p>
+            <a:endParaRPr lang="zh-TW" altLang="en-US"/>
+          </a:p>
+        </p:txBody>
+      </p:sp>
+      <p:sp>
+        <p:nvSpPr>
+          <p:cNvPr id="3" name="投影片編號版面配置區 2"/>
+          <p:cNvSpPr>
+            <a:spLocks noGrp="1"/>
+          </p:cNvSpPr>
+          <p:nvPr>
+            <p:ph type="sldNum" sz="quarter" idx="4"/>
+          </p:nvPr>
+        </p:nvSpPr>
+        <p:spPr/>
+        <p:txBody>
+          <a:bodyPr/>
+          <a:lstStyle/>
+          <a:p>
+            <a:fld id="{6F0746BA-D1AA-4FF4-8D48-BDBC7FF48778}" type="slidenum">
+              <a:rPr lang="fr-FR" smtClean="0"/>
+              <a:t>5</a:t>
+            </a:fld>
+            <a:endParaRPr lang="fr-FR"/>
+          </a:p>
+        </p:txBody>
+      </p:sp>
+      <p:sp>
+        <p:nvSpPr>
+          <p:cNvPr id="4" name="文字方塊 3"/>
+          <p:cNvSpPr txBox="1"/>
+          <p:nvPr/>
+        </p:nvSpPr>
+        <p:spPr>
+          <a:xfrm>
+            <a:off x="3466214" y="2583712"/>
+            <a:ext cx="2451953" cy="461665"/>
+          </a:xfrm>
+          <a:prstGeom prst="rect">
+            <a:avLst/>
+          </a:prstGeom>
+          <a:noFill/>
+        </p:spPr>
+        <p:txBody>
+          <a:bodyPr wrap="none" lIns="0" rtlCol="0" anchor="t">
+            <a:spAutoFit/>
+          </a:bodyPr>
+          <a:lstStyle/>
+          <a:p>
+            <a:pPr algn="l">
+              <a:lnSpc>
+                <a:spcPct val="120000"/>
+              </a:lnSpc>
+            </a:pPr>
+            <a:r>
+              <a:rPr lang="zh-TW" altLang="en-US" sz="2000" dirty="0" smtClean="0">
+                <a:latin typeface="Segoe UI Light" panose="020B0502040204020203" pitchFamily="34" charset="0"/>
+                <a:cs typeface="Segoe UI Light" panose="020B0502040204020203" pitchFamily="34" charset="0"/>
+              </a:rPr>
+              <a:t>放 </a:t>
+            </a:r>
+            <a:r>
+              <a:rPr lang="en-US" altLang="zh-TW" sz="2000" dirty="0" smtClean="0">
+                <a:latin typeface="Segoe UI Light" panose="020B0502040204020203" pitchFamily="34" charset="0"/>
+                <a:cs typeface="Segoe UI Light" panose="020B0502040204020203" pitchFamily="34" charset="0"/>
+              </a:rPr>
+              <a:t>Low412 MMC </a:t>
+            </a:r>
+            <a:r>
+              <a:rPr lang="zh-TW" altLang="en-US" sz="2000" dirty="0" smtClean="0">
+                <a:latin typeface="Segoe UI Light" panose="020B0502040204020203" pitchFamily="34" charset="0"/>
+                <a:cs typeface="Segoe UI Light" panose="020B0502040204020203" pitchFamily="34" charset="0"/>
+              </a:rPr>
+              <a:t>塑角</a:t>
+            </a:r>
+          </a:p>
+        </p:txBody>
+      </p:sp>
+      <p:pic>
+        <p:nvPicPr>
+          <p:cNvPr id="6" name="圖片 5"/>
+          <p:cNvPicPr>
+            <a:picLocks noChangeAspect="1"/>
+          </p:cNvPicPr>
+          <p:nvPr/>
+        </p:nvPicPr>
+        <p:blipFill>
+          <a:blip r:embed="rId2"/>
+          <a:stretch>
+            <a:fillRect/>
+          </a:stretch>
+        </p:blipFill>
+        <p:spPr>
+          <a:xfrm>
+            <a:off x="6232125" y="2246996"/>
+            <a:ext cx="5923809" cy="3257143"/>
+          </a:xfrm>
+          <a:prstGeom prst="rect">
+            <a:avLst/>
+          </a:prstGeom>
+        </p:spPr>
+      </p:pic>
+    </p:spTree>
+    <p:extLst>
+      <p:ext uri="{BB962C8B-B14F-4D97-AF65-F5344CB8AC3E}">
+        <p14:creationId xmlns:p14="http://schemas.microsoft.com/office/powerpoint/2010/main" val="1888835385"/>
+      </p:ext>
+    </p:extLst>
+  </p:cSld>
+  <p:clrMapOvr>
+    <a:masterClrMapping/>
+  </p:clrMapOvr>
+  <mc:AlternateContent xmlns:mc="http://schemas.openxmlformats.org/markup-compatibility/2006" xmlns:p14="http://schemas.microsoft.com/office/powerpoint/2010/main">
+    <mc:Choice Requires="p14">
+      <p:transition spd="med" p14:dur="700">
+        <p:fade/>
+      </p:transition>
+    </mc:Choice>
+    <mc:Fallback xmlns="">
+      <p:transition spd="med">
+        <p:fade/>
+      </p:transition>
+    </mc:Fallback>
+  </mc:AlternateContent>
+  <p:timing>
+    <p:tnLst>
+      <p:par>
+        <p:cTn id="1" dur="indefinite" restart="never" nodeType="tmRoot"/>
+      </p:par>
+    </p:tnLst>
+  </p:timing>
+</p:sld>
+</file>
+
+<file path=ppt/slides/slide6.xml><?xml version="1.0" encoding="utf-8"?>
+<p:sld xmlns:a="http://schemas.openxmlformats.org/drawingml/2006/main" xmlns:r="http://schemas.openxmlformats.org/officeDocument/2006/relationships" xmlns:p="http://schemas.openxmlformats.org/presentationml/2006/main">
+  <p:cSld>
+    <p:spTree>
+      <p:nvGrpSpPr>
+        <p:cNvPr id="1" name=""/>
+        <p:cNvGrpSpPr/>
+        <p:nvPr/>
+      </p:nvGrpSpPr>
+      <p:grpSpPr>
+        <a:xfrm>
+          <a:off x="0" y="0"/>
+          <a:ext cx="0" cy="0"/>
+          <a:chOff x="0" y="0"/>
+          <a:chExt cx="0" cy="0"/>
+        </a:xfrm>
+      </p:grpSpPr>
+      <p:sp>
+        <p:nvSpPr>
+          <p:cNvPr id="2" name="文字版面配置區 1"/>
+          <p:cNvSpPr>
+            <a:spLocks noGrp="1"/>
+          </p:cNvSpPr>
+          <p:nvPr>
+            <p:ph type="body" sz="quarter" idx="10"/>
+          </p:nvPr>
+        </p:nvSpPr>
+        <p:spPr>
+          <a:xfrm>
+            <a:off x="839788" y="660400"/>
+            <a:ext cx="6826286" cy="2048766"/>
+          </a:xfrm>
+        </p:spPr>
+        <p:txBody>
+          <a:bodyPr/>
+          <a:lstStyle/>
+          <a:p>
+            <a:r>
+              <a:rPr lang="en-US" altLang="zh-TW" dirty="0"/>
+              <a:t>Modal Pushover Analysis</a:t>
+            </a:r>
+          </a:p>
+          <a:p>
+            <a:endParaRPr lang="zh-TW" altLang="en-US" dirty="0"/>
+          </a:p>
+        </p:txBody>
+      </p:sp>
+      <p:sp>
+        <p:nvSpPr>
+          <p:cNvPr id="3" name="投影片編號版面配置區 2"/>
+          <p:cNvSpPr>
+            <a:spLocks noGrp="1"/>
+          </p:cNvSpPr>
+          <p:nvPr>
+            <p:ph type="sldNum" sz="quarter" idx="4"/>
+          </p:nvPr>
+        </p:nvSpPr>
+        <p:spPr/>
+        <p:txBody>
+          <a:bodyPr/>
+          <a:lstStyle/>
+          <a:p>
+            <a:fld id="{6F0746BA-D1AA-4FF4-8D48-BDBC7FF48778}" type="slidenum">
+              <a:rPr lang="fr-FR" smtClean="0"/>
+              <a:t>6</a:t>
+            </a:fld>
+            <a:endParaRPr lang="fr-FR"/>
+          </a:p>
+        </p:txBody>
+      </p:sp>
+      <p:pic>
+        <p:nvPicPr>
+          <p:cNvPr id="4" name="圖片 3"/>
+          <p:cNvPicPr>
+            <a:picLocks noChangeAspect="1"/>
+          </p:cNvPicPr>
+          <p:nvPr/>
+        </p:nvPicPr>
+        <p:blipFill>
+          <a:blip r:embed="rId2">
+            <a:clrChange>
+              <a:clrFrom>
+                <a:srgbClr val="FFFFFF"/>
+              </a:clrFrom>
+              <a:clrTo>
+                <a:srgbClr val="FFFFFF">
+                  <a:alpha val="0"/>
+                </a:srgbClr>
+              </a:clrTo>
+            </a:clrChange>
+          </a:blip>
+          <a:stretch>
+            <a:fillRect/>
+          </a:stretch>
+        </p:blipFill>
+        <p:spPr>
+          <a:xfrm>
+            <a:off x="744349" y="2299189"/>
+            <a:ext cx="5344500" cy="4004000"/>
+          </a:xfrm>
+          <a:prstGeom prst="rect">
+            <a:avLst/>
+          </a:prstGeom>
+        </p:spPr>
+      </p:pic>
+      <p:pic>
+        <p:nvPicPr>
+          <p:cNvPr id="5" name="圖片 4"/>
+          <p:cNvPicPr>
+            <a:picLocks noChangeAspect="1"/>
+          </p:cNvPicPr>
+          <p:nvPr/>
+        </p:nvPicPr>
+        <p:blipFill>
+          <a:blip r:embed="rId3">
+            <a:clrChange>
+              <a:clrFrom>
+                <a:srgbClr val="FFFFFF"/>
+              </a:clrFrom>
+              <a:clrTo>
+                <a:srgbClr val="FFFFFF">
+                  <a:alpha val="0"/>
+                </a:srgbClr>
+              </a:clrTo>
+            </a:clrChange>
+          </a:blip>
+          <a:stretch>
+            <a:fillRect/>
+          </a:stretch>
+        </p:blipFill>
+        <p:spPr>
+          <a:xfrm>
+            <a:off x="6103150" y="2299185"/>
+            <a:ext cx="5344500" cy="4004000"/>
+          </a:xfrm>
+          <a:prstGeom prst="rect">
+            <a:avLst/>
+          </a:prstGeom>
+        </p:spPr>
+      </p:pic>
+      <p:sp>
+        <p:nvSpPr>
+          <p:cNvPr id="6" name="文字方塊 5"/>
+          <p:cNvSpPr txBox="1"/>
+          <p:nvPr/>
+        </p:nvSpPr>
+        <p:spPr>
+          <a:xfrm>
+            <a:off x="2973689" y="1871760"/>
+            <a:ext cx="885820" cy="427425"/>
+          </a:xfrm>
+          <a:prstGeom prst="rect">
+            <a:avLst/>
+          </a:prstGeom>
+          <a:noFill/>
+        </p:spPr>
+        <p:txBody>
+          <a:bodyPr wrap="none" lIns="0" rtlCol="0" anchor="t">
+            <a:spAutoFit/>
+          </a:bodyPr>
+          <a:lstStyle/>
+          <a:p>
+            <a:pPr algn="l">
+              <a:lnSpc>
+                <a:spcPct val="120000"/>
+              </a:lnSpc>
+            </a:pPr>
+            <a:r>
+              <a:rPr lang="en-US" altLang="zh-TW" sz="2000" dirty="0" smtClean="0">
+                <a:latin typeface="Segoe UI Light" panose="020B0502040204020203" pitchFamily="34" charset="0"/>
+                <a:cs typeface="Segoe UI Light" panose="020B0502040204020203" pitchFamily="34" charset="0"/>
+              </a:rPr>
+              <a:t>Mode 1</a:t>
+            </a:r>
+            <a:endParaRPr lang="zh-TW" altLang="en-US" sz="2000" dirty="0" smtClean="0">
+              <a:latin typeface="Segoe UI Light" panose="020B0502040204020203" pitchFamily="34" charset="0"/>
+              <a:cs typeface="Segoe UI Light" panose="020B0502040204020203" pitchFamily="34" charset="0"/>
+            </a:endParaRPr>
+          </a:p>
+        </p:txBody>
+      </p:sp>
+      <p:sp>
+        <p:nvSpPr>
+          <p:cNvPr id="7" name="文字方塊 6"/>
+          <p:cNvSpPr txBox="1"/>
+          <p:nvPr/>
+        </p:nvSpPr>
+        <p:spPr>
+          <a:xfrm>
+            <a:off x="8332490" y="1871760"/>
+            <a:ext cx="925894" cy="427425"/>
+          </a:xfrm>
+          <a:prstGeom prst="rect">
+            <a:avLst/>
+          </a:prstGeom>
+          <a:noFill/>
+        </p:spPr>
+        <p:txBody>
+          <a:bodyPr wrap="none" lIns="0" rtlCol="0" anchor="t">
+            <a:spAutoFit/>
+          </a:bodyPr>
+          <a:lstStyle/>
+          <a:p>
+            <a:pPr algn="l">
+              <a:lnSpc>
+                <a:spcPct val="120000"/>
+              </a:lnSpc>
+            </a:pPr>
+            <a:r>
+              <a:rPr lang="en-US" altLang="zh-TW" sz="2000" dirty="0" smtClean="0">
+                <a:latin typeface="Segoe UI Light" panose="020B0502040204020203" pitchFamily="34" charset="0"/>
+                <a:cs typeface="Segoe UI Light" panose="020B0502040204020203" pitchFamily="34" charset="0"/>
+              </a:rPr>
+              <a:t>Mode 2</a:t>
+            </a:r>
+            <a:endParaRPr lang="zh-TW" altLang="en-US" sz="2000" dirty="0" smtClean="0">
+              <a:latin typeface="Segoe UI Light" panose="020B0502040204020203" pitchFamily="34" charset="0"/>
+              <a:cs typeface="Segoe UI Light" panose="020B0502040204020203" pitchFamily="34" charset="0"/>
+            </a:endParaRPr>
+          </a:p>
+        </p:txBody>
+      </p:sp>
+    </p:spTree>
+    <p:extLst>
+      <p:ext uri="{BB962C8B-B14F-4D97-AF65-F5344CB8AC3E}">
+        <p14:creationId xmlns:p14="http://schemas.microsoft.com/office/powerpoint/2010/main" val="1357816260"/>
+      </p:ext>
+    </p:extLst>
+  </p:cSld>
+  <p:clrMapOvr>
+    <a:masterClrMapping/>
+  </p:clrMapOvr>
+  <mc:AlternateContent xmlns:mc="http://schemas.openxmlformats.org/markup-compatibility/2006" xmlns:p14="http://schemas.microsoft.com/office/powerpoint/2010/main">
+    <mc:Choice Requires="p14">
+      <p:transition spd="med" p14:dur="700">
+        <p:fade/>
+      </p:transition>
+    </mc:Choice>
+    <mc:Fallback xmlns="">
+      <p:transition spd="med">
+        <p:fade/>
+      </p:transition>
+    </mc:Fallback>
+  </mc:AlternateContent>
+  <p:timing>
+    <p:tnLst>
+      <p:par>
+        <p:cTn id="1" dur="indefinite" restart="never" nodeType="tmRoot"/>
+      </p:par>
+    </p:tnLst>
+  </p:timing>
+</p:sld>
+</file>
+
+<file path=ppt/slides/slide7.xml><?xml version="1.0" encoding="utf-8"?>
+<p:sld xmlns:a="http://schemas.openxmlformats.org/drawingml/2006/main" xmlns:r="http://schemas.openxmlformats.org/officeDocument/2006/relationships" xmlns:p="http://schemas.openxmlformats.org/presentationml/2006/main">
+  <p:cSld>
+    <p:spTree>
+      <p:nvGrpSpPr>
+        <p:cNvPr id="1" name=""/>
+        <p:cNvGrpSpPr/>
+        <p:nvPr/>
+      </p:nvGrpSpPr>
+      <p:grpSpPr>
+        <a:xfrm>
+          <a:off x="0" y="0"/>
+          <a:ext cx="0" cy="0"/>
+          <a:chOff x="0" y="0"/>
+          <a:chExt cx="0" cy="0"/>
+        </a:xfrm>
+      </p:grpSpPr>
+      <p:sp>
+        <p:nvSpPr>
+          <p:cNvPr id="3" name="投影片編號版面配置區 2"/>
+          <p:cNvSpPr>
+            <a:spLocks noGrp="1"/>
+          </p:cNvSpPr>
+          <p:nvPr>
+            <p:ph type="sldNum" sz="quarter" idx="4"/>
+          </p:nvPr>
+        </p:nvSpPr>
+        <p:spPr/>
+        <p:txBody>
+          <a:bodyPr/>
+          <a:lstStyle/>
+          <a:p>
+            <a:fld id="{6F0746BA-D1AA-4FF4-8D48-BDBC7FF48778}" type="slidenum">
+              <a:rPr lang="fr-FR" smtClean="0"/>
+              <a:t>7</a:t>
+            </a:fld>
+            <a:endParaRPr lang="fr-FR"/>
+          </a:p>
+        </p:txBody>
+      </p:sp>
+      <p:pic>
+        <p:nvPicPr>
+          <p:cNvPr id="4" name="圖片 3"/>
+          <p:cNvPicPr>
+            <a:picLocks noChangeAspect="1"/>
+          </p:cNvPicPr>
+          <p:nvPr/>
+        </p:nvPicPr>
+        <p:blipFill>
+          <a:blip r:embed="rId2">
+            <a:clrChange>
+              <a:clrFrom>
+                <a:srgbClr val="FFFFFF"/>
+              </a:clrFrom>
+              <a:clrTo>
+                <a:srgbClr val="FFFFFF">
+                  <a:alpha val="0"/>
+                </a:srgbClr>
+              </a:clrTo>
+            </a:clrChange>
+          </a:blip>
+          <a:stretch>
+            <a:fillRect/>
+          </a:stretch>
+        </p:blipFill>
+        <p:spPr>
+          <a:xfrm>
+            <a:off x="954189" y="0"/>
+            <a:ext cx="5141811" cy="6858000"/>
+          </a:xfrm>
+          <a:prstGeom prst="rect">
+            <a:avLst/>
+          </a:prstGeom>
+        </p:spPr>
+      </p:pic>
+    </p:spTree>
+    <p:extLst>
+      <p:ext uri="{BB962C8B-B14F-4D97-AF65-F5344CB8AC3E}">
+        <p14:creationId xmlns:p14="http://schemas.microsoft.com/office/powerpoint/2010/main" val="516740938"/>
+      </p:ext>
+    </p:extLst>
+  </p:cSld>
+  <p:clrMapOvr>
+    <a:masterClrMapping/>
+  </p:clrMapOvr>
+  <mc:AlternateContent xmlns:mc="http://schemas.openxmlformats.org/markup-compatibility/2006" xmlns:p14="http://schemas.microsoft.com/office/powerpoint/2010/main">
+    <mc:Choice Requires="p14">
+      <p:transition spd="med" p14:dur="700">
+        <p:fade/>
+      </p:transition>
+    </mc:Choice>
+    <mc:Fallback xmlns="">
+      <p:transition spd="med">
+        <p:fade/>
+      </p:transition>
+    </mc:Fallback>
+  </mc:AlternateContent>
+  <p:timing>
+    <p:tnLst>
+      <p:par>
+        <p:cTn id="1" dur="indefinite" restart="never" nodeType="tmRoot"/>
+      </p:par>
+    </p:tnLst>
+  </p:timing>
+</p:sld>
+</file>
+
+<file path=ppt/slides/slide8.xml><?xml version="1.0" encoding="utf-8"?>
+<p:sld xmlns:a="http://schemas.openxmlformats.org/drawingml/2006/main" xmlns:r="http://schemas.openxmlformats.org/officeDocument/2006/relationships" xmlns:p="http://schemas.openxmlformats.org/presentationml/2006/main">
+  <p:cSld>
+    <p:spTree>
+      <p:nvGrpSpPr>
+        <p:cNvPr id="1" name=""/>
+        <p:cNvGrpSpPr/>
+        <p:nvPr/>
+      </p:nvGrpSpPr>
+      <p:grpSpPr>
+        <a:xfrm>
+          <a:off x="0" y="0"/>
+          <a:ext cx="0" cy="0"/>
+          <a:chOff x="0" y="0"/>
+          <a:chExt cx="0" cy="0"/>
+        </a:xfrm>
+      </p:grpSpPr>
+      <p:sp>
+        <p:nvSpPr>
+          <p:cNvPr id="2" name="文字版面配置區 1"/>
+          <p:cNvSpPr>
+            <a:spLocks noGrp="1"/>
+          </p:cNvSpPr>
+          <p:nvPr>
+            <p:ph type="body" sz="quarter" idx="10"/>
+          </p:nvPr>
+        </p:nvSpPr>
+        <p:spPr/>
+        <p:txBody>
+          <a:bodyPr/>
+          <a:lstStyle/>
+          <a:p>
+            <a:r>
+              <a:rPr lang="en-US" altLang="zh-TW" dirty="0" smtClean="0"/>
+              <a:t>Time History</a:t>
+            </a:r>
+            <a:endParaRPr lang="zh-TW" altLang="en-US" dirty="0"/>
+          </a:p>
+        </p:txBody>
+      </p:sp>
+      <p:sp>
+        <p:nvSpPr>
+          <p:cNvPr id="3" name="投影片編號版面配置區 2"/>
+          <p:cNvSpPr>
+            <a:spLocks noGrp="1"/>
+          </p:cNvSpPr>
+          <p:nvPr>
+            <p:ph type="sldNum" sz="quarter" idx="4"/>
+          </p:nvPr>
+        </p:nvSpPr>
+        <p:spPr/>
+        <p:txBody>
+          <a:bodyPr/>
+          <a:lstStyle/>
+          <a:p>
+            <a:fld id="{6F0746BA-D1AA-4FF4-8D48-BDBC7FF48778}" type="slidenum">
+              <a:rPr lang="fr-FR" smtClean="0"/>
+              <a:t>8</a:t>
+            </a:fld>
+            <a:endParaRPr lang="fr-FR"/>
+          </a:p>
+        </p:txBody>
+      </p:sp>
+      <p:pic>
+        <p:nvPicPr>
+          <p:cNvPr id="5" name="圖片 4"/>
+          <p:cNvPicPr>
+            <a:picLocks noChangeAspect="1"/>
+          </p:cNvPicPr>
+          <p:nvPr/>
+        </p:nvPicPr>
+        <p:blipFill>
+          <a:blip r:embed="rId2">
+            <a:clrChange>
+              <a:clrFrom>
+                <a:srgbClr val="FFFFFF"/>
+              </a:clrFrom>
+              <a:clrTo>
+                <a:srgbClr val="FFFFFF">
+                  <a:alpha val="0"/>
+                </a:srgbClr>
+              </a:clrTo>
+            </a:clrChange>
+          </a:blip>
+          <a:stretch>
+            <a:fillRect/>
+          </a:stretch>
+        </p:blipFill>
+        <p:spPr>
+          <a:xfrm>
+            <a:off x="6104989" y="2298871"/>
+            <a:ext cx="5344500" cy="4004000"/>
+          </a:xfrm>
+          <a:prstGeom prst="rect">
+            <a:avLst/>
+          </a:prstGeom>
+        </p:spPr>
+      </p:pic>
+      <p:pic>
+        <p:nvPicPr>
+          <p:cNvPr id="6" name="圖片 5"/>
+          <p:cNvPicPr>
+            <a:picLocks noChangeAspect="1"/>
+          </p:cNvPicPr>
+          <p:nvPr/>
+        </p:nvPicPr>
+        <p:blipFill>
+          <a:blip r:embed="rId3">
+            <a:clrChange>
+              <a:clrFrom>
+                <a:srgbClr val="FFFFFF"/>
+              </a:clrFrom>
+              <a:clrTo>
+                <a:srgbClr val="FFFFFF">
+                  <a:alpha val="0"/>
+                </a:srgbClr>
+              </a:clrTo>
+            </a:clrChange>
+          </a:blip>
+          <a:stretch>
+            <a:fillRect/>
+          </a:stretch>
+        </p:blipFill>
+        <p:spPr>
+          <a:xfrm>
+            <a:off x="751500" y="2298871"/>
+            <a:ext cx="5344500" cy="4004000"/>
+          </a:xfrm>
+          <a:prstGeom prst="rect">
+            <a:avLst/>
+          </a:prstGeom>
+        </p:spPr>
+      </p:pic>
+    </p:spTree>
+    <p:extLst>
+      <p:ext uri="{BB962C8B-B14F-4D97-AF65-F5344CB8AC3E}">
+        <p14:creationId xmlns:p14="http://schemas.microsoft.com/office/powerpoint/2010/main" val="2586811232"/>
+      </p:ext>
+    </p:extLst>
+  </p:cSld>
+  <p:clrMapOvr>
+    <a:masterClrMapping/>
+  </p:clrMapOvr>
+  <mc:AlternateContent xmlns:mc="http://schemas.openxmlformats.org/markup-compatibility/2006" xmlns:p14="http://schemas.microsoft.com/office/powerpoint/2010/main">
+    <mc:Choice Requires="p14">
+      <p:transition spd="med" p14:dur="700">
+        <p:fade/>
+      </p:transition>
+    </mc:Choice>
+    <mc:Fallback xmlns="">
+      <p:transition spd="med">
+        <p:fade/>
+      </p:transition>
+    </mc:Fallback>
+  </mc:AlternateContent>
+  <p:timing>
+    <p:tnLst>
+      <p:par>
+        <p:cTn id="1" dur="indefinite" restart="never" nodeType="tmRoot"/>
+      </p:par>
+    </p:tnLst>
+  </p:timing>
+</p:sld>
+</file>
+
+<file path=ppt/slides/slide9.xml><?xml version="1.0" encoding="utf-8"?>
+<p:sld xmlns:a="http://schemas.openxmlformats.org/drawingml/2006/main" xmlns:r="http://schemas.openxmlformats.org/officeDocument/2006/relationships" xmlns:p="http://schemas.openxmlformats.org/presentationml/2006/main" show="0">
+  <p:cSld>
+    <p:spTree>
+      <p:nvGrpSpPr>
+        <p:cNvPr id="1" name=""/>
+        <p:cNvGrpSpPr/>
+        <p:nvPr/>
+      </p:nvGrpSpPr>
+      <p:grpSpPr>
+        <a:xfrm>
+          <a:off x="0" y="0"/>
+          <a:ext cx="0" cy="0"/>
+          <a:chOff x="0" y="0"/>
+          <a:chExt cx="0" cy="0"/>
+        </a:xfrm>
+      </p:grpSpPr>
+      <p:sp>
+        <p:nvSpPr>
+          <p:cNvPr id="2" name="投影片編號版面配置區 1"/>
+          <p:cNvSpPr>
+            <a:spLocks noGrp="1"/>
+          </p:cNvSpPr>
+          <p:nvPr>
+            <p:ph type="sldNum" sz="quarter" idx="4"/>
+          </p:nvPr>
+        </p:nvSpPr>
+        <p:spPr/>
+        <p:txBody>
+          <a:bodyPr/>
+          <a:lstStyle/>
+          <a:p>
+            <a:fld id="{6F0746BA-D1AA-4FF4-8D48-BDBC7FF48778}" type="slidenum">
+              <a:rPr lang="fr-FR" smtClean="0"/>
+              <a:t>9</a:t>
             </a:fld>
             <a:endParaRPr lang="fr-FR"/>
           </a:p>
@@ -23733,336 +25678,6 @@
     <p:extLst>
       <p:ext uri="{BB962C8B-B14F-4D97-AF65-F5344CB8AC3E}">
         <p14:creationId xmlns:p14="http://schemas.microsoft.com/office/powerpoint/2010/main" val="2490319399"/>
-      </p:ext>
-    </p:extLst>
-  </p:cSld>
-  <p:clrMapOvr>
-    <a:masterClrMapping/>
-  </p:clrMapOvr>
-  <mc:AlternateContent xmlns:mc="http://schemas.openxmlformats.org/markup-compatibility/2006" xmlns:p14="http://schemas.microsoft.com/office/powerpoint/2010/main">
-    <mc:Choice Requires="p14">
-      <p:transition spd="med" p14:dur="700">
-        <p:fade/>
-      </p:transition>
-    </mc:Choice>
-    <mc:Fallback xmlns="">
-      <p:transition spd="med">
-        <p:fade/>
-      </p:transition>
-    </mc:Fallback>
-  </mc:AlternateContent>
-  <p:timing>
-    <p:tnLst>
-      <p:par>
-        <p:cTn id="1" dur="indefinite" restart="never" nodeType="tmRoot"/>
-      </p:par>
-    </p:tnLst>
-  </p:timing>
-</p:sld>
-</file>
-
-<file path=ppt/slides/slide4.xml><?xml version="1.0" encoding="utf-8"?>
-<p:sld xmlns:a="http://schemas.openxmlformats.org/drawingml/2006/main" xmlns:r="http://schemas.openxmlformats.org/officeDocument/2006/relationships" xmlns:p="http://schemas.openxmlformats.org/presentationml/2006/main">
-  <p:cSld>
-    <p:spTree>
-      <p:nvGrpSpPr>
-        <p:cNvPr id="1" name=""/>
-        <p:cNvGrpSpPr/>
-        <p:nvPr/>
-      </p:nvGrpSpPr>
-      <p:grpSpPr>
-        <a:xfrm>
-          <a:off x="0" y="0"/>
-          <a:ext cx="0" cy="0"/>
-          <a:chOff x="0" y="0"/>
-          <a:chExt cx="0" cy="0"/>
-        </a:xfrm>
-      </p:grpSpPr>
-      <p:pic>
-        <p:nvPicPr>
-          <p:cNvPr id="3" name="圖片 2"/>
-          <p:cNvPicPr>
-            <a:picLocks noChangeAspect="1"/>
-          </p:cNvPicPr>
-          <p:nvPr/>
-        </p:nvPicPr>
-        <p:blipFill>
-          <a:blip r:embed="rId2">
-            <a:clrChange>
-              <a:clrFrom>
-                <a:srgbClr val="FFFFFF"/>
-              </a:clrFrom>
-              <a:clrTo>
-                <a:srgbClr val="FFFFFF">
-                  <a:alpha val="0"/>
-                </a:srgbClr>
-              </a:clrTo>
-            </a:clrChange>
-          </a:blip>
-          <a:stretch>
-            <a:fillRect/>
-          </a:stretch>
-        </p:blipFill>
-        <p:spPr>
-          <a:xfrm>
-            <a:off x="6847500" y="1756610"/>
-            <a:ext cx="5344500" cy="4004000"/>
-          </a:xfrm>
-          <a:prstGeom prst="rect">
-            <a:avLst/>
-          </a:prstGeom>
-        </p:spPr>
-      </p:pic>
-      <p:sp>
-        <p:nvSpPr>
-          <p:cNvPr id="5" name="橢圓 4"/>
-          <p:cNvSpPr/>
-          <p:nvPr/>
-        </p:nvSpPr>
-        <p:spPr>
-          <a:xfrm>
-            <a:off x="10217888" y="3338623"/>
-            <a:ext cx="1499191" cy="1499191"/>
-          </a:xfrm>
-          <a:prstGeom prst="ellipse">
-            <a:avLst/>
-          </a:prstGeom>
-          <a:noFill/>
-          <a:ln>
-            <a:solidFill>
-              <a:schemeClr val="accent1"/>
-            </a:solidFill>
-          </a:ln>
-        </p:spPr>
-        <p:style>
-          <a:lnRef idx="2">
-            <a:schemeClr val="accent1">
-              <a:shade val="50000"/>
-            </a:schemeClr>
-          </a:lnRef>
-          <a:fillRef idx="1">
-            <a:schemeClr val="accent1"/>
-          </a:fillRef>
-          <a:effectRef idx="0">
-            <a:schemeClr val="accent1"/>
-          </a:effectRef>
-          <a:fontRef idx="minor">
-            <a:schemeClr val="lt1"/>
-          </a:fontRef>
-        </p:style>
-        <p:txBody>
-          <a:bodyPr rtlCol="0" anchor="ctr"/>
-          <a:lstStyle/>
-          <a:p>
-            <a:pPr algn="ctr"/>
-            <a:endParaRPr lang="zh-TW" altLang="en-US"/>
-          </a:p>
-        </p:txBody>
-      </p:sp>
-      <p:sp>
-        <p:nvSpPr>
-          <p:cNvPr id="2" name="投影片編號版面配置區 1"/>
-          <p:cNvSpPr>
-            <a:spLocks noGrp="1"/>
-          </p:cNvSpPr>
-          <p:nvPr>
-            <p:ph type="sldNum" sz="quarter" idx="4"/>
-          </p:nvPr>
-        </p:nvSpPr>
-        <p:spPr/>
-        <p:txBody>
-          <a:bodyPr/>
-          <a:lstStyle/>
-          <a:p>
-            <a:fld id="{6F0746BA-D1AA-4FF4-8D48-BDBC7FF48778}" type="slidenum">
-              <a:rPr lang="fr-FR" smtClean="0"/>
-              <a:t>4</a:t>
-            </a:fld>
-            <a:endParaRPr lang="fr-FR"/>
-          </a:p>
-        </p:txBody>
-      </p:sp>
-      <p:pic>
-        <p:nvPicPr>
-          <p:cNvPr id="4" name="圖片 3"/>
-          <p:cNvPicPr>
-            <a:picLocks noChangeAspect="1"/>
-          </p:cNvPicPr>
-          <p:nvPr/>
-        </p:nvPicPr>
-        <p:blipFill>
-          <a:blip r:embed="rId3">
-            <a:clrChange>
-              <a:clrFrom>
-                <a:srgbClr val="FFFFFF"/>
-              </a:clrFrom>
-              <a:clrTo>
-                <a:srgbClr val="FFFFFF">
-                  <a:alpha val="0"/>
-                </a:srgbClr>
-              </a:clrTo>
-            </a:clrChange>
-          </a:blip>
-          <a:stretch>
-            <a:fillRect/>
-          </a:stretch>
-        </p:blipFill>
-        <p:spPr>
-          <a:xfrm>
-            <a:off x="531694" y="1804457"/>
-            <a:ext cx="5344500" cy="4004000"/>
-          </a:xfrm>
-          <a:prstGeom prst="rect">
-            <a:avLst/>
-          </a:prstGeom>
-        </p:spPr>
-      </p:pic>
-    </p:spTree>
-    <p:extLst>
-      <p:ext uri="{BB962C8B-B14F-4D97-AF65-F5344CB8AC3E}">
-        <p14:creationId xmlns:p14="http://schemas.microsoft.com/office/powerpoint/2010/main" val="4234360279"/>
-      </p:ext>
-    </p:extLst>
-  </p:cSld>
-  <p:clrMapOvr>
-    <a:masterClrMapping/>
-  </p:clrMapOvr>
-  <mc:AlternateContent xmlns:mc="http://schemas.openxmlformats.org/markup-compatibility/2006" xmlns:p14="http://schemas.microsoft.com/office/powerpoint/2010/main">
-    <mc:Choice Requires="p14">
-      <p:transition spd="med" p14:dur="700">
-        <p:fade/>
-      </p:transition>
-    </mc:Choice>
-    <mc:Fallback xmlns="">
-      <p:transition spd="med">
-        <p:fade/>
-      </p:transition>
-    </mc:Fallback>
-  </mc:AlternateContent>
-  <p:timing>
-    <p:tnLst>
-      <p:par>
-        <p:cTn id="1" dur="indefinite" restart="never" nodeType="tmRoot"/>
-      </p:par>
-    </p:tnLst>
-  </p:timing>
-</p:sld>
-</file>
-
-<file path=ppt/slides/slide5.xml><?xml version="1.0" encoding="utf-8"?>
-<p:sld xmlns:a="http://schemas.openxmlformats.org/drawingml/2006/main" xmlns:r="http://schemas.openxmlformats.org/officeDocument/2006/relationships" xmlns:p="http://schemas.openxmlformats.org/presentationml/2006/main">
-  <p:cSld>
-    <p:spTree>
-      <p:nvGrpSpPr>
-        <p:cNvPr id="1" name=""/>
-        <p:cNvGrpSpPr/>
-        <p:nvPr/>
-      </p:nvGrpSpPr>
-      <p:grpSpPr>
-        <a:xfrm>
-          <a:off x="0" y="0"/>
-          <a:ext cx="0" cy="0"/>
-          <a:chOff x="0" y="0"/>
-          <a:chExt cx="0" cy="0"/>
-        </a:xfrm>
-      </p:grpSpPr>
-      <p:sp>
-        <p:nvSpPr>
-          <p:cNvPr id="2" name="投影片編號版面配置區 1"/>
-          <p:cNvSpPr>
-            <a:spLocks noGrp="1"/>
-          </p:cNvSpPr>
-          <p:nvPr>
-            <p:ph type="sldNum" sz="quarter" idx="4"/>
-          </p:nvPr>
-        </p:nvSpPr>
-        <p:spPr/>
-        <p:txBody>
-          <a:bodyPr/>
-          <a:lstStyle/>
-          <a:p>
-            <a:fld id="{6F0746BA-D1AA-4FF4-8D48-BDBC7FF48778}" type="slidenum">
-              <a:rPr lang="fr-FR" smtClean="0"/>
-              <a:t>5</a:t>
-            </a:fld>
-            <a:endParaRPr lang="fr-FR"/>
-          </a:p>
-        </p:txBody>
-      </p:sp>
-      <p:pic>
-        <p:nvPicPr>
-          <p:cNvPr id="3" name="圖片 2"/>
-          <p:cNvPicPr>
-            <a:picLocks noChangeAspect="1"/>
-          </p:cNvPicPr>
-          <p:nvPr/>
-        </p:nvPicPr>
-        <p:blipFill>
-          <a:blip r:embed="rId3">
-            <a:clrChange>
-              <a:clrFrom>
-                <a:srgbClr val="FFFFFF"/>
-              </a:clrFrom>
-              <a:clrTo>
-                <a:srgbClr val="FFFFFF">
-                  <a:alpha val="0"/>
-                </a:srgbClr>
-              </a:clrTo>
-            </a:clrChange>
-          </a:blip>
-          <a:stretch>
-            <a:fillRect/>
-          </a:stretch>
-        </p:blipFill>
-        <p:spPr>
-          <a:xfrm>
-            <a:off x="0" y="1536692"/>
-            <a:ext cx="6095238" cy="4571429"/>
-          </a:xfrm>
-          <a:prstGeom prst="rect">
-            <a:avLst/>
-          </a:prstGeom>
-        </p:spPr>
-      </p:pic>
-      <p:pic>
-        <p:nvPicPr>
-          <p:cNvPr id="4" name="圖片 3"/>
-          <p:cNvPicPr>
-            <a:picLocks noChangeAspect="1"/>
-          </p:cNvPicPr>
-          <p:nvPr/>
-        </p:nvPicPr>
-        <p:blipFill>
-          <a:blip r:embed="rId4">
-            <a:clrChange>
-              <a:clrFrom>
-                <a:srgbClr val="FFFFFF"/>
-              </a:clrFrom>
-              <a:clrTo>
-                <a:srgbClr val="FFFFFF">
-                  <a:alpha val="0"/>
-                </a:srgbClr>
-              </a:clrTo>
-            </a:clrChange>
-          </a:blip>
-          <a:stretch>
-            <a:fillRect/>
-          </a:stretch>
-        </p:blipFill>
-        <p:spPr>
-          <a:xfrm>
-            <a:off x="6096762" y="1536692"/>
-            <a:ext cx="6095238" cy="4571429"/>
-          </a:xfrm>
-          <a:prstGeom prst="rect">
-            <a:avLst/>
-          </a:prstGeom>
-        </p:spPr>
-      </p:pic>
-    </p:spTree>
-    <p:extLst>
-      <p:ext uri="{BB962C8B-B14F-4D97-AF65-F5344CB8AC3E}">
-        <p14:creationId xmlns:p14="http://schemas.microsoft.com/office/powerpoint/2010/main" val="2305774951"/>
       </p:ext>
     </p:extLst>
   </p:cSld>
@@ -24662,21 +26277,6 @@
 </file>
 
 <file path=customXml/item1.xml><?xml version="1.0" encoding="utf-8"?>
-<p:properties xmlns:p="http://schemas.microsoft.com/office/2006/metadata/properties" xmlns:xsi="http://www.w3.org/2001/XMLSchema-instance" xmlns:pc="http://schemas.microsoft.com/office/infopath/2007/PartnerControls">
-  <documentManagement/>
-</p:properties>
-</file>
-
-<file path=customXml/item2.xml><?xml version="1.0" encoding="utf-8"?>
-<?mso-contentType ?>
-<FormTemplates xmlns="http://schemas.microsoft.com/sharepoint/v3/contenttype/forms">
-  <Display>DocumentLibraryForm</Display>
-  <Edit>DocumentLibraryForm</Edit>
-  <New>DocumentLibraryForm</New>
-</FormTemplates>
-</file>
-
-<file path=customXml/item3.xml><?xml version="1.0" encoding="utf-8"?>
 <ct:contentTypeSchema xmlns:ct="http://schemas.microsoft.com/office/2006/metadata/contentType" xmlns:ma="http://schemas.microsoft.com/office/2006/metadata/properties/metaAttributes" ct:_="" ma:_="" ma:contentTypeName="Document" ma:contentTypeID="0x01010005FA520563873D4EB8CBD5344A351BEB" ma:contentTypeVersion="0" ma:contentTypeDescription="Crée un document." ma:contentTypeScope="" ma:versionID="005ce72954985de94fc750614f2007cc">
   <xsd:schema xmlns:xsd="http://www.w3.org/2001/XMLSchema" xmlns:xs="http://www.w3.org/2001/XMLSchema" xmlns:p="http://schemas.microsoft.com/office/2006/metadata/properties" targetNamespace="http://schemas.microsoft.com/office/2006/metadata/properties" ma:root="true" ma:fieldsID="36883d0f3030e52908f9a4448a35c02a">
     <xsd:element name="properties">
@@ -24790,7 +26390,38 @@
 </ct:contentTypeSchema>
 </file>
 
+<file path=customXml/item2.xml><?xml version="1.0" encoding="utf-8"?>
+<p:properties xmlns:p="http://schemas.microsoft.com/office/2006/metadata/properties" xmlns:xsi="http://www.w3.org/2001/XMLSchema-instance" xmlns:pc="http://schemas.microsoft.com/office/infopath/2007/PartnerControls">
+  <documentManagement/>
+</p:properties>
+</file>
+
+<file path=customXml/item3.xml><?xml version="1.0" encoding="utf-8"?>
+<?mso-contentType ?>
+<FormTemplates xmlns="http://schemas.microsoft.com/sharepoint/v3/contenttype/forms">
+  <Display>DocumentLibraryForm</Display>
+  <Edit>DocumentLibraryForm</Edit>
+  <New>DocumentLibraryForm</New>
+</FormTemplates>
+</file>
+
 <file path=customXml/itemProps1.xml><?xml version="1.0" encoding="utf-8"?>
+<ds:datastoreItem xmlns:ds="http://schemas.openxmlformats.org/officeDocument/2006/customXml" ds:itemID="{FF14EDAB-351E-4851-B148-260C81C296AA}">
+  <ds:schemaRefs>
+    <ds:schemaRef ds:uri="http://schemas.microsoft.com/office/2006/metadata/contentType"/>
+    <ds:schemaRef ds:uri="http://schemas.microsoft.com/office/2006/metadata/properties/metaAttributes"/>
+    <ds:schemaRef ds:uri="http://www.w3.org/2001/XMLSchema"/>
+    <ds:schemaRef ds:uri="http://schemas.microsoft.com/office/2006/metadata/properties"/>
+    <ds:schemaRef ds:uri="http://schemas.openxmlformats.org/package/2006/metadata/core-properties"/>
+    <ds:schemaRef ds:uri="http://purl.org/dc/elements/1.1/"/>
+    <ds:schemaRef ds:uri="http://purl.org/dc/terms/"/>
+    <ds:schemaRef ds:uri="http://schemas.microsoft.com/internal/obd"/>
+    <ds:schemaRef ds:uri="http://schemas.microsoft.com/office/infopath/2007/PartnerControls"/>
+  </ds:schemaRefs>
+</ds:datastoreItem>
+</file>
+
+<file path=customXml/itemProps2.xml><?xml version="1.0" encoding="utf-8"?>
 <ds:datastoreItem xmlns:ds="http://schemas.openxmlformats.org/officeDocument/2006/customXml" ds:itemID="{88BF5EC3-CBCF-41C7-846F-A9B4B81CCEA8}">
   <ds:schemaRefs>
     <ds:schemaRef ds:uri="http://schemas.microsoft.com/office/2006/documentManagement/types"/>
@@ -24805,26 +26436,10 @@
 </ds:datastoreItem>
 </file>
 
-<file path=customXml/itemProps2.xml><?xml version="1.0" encoding="utf-8"?>
+<file path=customXml/itemProps3.xml><?xml version="1.0" encoding="utf-8"?>
 <ds:datastoreItem xmlns:ds="http://schemas.openxmlformats.org/officeDocument/2006/customXml" ds:itemID="{95457E87-E546-449E-A4D1-371201992E58}">
   <ds:schemaRefs>
     <ds:schemaRef ds:uri="http://schemas.microsoft.com/sharepoint/v3/contenttype/forms"/>
   </ds:schemaRefs>
 </ds:datastoreItem>
-</file>
-
-<file path=customXml/itemProps3.xml><?xml version="1.0" encoding="utf-8"?>
-<ds:datastoreItem xmlns:ds="http://schemas.openxmlformats.org/officeDocument/2006/customXml" ds:itemID="{FF14EDAB-351E-4851-B148-260C81C296AA}">
-  <ds:schemaRefs>
-    <ds:schemaRef ds:uri="http://schemas.microsoft.com/office/2006/metadata/contentType"/>
-    <ds:schemaRef ds:uri="http://schemas.microsoft.com/office/2006/metadata/properties/metaAttributes"/>
-    <ds:schemaRef ds:uri="http://www.w3.org/2001/XMLSchema"/>
-    <ds:schemaRef ds:uri="http://schemas.microsoft.com/office/2006/metadata/properties"/>
-    <ds:schemaRef ds:uri="http://schemas.openxmlformats.org/package/2006/metadata/core-properties"/>
-    <ds:schemaRef ds:uri="http://purl.org/dc/elements/1.1/"/>
-    <ds:schemaRef ds:uri="http://purl.org/dc/terms/"/>
-    <ds:schemaRef ds:uri="http://schemas.microsoft.com/internal/obd"/>
-    <ds:schemaRef ds:uri="http://schemas.microsoft.com/office/infopath/2007/PartnerControls"/>
-  </ds:schemaRefs>
-</ds:datastoreItem>
 </file>
--- a/Meeting/20190531 Meeting/20190531 Meeting.pptx
+++ b/Meeting/20190531 Meeting/20190531 Meeting.pptx
@@ -5,20 +5,22 @@
     <p:sldMasterId id="2147483648" r:id="rId4"/>
   </p:sldMasterIdLst>
   <p:notesMasterIdLst>
-    <p:notesMasterId r:id="rId16"/>
+    <p:notesMasterId r:id="rId18"/>
   </p:notesMasterIdLst>
   <p:sldIdLst>
     <p:sldId id="314" r:id="rId5"/>
     <p:sldId id="315" r:id="rId6"/>
-    <p:sldId id="321" r:id="rId7"/>
-    <p:sldId id="319" r:id="rId8"/>
-    <p:sldId id="320" r:id="rId9"/>
-    <p:sldId id="322" r:id="rId10"/>
-    <p:sldId id="324" r:id="rId11"/>
-    <p:sldId id="323" r:id="rId12"/>
-    <p:sldId id="318" r:id="rId13"/>
-    <p:sldId id="316" r:id="rId14"/>
-    <p:sldId id="317" r:id="rId15"/>
+    <p:sldId id="325" r:id="rId7"/>
+    <p:sldId id="326" r:id="rId8"/>
+    <p:sldId id="321" r:id="rId9"/>
+    <p:sldId id="319" r:id="rId10"/>
+    <p:sldId id="320" r:id="rId11"/>
+    <p:sldId id="322" r:id="rId12"/>
+    <p:sldId id="324" r:id="rId13"/>
+    <p:sldId id="323" r:id="rId14"/>
+    <p:sldId id="318" r:id="rId15"/>
+    <p:sldId id="316" r:id="rId16"/>
+    <p:sldId id="317" r:id="rId17"/>
   </p:sldIdLst>
   <p:sldSz cx="12192000" cy="6858000"/>
   <p:notesSz cx="6858000" cy="9144000"/>
@@ -667,7 +669,7 @@
           <a:p>
             <a:fld id="{4B9FA8AB-93ED-4030-B179-2AF13832ABA7}" type="slidenum">
               <a:rPr lang="zh-TW" altLang="en-US" smtClean="0"/>
-              <a:t>3</a:t>
+              <a:t>5</a:t>
             </a:fld>
             <a:endParaRPr lang="zh-TW" altLang="en-US"/>
           </a:p>
@@ -755,7 +757,7 @@
           <a:p>
             <a:fld id="{4B9FA8AB-93ED-4030-B179-2AF13832ABA7}" type="slidenum">
               <a:rPr lang="zh-TW" altLang="en-US" smtClean="0"/>
-              <a:t>11</a:t>
+              <a:t>13</a:t>
             </a:fld>
             <a:endParaRPr lang="zh-TW" altLang="en-US"/>
           </a:p>
@@ -22814,6 +22816,502 @@
 </file>
 
 <file path=ppt/slides/slide10.xml><?xml version="1.0" encoding="utf-8"?>
+<p:sld xmlns:a="http://schemas.openxmlformats.org/drawingml/2006/main" xmlns:r="http://schemas.openxmlformats.org/officeDocument/2006/relationships" xmlns:p="http://schemas.openxmlformats.org/presentationml/2006/main">
+  <p:cSld>
+    <p:spTree>
+      <p:nvGrpSpPr>
+        <p:cNvPr id="1" name=""/>
+        <p:cNvGrpSpPr/>
+        <p:nvPr/>
+      </p:nvGrpSpPr>
+      <p:grpSpPr>
+        <a:xfrm>
+          <a:off x="0" y="0"/>
+          <a:ext cx="0" cy="0"/>
+          <a:chOff x="0" y="0"/>
+          <a:chExt cx="0" cy="0"/>
+        </a:xfrm>
+      </p:grpSpPr>
+      <p:sp>
+        <p:nvSpPr>
+          <p:cNvPr id="2" name="文字版面配置區 1"/>
+          <p:cNvSpPr>
+            <a:spLocks noGrp="1"/>
+          </p:cNvSpPr>
+          <p:nvPr>
+            <p:ph type="body" sz="quarter" idx="10"/>
+          </p:nvPr>
+        </p:nvSpPr>
+        <p:spPr/>
+        <p:txBody>
+          <a:bodyPr/>
+          <a:lstStyle/>
+          <a:p>
+            <a:r>
+              <a:rPr lang="en-US" altLang="zh-TW" dirty="0" smtClean="0"/>
+              <a:t>Time History</a:t>
+            </a:r>
+            <a:endParaRPr lang="zh-TW" altLang="en-US" dirty="0"/>
+          </a:p>
+        </p:txBody>
+      </p:sp>
+      <p:sp>
+        <p:nvSpPr>
+          <p:cNvPr id="3" name="投影片編號版面配置區 2"/>
+          <p:cNvSpPr>
+            <a:spLocks noGrp="1"/>
+          </p:cNvSpPr>
+          <p:nvPr>
+            <p:ph type="sldNum" sz="quarter" idx="4"/>
+          </p:nvPr>
+        </p:nvSpPr>
+        <p:spPr/>
+        <p:txBody>
+          <a:bodyPr/>
+          <a:lstStyle/>
+          <a:p>
+            <a:fld id="{6F0746BA-D1AA-4FF4-8D48-BDBC7FF48778}" type="slidenum">
+              <a:rPr lang="fr-FR" smtClean="0"/>
+              <a:t>10</a:t>
+            </a:fld>
+            <a:endParaRPr lang="fr-FR"/>
+          </a:p>
+        </p:txBody>
+      </p:sp>
+      <p:pic>
+        <p:nvPicPr>
+          <p:cNvPr id="5" name="圖片 4"/>
+          <p:cNvPicPr>
+            <a:picLocks noChangeAspect="1"/>
+          </p:cNvPicPr>
+          <p:nvPr/>
+        </p:nvPicPr>
+        <p:blipFill>
+          <a:blip r:embed="rId2">
+            <a:clrChange>
+              <a:clrFrom>
+                <a:srgbClr val="FFFFFF"/>
+              </a:clrFrom>
+              <a:clrTo>
+                <a:srgbClr val="FFFFFF">
+                  <a:alpha val="0"/>
+                </a:srgbClr>
+              </a:clrTo>
+            </a:clrChange>
+          </a:blip>
+          <a:stretch>
+            <a:fillRect/>
+          </a:stretch>
+        </p:blipFill>
+        <p:spPr>
+          <a:xfrm>
+            <a:off x="6104989" y="2298871"/>
+            <a:ext cx="5344500" cy="4004000"/>
+          </a:xfrm>
+          <a:prstGeom prst="rect">
+            <a:avLst/>
+          </a:prstGeom>
+        </p:spPr>
+      </p:pic>
+      <p:pic>
+        <p:nvPicPr>
+          <p:cNvPr id="6" name="圖片 5"/>
+          <p:cNvPicPr>
+            <a:picLocks noChangeAspect="1"/>
+          </p:cNvPicPr>
+          <p:nvPr/>
+        </p:nvPicPr>
+        <p:blipFill>
+          <a:blip r:embed="rId3">
+            <a:clrChange>
+              <a:clrFrom>
+                <a:srgbClr val="FFFFFF"/>
+              </a:clrFrom>
+              <a:clrTo>
+                <a:srgbClr val="FFFFFF">
+                  <a:alpha val="0"/>
+                </a:srgbClr>
+              </a:clrTo>
+            </a:clrChange>
+          </a:blip>
+          <a:stretch>
+            <a:fillRect/>
+          </a:stretch>
+        </p:blipFill>
+        <p:spPr>
+          <a:xfrm>
+            <a:off x="751500" y="2298871"/>
+            <a:ext cx="5344500" cy="4004000"/>
+          </a:xfrm>
+          <a:prstGeom prst="rect">
+            <a:avLst/>
+          </a:prstGeom>
+        </p:spPr>
+      </p:pic>
+    </p:spTree>
+    <p:extLst>
+      <p:ext uri="{BB962C8B-B14F-4D97-AF65-F5344CB8AC3E}">
+        <p14:creationId xmlns:p14="http://schemas.microsoft.com/office/powerpoint/2010/main" val="2586811232"/>
+      </p:ext>
+    </p:extLst>
+  </p:cSld>
+  <p:clrMapOvr>
+    <a:masterClrMapping/>
+  </p:clrMapOvr>
+  <mc:AlternateContent xmlns:mc="http://schemas.openxmlformats.org/markup-compatibility/2006" xmlns:p14="http://schemas.microsoft.com/office/powerpoint/2010/main">
+    <mc:Choice Requires="p14">
+      <p:transition spd="med" p14:dur="700">
+        <p:fade/>
+      </p:transition>
+    </mc:Choice>
+    <mc:Fallback xmlns="">
+      <p:transition spd="med">
+        <p:fade/>
+      </p:transition>
+    </mc:Fallback>
+  </mc:AlternateContent>
+  <p:timing>
+    <p:tnLst>
+      <p:par>
+        <p:cTn id="1" dur="indefinite" restart="never" nodeType="tmRoot"/>
+      </p:par>
+    </p:tnLst>
+  </p:timing>
+</p:sld>
+</file>
+
+<file path=ppt/slides/slide11.xml><?xml version="1.0" encoding="utf-8"?>
+<p:sld xmlns:a="http://schemas.openxmlformats.org/drawingml/2006/main" xmlns:r="http://schemas.openxmlformats.org/officeDocument/2006/relationships" xmlns:p="http://schemas.openxmlformats.org/presentationml/2006/main" show="0">
+  <p:cSld>
+    <p:spTree>
+      <p:nvGrpSpPr>
+        <p:cNvPr id="1" name=""/>
+        <p:cNvGrpSpPr/>
+        <p:nvPr/>
+      </p:nvGrpSpPr>
+      <p:grpSpPr>
+        <a:xfrm>
+          <a:off x="0" y="0"/>
+          <a:ext cx="0" cy="0"/>
+          <a:chOff x="0" y="0"/>
+          <a:chExt cx="0" cy="0"/>
+        </a:xfrm>
+      </p:grpSpPr>
+      <p:sp>
+        <p:nvSpPr>
+          <p:cNvPr id="2" name="投影片編號版面配置區 1"/>
+          <p:cNvSpPr>
+            <a:spLocks noGrp="1"/>
+          </p:cNvSpPr>
+          <p:nvPr>
+            <p:ph type="sldNum" sz="quarter" idx="4"/>
+          </p:nvPr>
+        </p:nvSpPr>
+        <p:spPr/>
+        <p:txBody>
+          <a:bodyPr/>
+          <a:lstStyle/>
+          <a:p>
+            <a:fld id="{6F0746BA-D1AA-4FF4-8D48-BDBC7FF48778}" type="slidenum">
+              <a:rPr lang="fr-FR" smtClean="0"/>
+              <a:t>11</a:t>
+            </a:fld>
+            <a:endParaRPr lang="fr-FR"/>
+          </a:p>
+        </p:txBody>
+      </p:sp>
+      <p:pic>
+        <p:nvPicPr>
+          <p:cNvPr id="4" name="圖片 3"/>
+          <p:cNvPicPr>
+            <a:picLocks noChangeAspect="1"/>
+          </p:cNvPicPr>
+          <p:nvPr/>
+        </p:nvPicPr>
+        <p:blipFill>
+          <a:blip r:embed="rId2"/>
+          <a:stretch>
+            <a:fillRect/>
+          </a:stretch>
+        </p:blipFill>
+        <p:spPr>
+          <a:xfrm>
+            <a:off x="0" y="0"/>
+            <a:ext cx="3283497" cy="3429000"/>
+          </a:xfrm>
+          <a:prstGeom prst="rect">
+            <a:avLst/>
+          </a:prstGeom>
+        </p:spPr>
+      </p:pic>
+      <p:pic>
+        <p:nvPicPr>
+          <p:cNvPr id="5" name="圖片 4"/>
+          <p:cNvPicPr>
+            <a:picLocks noChangeAspect="1"/>
+          </p:cNvPicPr>
+          <p:nvPr/>
+        </p:nvPicPr>
+        <p:blipFill>
+          <a:blip r:embed="rId3"/>
+          <a:stretch>
+            <a:fillRect/>
+          </a:stretch>
+        </p:blipFill>
+        <p:spPr>
+          <a:xfrm>
+            <a:off x="0" y="3429000"/>
+            <a:ext cx="3283497" cy="3429000"/>
+          </a:xfrm>
+          <a:prstGeom prst="rect">
+            <a:avLst/>
+          </a:prstGeom>
+        </p:spPr>
+      </p:pic>
+      <p:pic>
+        <p:nvPicPr>
+          <p:cNvPr id="6" name="圖片 5"/>
+          <p:cNvPicPr>
+            <a:picLocks noChangeAspect="1"/>
+          </p:cNvPicPr>
+          <p:nvPr/>
+        </p:nvPicPr>
+        <p:blipFill>
+          <a:blip r:embed="rId4"/>
+          <a:stretch>
+            <a:fillRect/>
+          </a:stretch>
+        </p:blipFill>
+        <p:spPr>
+          <a:xfrm>
+            <a:off x="3283497" y="1485945"/>
+            <a:ext cx="5126857" cy="1355423"/>
+          </a:xfrm>
+          <a:prstGeom prst="rect">
+            <a:avLst/>
+          </a:prstGeom>
+        </p:spPr>
+      </p:pic>
+      <p:pic>
+        <p:nvPicPr>
+          <p:cNvPr id="7" name="圖片 6"/>
+          <p:cNvPicPr>
+            <a:picLocks noChangeAspect="1"/>
+          </p:cNvPicPr>
+          <p:nvPr/>
+        </p:nvPicPr>
+        <p:blipFill>
+          <a:blip r:embed="rId5"/>
+          <a:stretch>
+            <a:fillRect/>
+          </a:stretch>
+        </p:blipFill>
+        <p:spPr>
+          <a:xfrm>
+            <a:off x="3266484" y="1"/>
+            <a:ext cx="5143870" cy="1403973"/>
+          </a:xfrm>
+          <a:prstGeom prst="rect">
+            <a:avLst/>
+          </a:prstGeom>
+        </p:spPr>
+      </p:pic>
+      <p:pic>
+        <p:nvPicPr>
+          <p:cNvPr id="8" name="圖片 7"/>
+          <p:cNvPicPr>
+            <a:picLocks noChangeAspect="1"/>
+          </p:cNvPicPr>
+          <p:nvPr/>
+        </p:nvPicPr>
+        <p:blipFill>
+          <a:blip r:embed="rId6"/>
+          <a:stretch>
+            <a:fillRect/>
+          </a:stretch>
+        </p:blipFill>
+        <p:spPr>
+          <a:xfrm>
+            <a:off x="3266483" y="2841369"/>
+            <a:ext cx="4609595" cy="4016631"/>
+          </a:xfrm>
+          <a:prstGeom prst="rect">
+            <a:avLst/>
+          </a:prstGeom>
+        </p:spPr>
+      </p:pic>
+      <p:pic>
+        <p:nvPicPr>
+          <p:cNvPr id="9" name="圖片 8"/>
+          <p:cNvPicPr>
+            <a:picLocks noChangeAspect="1"/>
+          </p:cNvPicPr>
+          <p:nvPr/>
+        </p:nvPicPr>
+        <p:blipFill>
+          <a:blip r:embed="rId7">
+            <a:clrChange>
+              <a:clrFrom>
+                <a:srgbClr val="FFFFFF"/>
+              </a:clrFrom>
+              <a:clrTo>
+                <a:srgbClr val="FFFFFF">
+                  <a:alpha val="0"/>
+                </a:srgbClr>
+              </a:clrTo>
+            </a:clrChange>
+          </a:blip>
+          <a:stretch>
+            <a:fillRect/>
+          </a:stretch>
+        </p:blipFill>
+        <p:spPr>
+          <a:xfrm>
+            <a:off x="8993831" y="2688372"/>
+            <a:ext cx="2613713" cy="4169628"/>
+          </a:xfrm>
+          <a:prstGeom prst="rect">
+            <a:avLst/>
+          </a:prstGeom>
+        </p:spPr>
+      </p:pic>
+      <p:pic>
+        <p:nvPicPr>
+          <p:cNvPr id="10" name="圖片 9"/>
+          <p:cNvPicPr>
+            <a:picLocks noChangeAspect="1"/>
+          </p:cNvPicPr>
+          <p:nvPr/>
+        </p:nvPicPr>
+        <p:blipFill rotWithShape="1">
+          <a:blip r:embed="rId8">
+            <a:clrChange>
+              <a:clrFrom>
+                <a:srgbClr val="FFFFFF"/>
+              </a:clrFrom>
+              <a:clrTo>
+                <a:srgbClr val="FFFFFF">
+                  <a:alpha val="0"/>
+                </a:srgbClr>
+              </a:clrTo>
+            </a:clrChange>
+          </a:blip>
+          <a:srcRect r="41190"/>
+          <a:stretch/>
+        </p:blipFill>
+        <p:spPr>
+          <a:xfrm>
+            <a:off x="8993831" y="0"/>
+            <a:ext cx="3198169" cy="2685714"/>
+          </a:xfrm>
+          <a:prstGeom prst="rect">
+            <a:avLst/>
+          </a:prstGeom>
+        </p:spPr>
+      </p:pic>
+      <p:cxnSp>
+        <p:nvCxnSpPr>
+          <p:cNvPr id="12" name="直線接點 11"/>
+          <p:cNvCxnSpPr/>
+          <p:nvPr/>
+        </p:nvCxnSpPr>
+        <p:spPr>
+          <a:xfrm>
+            <a:off x="8993831" y="2275367"/>
+            <a:ext cx="3185764" cy="0"/>
+          </a:xfrm>
+          <a:prstGeom prst="line">
+            <a:avLst/>
+          </a:prstGeom>
+          <a:ln>
+            <a:solidFill>
+              <a:schemeClr val="tx1"/>
+            </a:solidFill>
+          </a:ln>
+        </p:spPr>
+        <p:style>
+          <a:lnRef idx="1">
+            <a:schemeClr val="accent1"/>
+          </a:lnRef>
+          <a:fillRef idx="0">
+            <a:schemeClr val="accent1"/>
+          </a:fillRef>
+          <a:effectRef idx="0">
+            <a:schemeClr val="accent1"/>
+          </a:effectRef>
+          <a:fontRef idx="minor">
+            <a:schemeClr val="tx1"/>
+          </a:fontRef>
+        </p:style>
+      </p:cxnSp>
+      <p:cxnSp>
+        <p:nvCxnSpPr>
+          <p:cNvPr id="13" name="直線接點 12"/>
+          <p:cNvCxnSpPr/>
+          <p:nvPr/>
+        </p:nvCxnSpPr>
+        <p:spPr>
+          <a:xfrm>
+            <a:off x="8993831" y="2523996"/>
+            <a:ext cx="3185764" cy="0"/>
+          </a:xfrm>
+          <a:prstGeom prst="line">
+            <a:avLst/>
+          </a:prstGeom>
+          <a:ln>
+            <a:solidFill>
+              <a:schemeClr val="tx1"/>
+            </a:solidFill>
+          </a:ln>
+        </p:spPr>
+        <p:style>
+          <a:lnRef idx="1">
+            <a:schemeClr val="accent1"/>
+          </a:lnRef>
+          <a:fillRef idx="0">
+            <a:schemeClr val="accent1"/>
+          </a:fillRef>
+          <a:effectRef idx="0">
+            <a:schemeClr val="accent1"/>
+          </a:effectRef>
+          <a:fontRef idx="minor">
+            <a:schemeClr val="tx1"/>
+          </a:fontRef>
+        </p:style>
+      </p:cxnSp>
+    </p:spTree>
+    <p:extLst>
+      <p:ext uri="{BB962C8B-B14F-4D97-AF65-F5344CB8AC3E}">
+        <p14:creationId xmlns:p14="http://schemas.microsoft.com/office/powerpoint/2010/main" val="2490319399"/>
+      </p:ext>
+    </p:extLst>
+  </p:cSld>
+  <p:clrMapOvr>
+    <a:masterClrMapping/>
+  </p:clrMapOvr>
+  <mc:AlternateContent xmlns:mc="http://schemas.openxmlformats.org/markup-compatibility/2006" xmlns:p14="http://schemas.microsoft.com/office/powerpoint/2010/main">
+    <mc:Choice Requires="p14">
+      <p:transition spd="med" p14:dur="700">
+        <p:fade/>
+      </p:transition>
+    </mc:Choice>
+    <mc:Fallback xmlns="">
+      <p:transition spd="med">
+        <p:fade/>
+      </p:transition>
+    </mc:Fallback>
+  </mc:AlternateContent>
+  <p:timing>
+    <p:tnLst>
+      <p:par>
+        <p:cTn id="1" dur="indefinite" restart="never" nodeType="tmRoot"/>
+      </p:par>
+    </p:tnLst>
+  </p:timing>
+</p:sld>
+</file>
+
+<file path=ppt/slides/slide12.xml><?xml version="1.0" encoding="utf-8"?>
 <p:sld xmlns:a="http://schemas.openxmlformats.org/drawingml/2006/main" xmlns:r="http://schemas.openxmlformats.org/officeDocument/2006/relationships" xmlns:p="http://schemas.openxmlformats.org/presentationml/2006/main" show="0">
   <p:cSld>
     <p:spTree>
@@ -22928,7 +23426,7 @@
           <a:p>
             <a:fld id="{6F0746BA-D1AA-4FF4-8D48-BDBC7FF48778}" type="slidenum">
               <a:rPr lang="fr-FR" smtClean="0"/>
-              <a:t>10</a:t>
+              <a:t>12</a:t>
             </a:fld>
             <a:endParaRPr lang="fr-FR"/>
           </a:p>
@@ -23001,7 +23499,7 @@
 </p:sld>
 </file>
 
-<file path=ppt/slides/slide11.xml><?xml version="1.0" encoding="utf-8"?>
+<file path=ppt/slides/slide13.xml><?xml version="1.0" encoding="utf-8"?>
 <p:sld xmlns:a="http://schemas.openxmlformats.org/drawingml/2006/main" xmlns:r="http://schemas.openxmlformats.org/officeDocument/2006/relationships" xmlns:p="http://schemas.openxmlformats.org/presentationml/2006/main" show="0">
   <p:cSld>
     <p:spTree>
@@ -23035,7 +23533,7 @@
           <a:p>
             <a:fld id="{6F0746BA-D1AA-4FF4-8D48-BDBC7FF48778}" type="slidenum">
               <a:rPr lang="fr-FR" smtClean="0"/>
-              <a:t>11</a:t>
+              <a:t>13</a:t>
             </a:fld>
             <a:endParaRPr lang="fr-FR"/>
           </a:p>
@@ -23892,6 +24390,402 @@
       </p:grpSpPr>
       <p:sp>
         <p:nvSpPr>
+          <p:cNvPr id="17" name="文字版面配置區 16"/>
+          <p:cNvSpPr>
+            <a:spLocks noGrp="1"/>
+          </p:cNvSpPr>
+          <p:nvPr>
+            <p:ph type="body" sz="quarter" idx="10"/>
+          </p:nvPr>
+        </p:nvSpPr>
+        <p:spPr>
+          <a:xfrm>
+            <a:off x="839788" y="660400"/>
+            <a:ext cx="4481512" cy="701731"/>
+          </a:xfrm>
+        </p:spPr>
+        <p:txBody>
+          <a:bodyPr/>
+          <a:lstStyle/>
+          <a:p>
+            <a:r>
+              <a:rPr lang="zh-TW" altLang="en-US" dirty="0" smtClean="0"/>
+              <a:t>量化研究</a:t>
+            </a:r>
+            <a:endParaRPr lang="zh-TW" altLang="en-US" dirty="0"/>
+          </a:p>
+        </p:txBody>
+      </p:sp>
+      <p:sp>
+        <p:nvSpPr>
+          <p:cNvPr id="2" name="投影片編號版面配置區 1"/>
+          <p:cNvSpPr>
+            <a:spLocks noGrp="1"/>
+          </p:cNvSpPr>
+          <p:nvPr>
+            <p:ph type="sldNum" sz="quarter" idx="4"/>
+          </p:nvPr>
+        </p:nvSpPr>
+        <p:spPr/>
+        <p:txBody>
+          <a:bodyPr/>
+          <a:lstStyle/>
+          <a:p>
+            <a:fld id="{6F0746BA-D1AA-4FF4-8D48-BDBC7FF48778}" type="slidenum">
+              <a:rPr lang="fr-FR" smtClean="0"/>
+              <a:t>3</a:t>
+            </a:fld>
+            <a:endParaRPr lang="fr-FR"/>
+          </a:p>
+        </p:txBody>
+      </p:sp>
+      <p:pic>
+        <p:nvPicPr>
+          <p:cNvPr id="4" name="圖片 3"/>
+          <p:cNvPicPr>
+            <a:picLocks noChangeAspect="1"/>
+          </p:cNvPicPr>
+          <p:nvPr/>
+        </p:nvPicPr>
+        <p:blipFill>
+          <a:blip r:embed="rId3"/>
+          <a:stretch>
+            <a:fillRect/>
+          </a:stretch>
+        </p:blipFill>
+        <p:spPr>
+          <a:xfrm>
+            <a:off x="1063079" y="2004866"/>
+            <a:ext cx="4227882" cy="1430000"/>
+          </a:xfrm>
+          <a:prstGeom prst="rect">
+            <a:avLst/>
+          </a:prstGeom>
+        </p:spPr>
+      </p:pic>
+      <p:pic>
+        <p:nvPicPr>
+          <p:cNvPr id="13" name="圖片 12"/>
+          <p:cNvPicPr>
+            <a:picLocks noChangeAspect="1"/>
+          </p:cNvPicPr>
+          <p:nvPr/>
+        </p:nvPicPr>
+        <p:blipFill>
+          <a:blip r:embed="rId4"/>
+          <a:stretch>
+            <a:fillRect/>
+          </a:stretch>
+        </p:blipFill>
+        <p:spPr>
+          <a:xfrm>
+            <a:off x="1063079" y="4155261"/>
+            <a:ext cx="4227882" cy="1439533"/>
+          </a:xfrm>
+          <a:prstGeom prst="rect">
+            <a:avLst/>
+          </a:prstGeom>
+        </p:spPr>
+      </p:pic>
+      <p:pic>
+        <p:nvPicPr>
+          <p:cNvPr id="14" name="圖片 13"/>
+          <p:cNvPicPr>
+            <a:picLocks noChangeAspect="1"/>
+          </p:cNvPicPr>
+          <p:nvPr/>
+        </p:nvPicPr>
+        <p:blipFill>
+          <a:blip r:embed="rId5"/>
+          <a:stretch>
+            <a:fillRect/>
+          </a:stretch>
+        </p:blipFill>
+        <p:spPr>
+          <a:xfrm>
+            <a:off x="6106633" y="1966733"/>
+            <a:ext cx="5296782" cy="1468133"/>
+          </a:xfrm>
+          <a:prstGeom prst="rect">
+            <a:avLst/>
+          </a:prstGeom>
+        </p:spPr>
+      </p:pic>
+      <p:pic>
+        <p:nvPicPr>
+          <p:cNvPr id="15" name="圖片 14"/>
+          <p:cNvPicPr>
+            <a:picLocks noChangeAspect="1"/>
+          </p:cNvPicPr>
+          <p:nvPr/>
+        </p:nvPicPr>
+        <p:blipFill>
+          <a:blip r:embed="rId6"/>
+          <a:stretch>
+            <a:fillRect/>
+          </a:stretch>
+        </p:blipFill>
+        <p:spPr>
+          <a:xfrm>
+            <a:off x="6106633" y="4161541"/>
+            <a:ext cx="5296782" cy="1468133"/>
+          </a:xfrm>
+          <a:prstGeom prst="rect">
+            <a:avLst/>
+          </a:prstGeom>
+        </p:spPr>
+      </p:pic>
+      <p:graphicFrame>
+        <p:nvGraphicFramePr>
+          <p:cNvPr id="16" name="物件 15"/>
+          <p:cNvGraphicFramePr>
+            <a:graphicFrameLocks noChangeAspect="1"/>
+          </p:cNvGraphicFramePr>
+          <p:nvPr>
+            <p:extLst>
+              <p:ext uri="{D42A27DB-BD31-4B8C-83A1-F6EECF244321}">
+                <p14:modId xmlns:p14="http://schemas.microsoft.com/office/powerpoint/2010/main" val="1353869960"/>
+              </p:ext>
+            </p:extLst>
+          </p:nvPr>
+        </p:nvGraphicFramePr>
+        <p:xfrm>
+          <a:off x="7478674" y="485795"/>
+          <a:ext cx="2552700" cy="1117600"/>
+        </p:xfrm>
+        <a:graphic>
+          <a:graphicData uri="http://schemas.openxmlformats.org/presentationml/2006/ole">
+            <mc:AlternateContent xmlns:mc="http://schemas.openxmlformats.org/markup-compatibility/2006">
+              <mc:Choice xmlns:v="urn:schemas-microsoft-com:vml" Requires="v">
+                <p:oleObj spid="_x0000_s3076" name="Equation" r:id="rId7" imgW="2552400" imgH="1117440" progId="Equation.DSMT4">
+                  <p:embed/>
+                </p:oleObj>
+              </mc:Choice>
+              <mc:Fallback>
+                <p:oleObj name="Equation" r:id="rId7" imgW="2552400" imgH="1117440" progId="Equation.DSMT4">
+                  <p:embed/>
+                  <p:pic>
+                    <p:nvPicPr>
+                      <p:cNvPr id="0" name=""/>
+                      <p:cNvPicPr/>
+                      <p:nvPr/>
+                    </p:nvPicPr>
+                    <p:blipFill>
+                      <a:blip r:embed="rId8"/>
+                      <a:stretch>
+                        <a:fillRect/>
+                      </a:stretch>
+                    </p:blipFill>
+                    <p:spPr>
+                      <a:xfrm>
+                        <a:off x="7478674" y="485795"/>
+                        <a:ext cx="2552700" cy="1117600"/>
+                      </a:xfrm>
+                      <a:prstGeom prst="rect">
+                        <a:avLst/>
+                      </a:prstGeom>
+                    </p:spPr>
+                  </p:pic>
+                </p:oleObj>
+              </mc:Fallback>
+            </mc:AlternateContent>
+          </a:graphicData>
+        </a:graphic>
+      </p:graphicFrame>
+    </p:spTree>
+    <p:extLst>
+      <p:ext uri="{BB962C8B-B14F-4D97-AF65-F5344CB8AC3E}">
+        <p14:creationId xmlns:p14="http://schemas.microsoft.com/office/powerpoint/2010/main" val="3867704405"/>
+      </p:ext>
+    </p:extLst>
+  </p:cSld>
+  <p:clrMapOvr>
+    <a:masterClrMapping/>
+  </p:clrMapOvr>
+  <mc:AlternateContent xmlns:mc="http://schemas.openxmlformats.org/markup-compatibility/2006" xmlns:p14="http://schemas.microsoft.com/office/powerpoint/2010/main">
+    <mc:Choice Requires="p14">
+      <p:transition spd="med" p14:dur="700">
+        <p:fade/>
+      </p:transition>
+    </mc:Choice>
+    <mc:Fallback xmlns="">
+      <p:transition spd="med">
+        <p:fade/>
+      </p:transition>
+    </mc:Fallback>
+  </mc:AlternateContent>
+  <p:timing>
+    <p:tnLst>
+      <p:par>
+        <p:cTn id="1" dur="indefinite" restart="never" nodeType="tmRoot"/>
+      </p:par>
+    </p:tnLst>
+  </p:timing>
+</p:sld>
+</file>
+
+<file path=ppt/slides/slide4.xml><?xml version="1.0" encoding="utf-8"?>
+<p:sld xmlns:a="http://schemas.openxmlformats.org/drawingml/2006/main" xmlns:r="http://schemas.openxmlformats.org/officeDocument/2006/relationships" xmlns:p="http://schemas.openxmlformats.org/presentationml/2006/main">
+  <p:cSld>
+    <p:spTree>
+      <p:nvGrpSpPr>
+        <p:cNvPr id="1" name=""/>
+        <p:cNvGrpSpPr/>
+        <p:nvPr/>
+      </p:nvGrpSpPr>
+      <p:grpSpPr>
+        <a:xfrm>
+          <a:off x="0" y="0"/>
+          <a:ext cx="0" cy="0"/>
+          <a:chOff x="0" y="0"/>
+          <a:chExt cx="0" cy="0"/>
+        </a:xfrm>
+      </p:grpSpPr>
+      <p:sp>
+        <p:nvSpPr>
+          <p:cNvPr id="5" name="文字版面配置區 4"/>
+          <p:cNvSpPr>
+            <a:spLocks noGrp="1"/>
+          </p:cNvSpPr>
+          <p:nvPr>
+            <p:ph type="body" sz="quarter" idx="10"/>
+          </p:nvPr>
+        </p:nvSpPr>
+        <p:spPr/>
+        <p:txBody>
+          <a:bodyPr/>
+          <a:lstStyle/>
+          <a:p>
+            <a:r>
+              <a:rPr lang="zh-TW" altLang="en-US" dirty="0" smtClean="0"/>
+              <a:t>非線性驗證</a:t>
+            </a:r>
+            <a:endParaRPr lang="zh-TW" altLang="en-US" dirty="0"/>
+          </a:p>
+        </p:txBody>
+      </p:sp>
+      <p:sp>
+        <p:nvSpPr>
+          <p:cNvPr id="2" name="投影片編號版面配置區 1"/>
+          <p:cNvSpPr>
+            <a:spLocks noGrp="1"/>
+          </p:cNvSpPr>
+          <p:nvPr>
+            <p:ph type="sldNum" sz="quarter" idx="4"/>
+          </p:nvPr>
+        </p:nvSpPr>
+        <p:spPr/>
+        <p:txBody>
+          <a:bodyPr/>
+          <a:lstStyle/>
+          <a:p>
+            <a:fld id="{6F0746BA-D1AA-4FF4-8D48-BDBC7FF48778}" type="slidenum">
+              <a:rPr lang="fr-FR" smtClean="0"/>
+              <a:t>4</a:t>
+            </a:fld>
+            <a:endParaRPr lang="fr-FR"/>
+          </a:p>
+        </p:txBody>
+      </p:sp>
+      <p:pic>
+        <p:nvPicPr>
+          <p:cNvPr id="4" name="圖片 3"/>
+          <p:cNvPicPr>
+            <a:picLocks noChangeAspect="1"/>
+          </p:cNvPicPr>
+          <p:nvPr/>
+        </p:nvPicPr>
+        <p:blipFill>
+          <a:blip r:embed="rId2"/>
+          <a:stretch>
+            <a:fillRect/>
+          </a:stretch>
+        </p:blipFill>
+        <p:spPr>
+          <a:xfrm>
+            <a:off x="1063079" y="4155261"/>
+            <a:ext cx="4227882" cy="1439533"/>
+          </a:xfrm>
+          <a:prstGeom prst="rect">
+            <a:avLst/>
+          </a:prstGeom>
+        </p:spPr>
+      </p:pic>
+      <p:pic>
+        <p:nvPicPr>
+          <p:cNvPr id="8" name="圖片 7"/>
+          <p:cNvPicPr>
+            <a:picLocks noChangeAspect="1"/>
+          </p:cNvPicPr>
+          <p:nvPr/>
+        </p:nvPicPr>
+        <p:blipFill>
+          <a:blip r:embed="rId3"/>
+          <a:stretch>
+            <a:fillRect/>
+          </a:stretch>
+        </p:blipFill>
+        <p:spPr>
+          <a:xfrm>
+            <a:off x="1066624" y="1999000"/>
+            <a:ext cx="4227882" cy="1430000"/>
+          </a:xfrm>
+          <a:prstGeom prst="rect">
+            <a:avLst/>
+          </a:prstGeom>
+        </p:spPr>
+      </p:pic>
+    </p:spTree>
+    <p:extLst>
+      <p:ext uri="{BB962C8B-B14F-4D97-AF65-F5344CB8AC3E}">
+        <p14:creationId xmlns:p14="http://schemas.microsoft.com/office/powerpoint/2010/main" val="490067928"/>
+      </p:ext>
+    </p:extLst>
+  </p:cSld>
+  <p:clrMapOvr>
+    <a:masterClrMapping/>
+  </p:clrMapOvr>
+  <mc:AlternateContent xmlns:mc="http://schemas.openxmlformats.org/markup-compatibility/2006" xmlns:p14="http://schemas.microsoft.com/office/powerpoint/2010/main">
+    <mc:Choice Requires="p14">
+      <p:transition spd="med" p14:dur="700">
+        <p:fade/>
+      </p:transition>
+    </mc:Choice>
+    <mc:Fallback xmlns="">
+      <p:transition spd="med">
+        <p:fade/>
+      </p:transition>
+    </mc:Fallback>
+  </mc:AlternateContent>
+  <p:timing>
+    <p:tnLst>
+      <p:par>
+        <p:cTn id="1" dur="indefinite" restart="never" nodeType="tmRoot"/>
+      </p:par>
+    </p:tnLst>
+  </p:timing>
+</p:sld>
+</file>
+
+<file path=ppt/slides/slide5.xml><?xml version="1.0" encoding="utf-8"?>
+<p:sld xmlns:a="http://schemas.openxmlformats.org/drawingml/2006/main" xmlns:r="http://schemas.openxmlformats.org/officeDocument/2006/relationships" xmlns:p="http://schemas.openxmlformats.org/presentationml/2006/main">
+  <p:cSld>
+    <p:spTree>
+      <p:nvGrpSpPr>
+        <p:cNvPr id="1" name=""/>
+        <p:cNvGrpSpPr/>
+        <p:nvPr/>
+      </p:nvGrpSpPr>
+      <p:grpSpPr>
+        <a:xfrm>
+          <a:off x="0" y="0"/>
+          <a:ext cx="0" cy="0"/>
+          <a:chOff x="0" y="0"/>
+          <a:chExt cx="0" cy="0"/>
+        </a:xfrm>
+      </p:grpSpPr>
+      <p:sp>
+        <p:nvSpPr>
           <p:cNvPr id="3" name="文字版面配置區 2"/>
           <p:cNvSpPr>
             <a:spLocks noGrp="1"/>
@@ -23935,7 +24829,7 @@
           <a:p>
             <a:fld id="{6F0746BA-D1AA-4FF4-8D48-BDBC7FF48778}" type="slidenum">
               <a:rPr lang="fr-FR" smtClean="0"/>
-              <a:t>3</a:t>
+              <a:t>5</a:t>
             </a:fld>
             <a:endParaRPr lang="fr-FR"/>
           </a:p>
@@ -24124,7 +25018,7 @@
           <a:graphicData uri="http://schemas.openxmlformats.org/presentationml/2006/ole">
             <mc:AlternateContent xmlns:mc="http://schemas.openxmlformats.org/markup-compatibility/2006">
               <mc:Choice xmlns:v="urn:schemas-microsoft-com:vml" Requires="v">
-                <p:oleObj spid="_x0000_s1029" name="Equation" r:id="rId6" imgW="1612800" imgH="787320" progId="Equation.DSMT4">
+                <p:oleObj spid="_x0000_s1031" name="Equation" r:id="rId6" imgW="1612800" imgH="787320" progId="Equation.DSMT4">
                   <p:embed/>
                 </p:oleObj>
               </mc:Choice>
@@ -24427,7 +25321,7 @@
 </p:sld>
 </file>
 
-<file path=ppt/slides/slide4.xml><?xml version="1.0" encoding="utf-8"?>
+<file path=ppt/slides/slide6.xml><?xml version="1.0" encoding="utf-8"?>
 <p:sld xmlns:a="http://schemas.openxmlformats.org/drawingml/2006/main" xmlns:r="http://schemas.openxmlformats.org/officeDocument/2006/relationships" xmlns:p="http://schemas.openxmlformats.org/presentationml/2006/main">
   <p:cSld>
     <p:spTree>
@@ -24493,7 +25387,7 @@
           <a:p>
             <a:fld id="{6F0746BA-D1AA-4FF4-8D48-BDBC7FF48778}" type="slidenum">
               <a:rPr lang="fr-FR" smtClean="0"/>
-              <a:t>4</a:t>
+              <a:t>6</a:t>
             </a:fld>
             <a:endParaRPr lang="fr-FR"/>
           </a:p>
@@ -24683,7 +25577,7 @@
 </p:sld>
 </file>
 
-<file path=ppt/slides/slide5.xml><?xml version="1.0" encoding="utf-8"?>
+<file path=ppt/slides/slide7.xml><?xml version="1.0" encoding="utf-8"?>
 <p:sld xmlns:a="http://schemas.openxmlformats.org/drawingml/2006/main" xmlns:r="http://schemas.openxmlformats.org/officeDocument/2006/relationships" xmlns:p="http://schemas.openxmlformats.org/presentationml/2006/main">
   <p:cSld>
     <p:spTree>
@@ -24736,22 +25630,92 @@
           <a:p>
             <a:fld id="{6F0746BA-D1AA-4FF4-8D48-BDBC7FF48778}" type="slidenum">
               <a:rPr lang="fr-FR" smtClean="0"/>
-              <a:t>5</a:t>
+              <a:t>7</a:t>
             </a:fld>
             <a:endParaRPr lang="fr-FR"/>
           </a:p>
         </p:txBody>
       </p:sp>
+      <p:pic>
+        <p:nvPicPr>
+          <p:cNvPr id="6" name="圖片 5"/>
+          <p:cNvPicPr>
+            <a:picLocks noChangeAspect="1"/>
+          </p:cNvPicPr>
+          <p:nvPr/>
+        </p:nvPicPr>
+        <p:blipFill>
+          <a:blip r:embed="rId2">
+            <a:clrChange>
+              <a:clrFrom>
+                <a:srgbClr val="FFFFFF"/>
+              </a:clrFrom>
+              <a:clrTo>
+                <a:srgbClr val="FFFFFF">
+                  <a:alpha val="0"/>
+                </a:srgbClr>
+              </a:clrTo>
+            </a:clrChange>
+          </a:blip>
+          <a:stretch>
+            <a:fillRect/>
+          </a:stretch>
+        </p:blipFill>
+        <p:spPr>
+          <a:xfrm>
+            <a:off x="6096001" y="2471295"/>
+            <a:ext cx="6096000" cy="3351820"/>
+          </a:xfrm>
+          <a:prstGeom prst="rect">
+            <a:avLst/>
+          </a:prstGeom>
+        </p:spPr>
+      </p:pic>
+      <p:pic>
+        <p:nvPicPr>
+          <p:cNvPr id="5" name="圖片 4"/>
+          <p:cNvPicPr>
+            <a:picLocks noChangeAspect="1"/>
+          </p:cNvPicPr>
+          <p:nvPr/>
+        </p:nvPicPr>
+        <p:blipFill>
+          <a:blip r:embed="rId3">
+            <a:clrChange>
+              <a:clrFrom>
+                <a:srgbClr val="FFFFFF"/>
+              </a:clrFrom>
+              <a:clrTo>
+                <a:srgbClr val="FFFFFF">
+                  <a:alpha val="0"/>
+                </a:srgbClr>
+              </a:clrTo>
+            </a:clrChange>
+          </a:blip>
+          <a:stretch>
+            <a:fillRect/>
+          </a:stretch>
+        </p:blipFill>
+        <p:spPr>
+          <a:xfrm>
+            <a:off x="21266" y="2580631"/>
+            <a:ext cx="6029015" cy="3182219"/>
+          </a:xfrm>
+          <a:prstGeom prst="rect">
+            <a:avLst/>
+          </a:prstGeom>
+        </p:spPr>
+      </p:pic>
       <p:sp>
         <p:nvSpPr>
-          <p:cNvPr id="4" name="文字方塊 3"/>
+          <p:cNvPr id="7" name="文字方塊 6"/>
           <p:cNvSpPr txBox="1"/>
           <p:nvPr/>
         </p:nvSpPr>
         <p:spPr>
           <a:xfrm>
-            <a:off x="3466214" y="2583712"/>
-            <a:ext cx="2451953" cy="461665"/>
+            <a:off x="2711299" y="1996982"/>
+            <a:ext cx="1010726" cy="427425"/>
           </a:xfrm>
           <a:prstGeom prst="rect">
             <a:avLst/>
@@ -24770,53 +25734,60 @@
               </a:lnSpc>
             </a:pPr>
             <a:r>
-              <a:rPr lang="zh-TW" altLang="en-US" sz="2000" dirty="0" smtClean="0">
+              <a:rPr lang="en-US" altLang="zh-TW" sz="2000" dirty="0" smtClean="0">
                 <a:latin typeface="Segoe UI Light" panose="020B0502040204020203" pitchFamily="34" charset="0"/>
                 <a:cs typeface="Segoe UI Light" panose="020B0502040204020203" pitchFamily="34" charset="0"/>
               </a:rPr>
-              <a:t>放 </a:t>
+              <a:t>Tradition</a:t>
             </a:r>
+            <a:endParaRPr lang="zh-TW" altLang="en-US" sz="2000" dirty="0" smtClean="0">
+              <a:latin typeface="Segoe UI Light" panose="020B0502040204020203" pitchFamily="34" charset="0"/>
+              <a:cs typeface="Segoe UI Light" panose="020B0502040204020203" pitchFamily="34" charset="0"/>
+            </a:endParaRPr>
+          </a:p>
+        </p:txBody>
+      </p:sp>
+      <p:sp>
+        <p:nvSpPr>
+          <p:cNvPr id="8" name="文字方塊 7"/>
+          <p:cNvSpPr txBox="1"/>
+          <p:nvPr/>
+        </p:nvSpPr>
+        <p:spPr>
+          <a:xfrm>
+            <a:off x="8431619" y="1996982"/>
+            <a:ext cx="1102225" cy="427425"/>
+          </a:xfrm>
+          <a:prstGeom prst="rect">
+            <a:avLst/>
+          </a:prstGeom>
+          <a:noFill/>
+        </p:spPr>
+        <p:txBody>
+          <a:bodyPr wrap="none" lIns="0" rtlCol="0" anchor="t">
+            <a:spAutoFit/>
+          </a:bodyPr>
+          <a:lstStyle/>
+          <a:p>
+            <a:pPr algn="l">
+              <a:lnSpc>
+                <a:spcPct val="120000"/>
+              </a:lnSpc>
+            </a:pPr>
             <a:r>
               <a:rPr lang="en-US" altLang="zh-TW" sz="2000" dirty="0" smtClean="0">
                 <a:latin typeface="Segoe UI Light" panose="020B0502040204020203" pitchFamily="34" charset="0"/>
                 <a:cs typeface="Segoe UI Light" panose="020B0502040204020203" pitchFamily="34" charset="0"/>
               </a:rPr>
-              <a:t>Low412 MMC </a:t>
+              <a:t>Multi-Cut</a:t>
             </a:r>
-            <a:r>
-              <a:rPr lang="zh-TW" altLang="en-US" sz="2000" dirty="0" smtClean="0">
-                <a:latin typeface="Segoe UI Light" panose="020B0502040204020203" pitchFamily="34" charset="0"/>
-                <a:cs typeface="Segoe UI Light" panose="020B0502040204020203" pitchFamily="34" charset="0"/>
-              </a:rPr>
-              <a:t>塑角</a:t>
-            </a:r>
+            <a:endParaRPr lang="zh-TW" altLang="en-US" sz="2000" dirty="0" smtClean="0">
+              <a:latin typeface="Segoe UI Light" panose="020B0502040204020203" pitchFamily="34" charset="0"/>
+              <a:cs typeface="Segoe UI Light" panose="020B0502040204020203" pitchFamily="34" charset="0"/>
+            </a:endParaRPr>
           </a:p>
         </p:txBody>
       </p:sp>
-      <p:pic>
-        <p:nvPicPr>
-          <p:cNvPr id="6" name="圖片 5"/>
-          <p:cNvPicPr>
-            <a:picLocks noChangeAspect="1"/>
-          </p:cNvPicPr>
-          <p:nvPr/>
-        </p:nvPicPr>
-        <p:blipFill>
-          <a:blip r:embed="rId2"/>
-          <a:stretch>
-            <a:fillRect/>
-          </a:stretch>
-        </p:blipFill>
-        <p:spPr>
-          <a:xfrm>
-            <a:off x="6232125" y="2246996"/>
-            <a:ext cx="5923809" cy="3257143"/>
-          </a:xfrm>
-          <a:prstGeom prst="rect">
-            <a:avLst/>
-          </a:prstGeom>
-        </p:spPr>
-      </p:pic>
     </p:spTree>
     <p:extLst>
       <p:ext uri="{BB962C8B-B14F-4D97-AF65-F5344CB8AC3E}">
@@ -24849,7 +25820,7 @@
 </p:sld>
 </file>
 
-<file path=ppt/slides/slide6.xml><?xml version="1.0" encoding="utf-8"?>
+<file path=ppt/slides/slide8.xml><?xml version="1.0" encoding="utf-8"?>
 <p:sld xmlns:a="http://schemas.openxmlformats.org/drawingml/2006/main" xmlns:r="http://schemas.openxmlformats.org/officeDocument/2006/relationships" xmlns:p="http://schemas.openxmlformats.org/presentationml/2006/main">
   <p:cSld>
     <p:spTree>
@@ -24913,7 +25884,7 @@
           <a:p>
             <a:fld id="{6F0746BA-D1AA-4FF4-8D48-BDBC7FF48778}" type="slidenum">
               <a:rPr lang="fr-FR" smtClean="0"/>
-              <a:t>6</a:t>
+              <a:t>8</a:t>
             </a:fld>
             <a:endParaRPr lang="fr-FR"/>
           </a:p>
@@ -25103,7 +26074,7 @@
 </p:sld>
 </file>
 
-<file path=ppt/slides/slide7.xml><?xml version="1.0" encoding="utf-8"?>
+<file path=ppt/slides/slide9.xml><?xml version="1.0" encoding="utf-8"?>
 <p:sld xmlns:a="http://schemas.openxmlformats.org/drawingml/2006/main" xmlns:r="http://schemas.openxmlformats.org/officeDocument/2006/relationships" xmlns:p="http://schemas.openxmlformats.org/presentationml/2006/main">
   <p:cSld>
     <p:spTree>
@@ -25137,7 +26108,7 @@
           <a:p>
             <a:fld id="{6F0746BA-D1AA-4FF4-8D48-BDBC7FF48778}" type="slidenum">
               <a:rPr lang="fr-FR" smtClean="0"/>
-              <a:t>7</a:t>
+              <a:t>9</a:t>
             </a:fld>
             <a:endParaRPr lang="fr-FR"/>
           </a:p>
@@ -25182,502 +26153,6 @@
     <p:extLst>
       <p:ext uri="{BB962C8B-B14F-4D97-AF65-F5344CB8AC3E}">
         <p14:creationId xmlns:p14="http://schemas.microsoft.com/office/powerpoint/2010/main" val="516740938"/>
-      </p:ext>
-    </p:extLst>
-  </p:cSld>
-  <p:clrMapOvr>
-    <a:masterClrMapping/>
-  </p:clrMapOvr>
-  <mc:AlternateContent xmlns:mc="http://schemas.openxmlformats.org/markup-compatibility/2006" xmlns:p14="http://schemas.microsoft.com/office/powerpoint/2010/main">
-    <mc:Choice Requires="p14">
-      <p:transition spd="med" p14:dur="700">
-        <p:fade/>
-      </p:transition>
-    </mc:Choice>
-    <mc:Fallback xmlns="">
-      <p:transition spd="med">
-        <p:fade/>
-      </p:transition>
-    </mc:Fallback>
-  </mc:AlternateContent>
-  <p:timing>
-    <p:tnLst>
-      <p:par>
-        <p:cTn id="1" dur="indefinite" restart="never" nodeType="tmRoot"/>
-      </p:par>
-    </p:tnLst>
-  </p:timing>
-</p:sld>
-</file>
-
-<file path=ppt/slides/slide8.xml><?xml version="1.0" encoding="utf-8"?>
-<p:sld xmlns:a="http://schemas.openxmlformats.org/drawingml/2006/main" xmlns:r="http://schemas.openxmlformats.org/officeDocument/2006/relationships" xmlns:p="http://schemas.openxmlformats.org/presentationml/2006/main">
-  <p:cSld>
-    <p:spTree>
-      <p:nvGrpSpPr>
-        <p:cNvPr id="1" name=""/>
-        <p:cNvGrpSpPr/>
-        <p:nvPr/>
-      </p:nvGrpSpPr>
-      <p:grpSpPr>
-        <a:xfrm>
-          <a:off x="0" y="0"/>
-          <a:ext cx="0" cy="0"/>
-          <a:chOff x="0" y="0"/>
-          <a:chExt cx="0" cy="0"/>
-        </a:xfrm>
-      </p:grpSpPr>
-      <p:sp>
-        <p:nvSpPr>
-          <p:cNvPr id="2" name="文字版面配置區 1"/>
-          <p:cNvSpPr>
-            <a:spLocks noGrp="1"/>
-          </p:cNvSpPr>
-          <p:nvPr>
-            <p:ph type="body" sz="quarter" idx="10"/>
-          </p:nvPr>
-        </p:nvSpPr>
-        <p:spPr/>
-        <p:txBody>
-          <a:bodyPr/>
-          <a:lstStyle/>
-          <a:p>
-            <a:r>
-              <a:rPr lang="en-US" altLang="zh-TW" dirty="0" smtClean="0"/>
-              <a:t>Time History</a:t>
-            </a:r>
-            <a:endParaRPr lang="zh-TW" altLang="en-US" dirty="0"/>
-          </a:p>
-        </p:txBody>
-      </p:sp>
-      <p:sp>
-        <p:nvSpPr>
-          <p:cNvPr id="3" name="投影片編號版面配置區 2"/>
-          <p:cNvSpPr>
-            <a:spLocks noGrp="1"/>
-          </p:cNvSpPr>
-          <p:nvPr>
-            <p:ph type="sldNum" sz="quarter" idx="4"/>
-          </p:nvPr>
-        </p:nvSpPr>
-        <p:spPr/>
-        <p:txBody>
-          <a:bodyPr/>
-          <a:lstStyle/>
-          <a:p>
-            <a:fld id="{6F0746BA-D1AA-4FF4-8D48-BDBC7FF48778}" type="slidenum">
-              <a:rPr lang="fr-FR" smtClean="0"/>
-              <a:t>8</a:t>
-            </a:fld>
-            <a:endParaRPr lang="fr-FR"/>
-          </a:p>
-        </p:txBody>
-      </p:sp>
-      <p:pic>
-        <p:nvPicPr>
-          <p:cNvPr id="5" name="圖片 4"/>
-          <p:cNvPicPr>
-            <a:picLocks noChangeAspect="1"/>
-          </p:cNvPicPr>
-          <p:nvPr/>
-        </p:nvPicPr>
-        <p:blipFill>
-          <a:blip r:embed="rId2">
-            <a:clrChange>
-              <a:clrFrom>
-                <a:srgbClr val="FFFFFF"/>
-              </a:clrFrom>
-              <a:clrTo>
-                <a:srgbClr val="FFFFFF">
-                  <a:alpha val="0"/>
-                </a:srgbClr>
-              </a:clrTo>
-            </a:clrChange>
-          </a:blip>
-          <a:stretch>
-            <a:fillRect/>
-          </a:stretch>
-        </p:blipFill>
-        <p:spPr>
-          <a:xfrm>
-            <a:off x="6104989" y="2298871"/>
-            <a:ext cx="5344500" cy="4004000"/>
-          </a:xfrm>
-          <a:prstGeom prst="rect">
-            <a:avLst/>
-          </a:prstGeom>
-        </p:spPr>
-      </p:pic>
-      <p:pic>
-        <p:nvPicPr>
-          <p:cNvPr id="6" name="圖片 5"/>
-          <p:cNvPicPr>
-            <a:picLocks noChangeAspect="1"/>
-          </p:cNvPicPr>
-          <p:nvPr/>
-        </p:nvPicPr>
-        <p:blipFill>
-          <a:blip r:embed="rId3">
-            <a:clrChange>
-              <a:clrFrom>
-                <a:srgbClr val="FFFFFF"/>
-              </a:clrFrom>
-              <a:clrTo>
-                <a:srgbClr val="FFFFFF">
-                  <a:alpha val="0"/>
-                </a:srgbClr>
-              </a:clrTo>
-            </a:clrChange>
-          </a:blip>
-          <a:stretch>
-            <a:fillRect/>
-          </a:stretch>
-        </p:blipFill>
-        <p:spPr>
-          <a:xfrm>
-            <a:off x="751500" y="2298871"/>
-            <a:ext cx="5344500" cy="4004000"/>
-          </a:xfrm>
-          <a:prstGeom prst="rect">
-            <a:avLst/>
-          </a:prstGeom>
-        </p:spPr>
-      </p:pic>
-    </p:spTree>
-    <p:extLst>
-      <p:ext uri="{BB962C8B-B14F-4D97-AF65-F5344CB8AC3E}">
-        <p14:creationId xmlns:p14="http://schemas.microsoft.com/office/powerpoint/2010/main" val="2586811232"/>
-      </p:ext>
-    </p:extLst>
-  </p:cSld>
-  <p:clrMapOvr>
-    <a:masterClrMapping/>
-  </p:clrMapOvr>
-  <mc:AlternateContent xmlns:mc="http://schemas.openxmlformats.org/markup-compatibility/2006" xmlns:p14="http://schemas.microsoft.com/office/powerpoint/2010/main">
-    <mc:Choice Requires="p14">
-      <p:transition spd="med" p14:dur="700">
-        <p:fade/>
-      </p:transition>
-    </mc:Choice>
-    <mc:Fallback xmlns="">
-      <p:transition spd="med">
-        <p:fade/>
-      </p:transition>
-    </mc:Fallback>
-  </mc:AlternateContent>
-  <p:timing>
-    <p:tnLst>
-      <p:par>
-        <p:cTn id="1" dur="indefinite" restart="never" nodeType="tmRoot"/>
-      </p:par>
-    </p:tnLst>
-  </p:timing>
-</p:sld>
-</file>
-
-<file path=ppt/slides/slide9.xml><?xml version="1.0" encoding="utf-8"?>
-<p:sld xmlns:a="http://schemas.openxmlformats.org/drawingml/2006/main" xmlns:r="http://schemas.openxmlformats.org/officeDocument/2006/relationships" xmlns:p="http://schemas.openxmlformats.org/presentationml/2006/main" show="0">
-  <p:cSld>
-    <p:spTree>
-      <p:nvGrpSpPr>
-        <p:cNvPr id="1" name=""/>
-        <p:cNvGrpSpPr/>
-        <p:nvPr/>
-      </p:nvGrpSpPr>
-      <p:grpSpPr>
-        <a:xfrm>
-          <a:off x="0" y="0"/>
-          <a:ext cx="0" cy="0"/>
-          <a:chOff x="0" y="0"/>
-          <a:chExt cx="0" cy="0"/>
-        </a:xfrm>
-      </p:grpSpPr>
-      <p:sp>
-        <p:nvSpPr>
-          <p:cNvPr id="2" name="投影片編號版面配置區 1"/>
-          <p:cNvSpPr>
-            <a:spLocks noGrp="1"/>
-          </p:cNvSpPr>
-          <p:nvPr>
-            <p:ph type="sldNum" sz="quarter" idx="4"/>
-          </p:nvPr>
-        </p:nvSpPr>
-        <p:spPr/>
-        <p:txBody>
-          <a:bodyPr/>
-          <a:lstStyle/>
-          <a:p>
-            <a:fld id="{6F0746BA-D1AA-4FF4-8D48-BDBC7FF48778}" type="slidenum">
-              <a:rPr lang="fr-FR" smtClean="0"/>
-              <a:t>9</a:t>
-            </a:fld>
-            <a:endParaRPr lang="fr-FR"/>
-          </a:p>
-        </p:txBody>
-      </p:sp>
-      <p:pic>
-        <p:nvPicPr>
-          <p:cNvPr id="4" name="圖片 3"/>
-          <p:cNvPicPr>
-            <a:picLocks noChangeAspect="1"/>
-          </p:cNvPicPr>
-          <p:nvPr/>
-        </p:nvPicPr>
-        <p:blipFill>
-          <a:blip r:embed="rId2"/>
-          <a:stretch>
-            <a:fillRect/>
-          </a:stretch>
-        </p:blipFill>
-        <p:spPr>
-          <a:xfrm>
-            <a:off x="0" y="0"/>
-            <a:ext cx="3283497" cy="3429000"/>
-          </a:xfrm>
-          <a:prstGeom prst="rect">
-            <a:avLst/>
-          </a:prstGeom>
-        </p:spPr>
-      </p:pic>
-      <p:pic>
-        <p:nvPicPr>
-          <p:cNvPr id="5" name="圖片 4"/>
-          <p:cNvPicPr>
-            <a:picLocks noChangeAspect="1"/>
-          </p:cNvPicPr>
-          <p:nvPr/>
-        </p:nvPicPr>
-        <p:blipFill>
-          <a:blip r:embed="rId3"/>
-          <a:stretch>
-            <a:fillRect/>
-          </a:stretch>
-        </p:blipFill>
-        <p:spPr>
-          <a:xfrm>
-            <a:off x="0" y="3429000"/>
-            <a:ext cx="3283497" cy="3429000"/>
-          </a:xfrm>
-          <a:prstGeom prst="rect">
-            <a:avLst/>
-          </a:prstGeom>
-        </p:spPr>
-      </p:pic>
-      <p:pic>
-        <p:nvPicPr>
-          <p:cNvPr id="6" name="圖片 5"/>
-          <p:cNvPicPr>
-            <a:picLocks noChangeAspect="1"/>
-          </p:cNvPicPr>
-          <p:nvPr/>
-        </p:nvPicPr>
-        <p:blipFill>
-          <a:blip r:embed="rId4"/>
-          <a:stretch>
-            <a:fillRect/>
-          </a:stretch>
-        </p:blipFill>
-        <p:spPr>
-          <a:xfrm>
-            <a:off x="3283497" y="1485945"/>
-            <a:ext cx="5126857" cy="1355423"/>
-          </a:xfrm>
-          <a:prstGeom prst="rect">
-            <a:avLst/>
-          </a:prstGeom>
-        </p:spPr>
-      </p:pic>
-      <p:pic>
-        <p:nvPicPr>
-          <p:cNvPr id="7" name="圖片 6"/>
-          <p:cNvPicPr>
-            <a:picLocks noChangeAspect="1"/>
-          </p:cNvPicPr>
-          <p:nvPr/>
-        </p:nvPicPr>
-        <p:blipFill>
-          <a:blip r:embed="rId5"/>
-          <a:stretch>
-            <a:fillRect/>
-          </a:stretch>
-        </p:blipFill>
-        <p:spPr>
-          <a:xfrm>
-            <a:off x="3266484" y="1"/>
-            <a:ext cx="5143870" cy="1403973"/>
-          </a:xfrm>
-          <a:prstGeom prst="rect">
-            <a:avLst/>
-          </a:prstGeom>
-        </p:spPr>
-      </p:pic>
-      <p:pic>
-        <p:nvPicPr>
-          <p:cNvPr id="8" name="圖片 7"/>
-          <p:cNvPicPr>
-            <a:picLocks noChangeAspect="1"/>
-          </p:cNvPicPr>
-          <p:nvPr/>
-        </p:nvPicPr>
-        <p:blipFill>
-          <a:blip r:embed="rId6"/>
-          <a:stretch>
-            <a:fillRect/>
-          </a:stretch>
-        </p:blipFill>
-        <p:spPr>
-          <a:xfrm>
-            <a:off x="3266483" y="2841369"/>
-            <a:ext cx="4609595" cy="4016631"/>
-          </a:xfrm>
-          <a:prstGeom prst="rect">
-            <a:avLst/>
-          </a:prstGeom>
-        </p:spPr>
-      </p:pic>
-      <p:pic>
-        <p:nvPicPr>
-          <p:cNvPr id="9" name="圖片 8"/>
-          <p:cNvPicPr>
-            <a:picLocks noChangeAspect="1"/>
-          </p:cNvPicPr>
-          <p:nvPr/>
-        </p:nvPicPr>
-        <p:blipFill>
-          <a:blip r:embed="rId7">
-            <a:clrChange>
-              <a:clrFrom>
-                <a:srgbClr val="FFFFFF"/>
-              </a:clrFrom>
-              <a:clrTo>
-                <a:srgbClr val="FFFFFF">
-                  <a:alpha val="0"/>
-                </a:srgbClr>
-              </a:clrTo>
-            </a:clrChange>
-          </a:blip>
-          <a:stretch>
-            <a:fillRect/>
-          </a:stretch>
-        </p:blipFill>
-        <p:spPr>
-          <a:xfrm>
-            <a:off x="8993831" y="2688372"/>
-            <a:ext cx="2613713" cy="4169628"/>
-          </a:xfrm>
-          <a:prstGeom prst="rect">
-            <a:avLst/>
-          </a:prstGeom>
-        </p:spPr>
-      </p:pic>
-      <p:pic>
-        <p:nvPicPr>
-          <p:cNvPr id="10" name="圖片 9"/>
-          <p:cNvPicPr>
-            <a:picLocks noChangeAspect="1"/>
-          </p:cNvPicPr>
-          <p:nvPr/>
-        </p:nvPicPr>
-        <p:blipFill rotWithShape="1">
-          <a:blip r:embed="rId8">
-            <a:clrChange>
-              <a:clrFrom>
-                <a:srgbClr val="FFFFFF"/>
-              </a:clrFrom>
-              <a:clrTo>
-                <a:srgbClr val="FFFFFF">
-                  <a:alpha val="0"/>
-                </a:srgbClr>
-              </a:clrTo>
-            </a:clrChange>
-          </a:blip>
-          <a:srcRect r="41190"/>
-          <a:stretch/>
-        </p:blipFill>
-        <p:spPr>
-          <a:xfrm>
-            <a:off x="8993831" y="0"/>
-            <a:ext cx="3198169" cy="2685714"/>
-          </a:xfrm>
-          <a:prstGeom prst="rect">
-            <a:avLst/>
-          </a:prstGeom>
-        </p:spPr>
-      </p:pic>
-      <p:cxnSp>
-        <p:nvCxnSpPr>
-          <p:cNvPr id="12" name="直線接點 11"/>
-          <p:cNvCxnSpPr/>
-          <p:nvPr/>
-        </p:nvCxnSpPr>
-        <p:spPr>
-          <a:xfrm>
-            <a:off x="8993831" y="2275367"/>
-            <a:ext cx="3185764" cy="0"/>
-          </a:xfrm>
-          <a:prstGeom prst="line">
-            <a:avLst/>
-          </a:prstGeom>
-          <a:ln>
-            <a:solidFill>
-              <a:schemeClr val="tx1"/>
-            </a:solidFill>
-          </a:ln>
-        </p:spPr>
-        <p:style>
-          <a:lnRef idx="1">
-            <a:schemeClr val="accent1"/>
-          </a:lnRef>
-          <a:fillRef idx="0">
-            <a:schemeClr val="accent1"/>
-          </a:fillRef>
-          <a:effectRef idx="0">
-            <a:schemeClr val="accent1"/>
-          </a:effectRef>
-          <a:fontRef idx="minor">
-            <a:schemeClr val="tx1"/>
-          </a:fontRef>
-        </p:style>
-      </p:cxnSp>
-      <p:cxnSp>
-        <p:nvCxnSpPr>
-          <p:cNvPr id="13" name="直線接點 12"/>
-          <p:cNvCxnSpPr/>
-          <p:nvPr/>
-        </p:nvCxnSpPr>
-        <p:spPr>
-          <a:xfrm>
-            <a:off x="8993831" y="2523996"/>
-            <a:ext cx="3185764" cy="0"/>
-          </a:xfrm>
-          <a:prstGeom prst="line">
-            <a:avLst/>
-          </a:prstGeom>
-          <a:ln>
-            <a:solidFill>
-              <a:schemeClr val="tx1"/>
-            </a:solidFill>
-          </a:ln>
-        </p:spPr>
-        <p:style>
-          <a:lnRef idx="1">
-            <a:schemeClr val="accent1"/>
-          </a:lnRef>
-          <a:fillRef idx="0">
-            <a:schemeClr val="accent1"/>
-          </a:fillRef>
-          <a:effectRef idx="0">
-            <a:schemeClr val="accent1"/>
-          </a:effectRef>
-          <a:fontRef idx="minor">
-            <a:schemeClr val="tx1"/>
-          </a:fontRef>
-        </p:style>
-      </p:cxnSp>
-    </p:spTree>
-    <p:extLst>
-      <p:ext uri="{BB962C8B-B14F-4D97-AF65-F5344CB8AC3E}">
-        <p14:creationId xmlns:p14="http://schemas.microsoft.com/office/powerpoint/2010/main" val="2490319399"/>
       </p:ext>
     </p:extLst>
   </p:cSld>
@@ -26277,6 +26752,21 @@
 </file>
 
 <file path=customXml/item1.xml><?xml version="1.0" encoding="utf-8"?>
+<?mso-contentType ?>
+<FormTemplates xmlns="http://schemas.microsoft.com/sharepoint/v3/contenttype/forms">
+  <Display>DocumentLibraryForm</Display>
+  <Edit>DocumentLibraryForm</Edit>
+  <New>DocumentLibraryForm</New>
+</FormTemplates>
+</file>
+
+<file path=customXml/item2.xml><?xml version="1.0" encoding="utf-8"?>
+<p:properties xmlns:p="http://schemas.microsoft.com/office/2006/metadata/properties" xmlns:xsi="http://www.w3.org/2001/XMLSchema-instance" xmlns:pc="http://schemas.microsoft.com/office/infopath/2007/PartnerControls">
+  <documentManagement/>
+</p:properties>
+</file>
+
+<file path=customXml/item3.xml><?xml version="1.0" encoding="utf-8"?>
 <ct:contentTypeSchema xmlns:ct="http://schemas.microsoft.com/office/2006/metadata/contentType" xmlns:ma="http://schemas.microsoft.com/office/2006/metadata/properties/metaAttributes" ct:_="" ma:_="" ma:contentTypeName="Document" ma:contentTypeID="0x01010005FA520563873D4EB8CBD5344A351BEB" ma:contentTypeVersion="0" ma:contentTypeDescription="Crée un document." ma:contentTypeScope="" ma:versionID="005ce72954985de94fc750614f2007cc">
   <xsd:schema xmlns:xsd="http://www.w3.org/2001/XMLSchema" xmlns:xs="http://www.w3.org/2001/XMLSchema" xmlns:p="http://schemas.microsoft.com/office/2006/metadata/properties" targetNamespace="http://schemas.microsoft.com/office/2006/metadata/properties" ma:root="true" ma:fieldsID="36883d0f3030e52908f9a4448a35c02a">
     <xsd:element name="properties">
@@ -26390,33 +26880,10 @@
 </ct:contentTypeSchema>
 </file>
 
-<file path=customXml/item2.xml><?xml version="1.0" encoding="utf-8"?>
-<p:properties xmlns:p="http://schemas.microsoft.com/office/2006/metadata/properties" xmlns:xsi="http://www.w3.org/2001/XMLSchema-instance" xmlns:pc="http://schemas.microsoft.com/office/infopath/2007/PartnerControls">
-  <documentManagement/>
-</p:properties>
-</file>
-
-<file path=customXml/item3.xml><?xml version="1.0" encoding="utf-8"?>
-<?mso-contentType ?>
-<FormTemplates xmlns="http://schemas.microsoft.com/sharepoint/v3/contenttype/forms">
-  <Display>DocumentLibraryForm</Display>
-  <Edit>DocumentLibraryForm</Edit>
-  <New>DocumentLibraryForm</New>
-</FormTemplates>
-</file>
-
 <file path=customXml/itemProps1.xml><?xml version="1.0" encoding="utf-8"?>
-<ds:datastoreItem xmlns:ds="http://schemas.openxmlformats.org/officeDocument/2006/customXml" ds:itemID="{FF14EDAB-351E-4851-B148-260C81C296AA}">
+<ds:datastoreItem xmlns:ds="http://schemas.openxmlformats.org/officeDocument/2006/customXml" ds:itemID="{95457E87-E546-449E-A4D1-371201992E58}">
   <ds:schemaRefs>
-    <ds:schemaRef ds:uri="http://schemas.microsoft.com/office/2006/metadata/contentType"/>
-    <ds:schemaRef ds:uri="http://schemas.microsoft.com/office/2006/metadata/properties/metaAttributes"/>
-    <ds:schemaRef ds:uri="http://www.w3.org/2001/XMLSchema"/>
-    <ds:schemaRef ds:uri="http://schemas.microsoft.com/office/2006/metadata/properties"/>
-    <ds:schemaRef ds:uri="http://schemas.openxmlformats.org/package/2006/metadata/core-properties"/>
-    <ds:schemaRef ds:uri="http://purl.org/dc/elements/1.1/"/>
-    <ds:schemaRef ds:uri="http://purl.org/dc/terms/"/>
-    <ds:schemaRef ds:uri="http://schemas.microsoft.com/internal/obd"/>
-    <ds:schemaRef ds:uri="http://schemas.microsoft.com/office/infopath/2007/PartnerControls"/>
+    <ds:schemaRef ds:uri="http://schemas.microsoft.com/sharepoint/v3/contenttype/forms"/>
   </ds:schemaRefs>
 </ds:datastoreItem>
 </file>
@@ -26437,9 +26904,17 @@
 </file>
 
 <file path=customXml/itemProps3.xml><?xml version="1.0" encoding="utf-8"?>
-<ds:datastoreItem xmlns:ds="http://schemas.openxmlformats.org/officeDocument/2006/customXml" ds:itemID="{95457E87-E546-449E-A4D1-371201992E58}">
+<ds:datastoreItem xmlns:ds="http://schemas.openxmlformats.org/officeDocument/2006/customXml" ds:itemID="{FF14EDAB-351E-4851-B148-260C81C296AA}">
   <ds:schemaRefs>
-    <ds:schemaRef ds:uri="http://schemas.microsoft.com/sharepoint/v3/contenttype/forms"/>
+    <ds:schemaRef ds:uri="http://schemas.microsoft.com/office/2006/metadata/contentType"/>
+    <ds:schemaRef ds:uri="http://schemas.microsoft.com/office/2006/metadata/properties/metaAttributes"/>
+    <ds:schemaRef ds:uri="http://www.w3.org/2001/XMLSchema"/>
+    <ds:schemaRef ds:uri="http://schemas.microsoft.com/office/2006/metadata/properties"/>
+    <ds:schemaRef ds:uri="http://schemas.openxmlformats.org/package/2006/metadata/core-properties"/>
+    <ds:schemaRef ds:uri="http://purl.org/dc/elements/1.1/"/>
+    <ds:schemaRef ds:uri="http://purl.org/dc/terms/"/>
+    <ds:schemaRef ds:uri="http://schemas.microsoft.com/internal/obd"/>
+    <ds:schemaRef ds:uri="http://schemas.microsoft.com/office/infopath/2007/PartnerControls"/>
   </ds:schemaRefs>
 </ds:datastoreItem>
 </file>
--- a/Meeting/20190531 Meeting/20190531 Meeting.pptx
+++ b/Meeting/20190531 Meeting/20190531 Meeting.pptx
@@ -242,7 +242,7 @@
           <a:p>
             <a:fld id="{E17FB05D-A85A-41E9-95F8-557FC4A8E4EF}" type="datetimeFigureOut">
               <a:rPr lang="zh-TW" altLang="en-US" smtClean="0"/>
-              <a:t>2019/5/30</a:t>
+              <a:t>2019/5/31</a:t>
             </a:fld>
             <a:endParaRPr lang="zh-TW" altLang="en-US"/>
           </a:p>
@@ -733,7 +733,7 @@
           <a:lstStyle/>
           <a:p>
             <a:r>
-              <a:rPr lang="en-US" altLang="zh-TW" dirty="0" smtClean="0"/>
+              <a:rPr lang="en-US" altLang="zh-TW" dirty="0"/>
               <a:t>Tradition DBE MCE</a:t>
             </a:r>
             <a:endParaRPr lang="zh-TW" altLang="en-US" dirty="0"/>
@@ -946,7 +946,7 @@
           <a:p>
             <a:fld id="{7A7E7069-7A31-444D-80E6-B61C02E1392B}" type="datetime1">
               <a:rPr lang="fr-FR" altLang="zh-TW" smtClean="0"/>
-              <a:t>30/05/2019</a:t>
+              <a:t>31/05/2019</a:t>
             </a:fld>
             <a:endParaRPr lang="fr-FR"/>
           </a:p>
@@ -1295,7 +1295,7 @@
           <a:p>
             <a:fld id="{AB24F10B-ECA2-4753-8694-8A0132243A1A}" type="datetime1">
               <a:rPr lang="fr-FR" altLang="zh-TW" smtClean="0"/>
-              <a:t>30/05/2019</a:t>
+              <a:t>31/05/2019</a:t>
             </a:fld>
             <a:endParaRPr lang="fr-FR"/>
           </a:p>
@@ -1824,7 +1824,7 @@
           <a:p>
             <a:fld id="{DF3763D6-108C-484F-A72E-357B7AC47626}" type="datetime1">
               <a:rPr lang="fr-FR" altLang="zh-TW" smtClean="0"/>
-              <a:t>30/05/2019</a:t>
+              <a:t>31/05/2019</a:t>
             </a:fld>
             <a:endParaRPr lang="fr-FR"/>
           </a:p>
@@ -2092,7 +2092,7 @@
           <a:p>
             <a:fld id="{70A2E91A-1B1C-4AA6-BE7D-BFAB22416A0A}" type="datetime1">
               <a:rPr lang="fr-FR" altLang="zh-TW" smtClean="0"/>
-              <a:t>30/05/2019</a:t>
+              <a:t>31/05/2019</a:t>
             </a:fld>
             <a:endParaRPr lang="fr-FR"/>
           </a:p>
@@ -2409,7 +2409,7 @@
           <a:p>
             <a:fld id="{CB63E6B3-FD71-4468-88B9-C0735253CCAA}" type="datetime1">
               <a:rPr lang="fr-FR" altLang="zh-TW" smtClean="0"/>
-              <a:t>30/05/2019</a:t>
+              <a:t>31/05/2019</a:t>
             </a:fld>
             <a:endParaRPr lang="fr-FR"/>
           </a:p>
@@ -2671,7 +2671,7 @@
           <a:p>
             <a:fld id="{E7037967-40FB-4E34-8FF3-6969956CCBF8}" type="datetime1">
               <a:rPr lang="fr-FR" altLang="zh-TW" smtClean="0"/>
-              <a:t>30/05/2019</a:t>
+              <a:t>31/05/2019</a:t>
             </a:fld>
             <a:endParaRPr lang="fr-FR"/>
           </a:p>
@@ -3389,7 +3389,7 @@
           <a:p>
             <a:fld id="{D3ACC2AA-C9BE-4B6D-A61B-7594931CB630}" type="datetime1">
               <a:rPr lang="fr-FR" altLang="zh-TW" smtClean="0"/>
-              <a:t>30/05/2019</a:t>
+              <a:t>31/05/2019</a:t>
             </a:fld>
             <a:endParaRPr lang="fr-FR"/>
           </a:p>
@@ -3746,7 +3746,7 @@
           <a:p>
             <a:fld id="{1D45520A-363C-425F-A28D-4D02521E9EC2}" type="datetime1">
               <a:rPr lang="fr-FR" altLang="zh-TW" smtClean="0"/>
-              <a:t>30/05/2019</a:t>
+              <a:t>31/05/2019</a:t>
             </a:fld>
             <a:endParaRPr lang="fr-FR"/>
           </a:p>
@@ -4046,7 +4046,7 @@
           <a:p>
             <a:fld id="{172E36E1-A9EF-44B8-BDC2-AD38F076111B}" type="datetime1">
               <a:rPr lang="fr-FR" altLang="zh-TW" smtClean="0"/>
-              <a:t>30/05/2019</a:t>
+              <a:t>31/05/2019</a:t>
             </a:fld>
             <a:endParaRPr lang="fr-FR"/>
           </a:p>
@@ -4233,7 +4233,7 @@
           <a:p>
             <a:fld id="{E6060845-F4F6-4A6C-87EC-25D40DD76F66}" type="datetime1">
               <a:rPr lang="fr-FR" altLang="zh-TW" smtClean="0"/>
-              <a:t>30/05/2019</a:t>
+              <a:t>31/05/2019</a:t>
             </a:fld>
             <a:endParaRPr lang="fr-FR"/>
           </a:p>
@@ -10632,7 +10632,7 @@
           <a:p>
             <a:fld id="{A0B758D6-ED01-4AE2-915C-7364812A8626}" type="datetime1">
               <a:rPr lang="fr-FR" altLang="zh-TW" smtClean="0"/>
-              <a:t>30/05/2019</a:t>
+              <a:t>31/05/2019</a:t>
             </a:fld>
             <a:endParaRPr lang="fr-FR"/>
           </a:p>
@@ -15883,7 +15883,7 @@
           <a:p>
             <a:fld id="{3878EA16-B830-4EFF-8CB0-DE8E57720CDD}" type="datetime1">
               <a:rPr lang="fr-FR" altLang="zh-TW" smtClean="0"/>
-              <a:t>30/05/2019</a:t>
+              <a:t>31/05/2019</a:t>
             </a:fld>
             <a:endParaRPr lang="fr-FR"/>
           </a:p>
@@ -16617,7 +16617,7 @@
           <a:p>
             <a:fld id="{2579C44F-DB87-47B9-975C-3AD181DD0144}" type="datetime1">
               <a:rPr lang="fr-FR" altLang="zh-TW" smtClean="0"/>
-              <a:t>30/05/2019</a:t>
+              <a:t>31/05/2019</a:t>
             </a:fld>
             <a:endParaRPr lang="fr-FR"/>
           </a:p>
@@ -18537,7 +18537,7 @@
           <a:p>
             <a:fld id="{17C8F73A-9A53-44D5-87A0-EF89FB35B76E}" type="datetime1">
               <a:rPr lang="fr-FR" altLang="zh-TW" smtClean="0"/>
-              <a:t>30/05/2019</a:t>
+              <a:t>31/05/2019</a:t>
             </a:fld>
             <a:endParaRPr lang="fr-FR"/>
           </a:p>
@@ -19203,7 +19203,7 @@
           <a:p>
             <a:fld id="{01D877FE-3F74-424B-86C7-10EA22D7ED24}" type="datetime1">
               <a:rPr lang="fr-FR" altLang="zh-TW" smtClean="0"/>
-              <a:t>30/05/2019</a:t>
+              <a:t>31/05/2019</a:t>
             </a:fld>
             <a:endParaRPr lang="fr-FR"/>
           </a:p>
@@ -19869,7 +19869,7 @@
           <a:p>
             <a:fld id="{B9087178-D13A-4930-A1A8-4200F7450DEF}" type="datetime1">
               <a:rPr lang="fr-FR" altLang="zh-TW" smtClean="0"/>
-              <a:t>30/05/2019</a:t>
+              <a:t>31/05/2019</a:t>
             </a:fld>
             <a:endParaRPr lang="fr-FR"/>
           </a:p>
@@ -21604,7 +21604,7 @@
           <a:p>
             <a:fld id="{0003247B-B3F7-41BB-A95F-B6B56C48E17E}" type="datetime1">
               <a:rPr lang="fr-FR" altLang="zh-TW" smtClean="0"/>
-              <a:t>30/05/2019</a:t>
+              <a:t>31/05/2019</a:t>
             </a:fld>
             <a:endParaRPr lang="fr-FR"/>
           </a:p>
@@ -21848,7 +21848,7 @@
           <a:p>
             <a:fld id="{7036140C-C5FE-4C35-B4E1-C65C06066FA9}" type="datetime1">
               <a:rPr lang="fr-FR" altLang="zh-TW" smtClean="0"/>
-              <a:t>30/05/2019</a:t>
+              <a:t>31/05/2019</a:t>
             </a:fld>
             <a:endParaRPr lang="fr-FR"/>
           </a:p>
@@ -22026,7 +22026,7 @@
           <a:p>
             <a:fld id="{887BFBD1-3D9B-4272-AD61-7503861467DB}" type="datetime1">
               <a:rPr lang="fr-FR" altLang="zh-TW" smtClean="0"/>
-              <a:t>30/05/2019</a:t>
+              <a:t>31/05/2019</a:t>
             </a:fld>
             <a:endParaRPr lang="fr-FR"/>
           </a:p>
@@ -22805,13 +22805,6 @@
       </p:transition>
     </mc:Fallback>
   </mc:AlternateContent>
-  <p:timing>
-    <p:tnLst>
-      <p:par>
-        <p:cTn id="1" dur="indefinite" restart="never" nodeType="tmRoot"/>
-      </p:par>
-    </p:tnLst>
-  </p:timing>
 </p:sld>
 </file>
 
@@ -22848,7 +22841,7 @@
           <a:lstStyle/>
           <a:p>
             <a:r>
-              <a:rPr lang="en-US" altLang="zh-TW" dirty="0" smtClean="0"/>
+              <a:rPr lang="en-US" altLang="zh-TW" dirty="0"/>
               <a:t>Time History</a:t>
             </a:r>
             <a:endParaRPr lang="zh-TW" altLang="en-US" dirty="0"/>
@@ -22970,13 +22963,6 @@
       </p:transition>
     </mc:Fallback>
   </mc:AlternateContent>
-  <p:timing>
-    <p:tnLst>
-      <p:par>
-        <p:cTn id="1" dur="indefinite" restart="never" nodeType="tmRoot"/>
-      </p:par>
-    </p:tnLst>
-  </p:timing>
 </p:sld>
 </file>
 
@@ -23301,13 +23287,6 @@
       </p:transition>
     </mc:Fallback>
   </mc:AlternateContent>
-  <p:timing>
-    <p:tnLst>
-      <p:par>
-        <p:cTn id="1" dur="indefinite" restart="never" nodeType="tmRoot"/>
-      </p:par>
-    </p:tnLst>
-  </p:timing>
 </p:sld>
 </file>
 
@@ -23489,13 +23468,6 @@
       </p:transition>
     </mc:Fallback>
   </mc:AlternateContent>
-  <p:timing>
-    <p:tnLst>
-      <p:par>
-        <p:cTn id="1" dur="indefinite" restart="never" nodeType="tmRoot"/>
-      </p:par>
-    </p:tnLst>
-  </p:timing>
 </p:sld>
 </file>
 
@@ -23631,13 +23603,6 @@
       </p:transition>
     </mc:Fallback>
   </mc:AlternateContent>
-  <p:timing>
-    <p:tnLst>
-      <p:par>
-        <p:cTn id="1" dur="indefinite" restart="never" nodeType="tmRoot"/>
-      </p:par>
-    </p:tnLst>
-  </p:timing>
 </p:sld>
 </file>
 
@@ -23730,13 +23695,19 @@
               <a:t>章	梁鋼筋配置之最佳化</a:t>
             </a:r>
             <a:r>
-              <a:rPr lang="zh-TW" altLang="en-US" sz="2000" dirty="0" smtClean="0">
+              <a:rPr lang="zh-TW" altLang="en-US" sz="2000" dirty="0">
+                <a:solidFill>
+                  <a:schemeClr val="accent1"/>
+                </a:solidFill>
                 <a:latin typeface="Segoe UI Light" panose="020B0502040204020203" pitchFamily="34" charset="0"/>
                 <a:cs typeface="Segoe UI Light" panose="020B0502040204020203" pitchFamily="34" charset="0"/>
               </a:rPr>
               <a:t>方法</a:t>
             </a:r>
-            <a:endParaRPr lang="en-US" altLang="zh-TW" sz="2000" dirty="0" smtClean="0">
+            <a:endParaRPr lang="en-US" altLang="zh-TW" sz="2000" dirty="0">
+              <a:solidFill>
+                <a:schemeClr val="accent1"/>
+              </a:solidFill>
               <a:latin typeface="Segoe UI Light" panose="020B0502040204020203" pitchFamily="34" charset="0"/>
               <a:cs typeface="Segoe UI Light" panose="020B0502040204020203" pitchFamily="34" charset="0"/>
             </a:endParaRPr>
@@ -23776,16 +23747,9 @@
                 <a:latin typeface="Segoe UI Light" panose="020B0502040204020203" pitchFamily="34" charset="0"/>
                 <a:cs typeface="Segoe UI Light" panose="020B0502040204020203" pitchFamily="34" charset="0"/>
               </a:rPr>
-              <a:t>之最佳切斷</a:t>
+              <a:t>之最佳切斷點</a:t>
             </a:r>
-            <a:r>
-              <a:rPr lang="zh-TW" altLang="en-US" sz="2000" dirty="0" smtClean="0">
-                <a:latin typeface="Segoe UI Light" panose="020B0502040204020203" pitchFamily="34" charset="0"/>
-                <a:cs typeface="Segoe UI Light" panose="020B0502040204020203" pitchFamily="34" charset="0"/>
-              </a:rPr>
-              <a:t>點</a:t>
-            </a:r>
-            <a:endParaRPr lang="en-US" altLang="zh-TW" sz="2000" dirty="0" smtClean="0">
+            <a:endParaRPr lang="en-US" altLang="zh-TW" sz="2000" dirty="0">
               <a:latin typeface="Segoe UI Light" panose="020B0502040204020203" pitchFamily="34" charset="0"/>
               <a:cs typeface="Segoe UI Light" panose="020B0502040204020203" pitchFamily="34" charset="0"/>
             </a:endParaRPr>
@@ -23818,12 +23782,8 @@
                 <a:latin typeface="Segoe UI Light" panose="020B0502040204020203" pitchFamily="34" charset="0"/>
                 <a:cs typeface="Segoe UI Light" panose="020B0502040204020203" pitchFamily="34" charset="0"/>
               </a:rPr>
-              <a:t>分斷區域探討</a:t>
+              <a:t>分界區域探討</a:t>
             </a:r>
-            <a:endParaRPr lang="zh-TW" altLang="en-US" sz="2000" dirty="0" smtClean="0">
-              <a:latin typeface="Segoe UI Light" panose="020B0502040204020203" pitchFamily="34" charset="0"/>
-              <a:cs typeface="Segoe UI Light" panose="020B0502040204020203" pitchFamily="34" charset="0"/>
-            </a:endParaRPr>
           </a:p>
         </p:txBody>
       </p:sp>
@@ -23873,16 +23833,26 @@
                 <a:latin typeface="Segoe UI Light" panose="020B0502040204020203" pitchFamily="34" charset="0"/>
                 <a:cs typeface="Segoe UI Light" panose="020B0502040204020203" pitchFamily="34" charset="0"/>
               </a:rPr>
-              <a:t>章	鋼筋配置最佳化之效益量化</a:t>
+              <a:t>章	鋼筋配置最佳化之效益</a:t>
             </a:r>
             <a:r>
-              <a:rPr lang="zh-TW" altLang="en-US" sz="2000" dirty="0" smtClean="0">
+              <a:rPr lang="zh-TW" altLang="en-US" sz="2000" dirty="0">
+                <a:solidFill>
+                  <a:schemeClr val="accent1"/>
+                </a:solidFill>
+                <a:latin typeface="Segoe UI Light" panose="020B0502040204020203" pitchFamily="34" charset="0"/>
+                <a:cs typeface="Segoe UI Light" panose="020B0502040204020203" pitchFamily="34" charset="0"/>
+              </a:rPr>
+              <a:t>量化</a:t>
+            </a:r>
+            <a:r>
+              <a:rPr lang="zh-TW" altLang="en-US" sz="2000" dirty="0">
                 <a:latin typeface="Segoe UI Light" panose="020B0502040204020203" pitchFamily="34" charset="0"/>
                 <a:cs typeface="Segoe UI Light" panose="020B0502040204020203" pitchFamily="34" charset="0"/>
               </a:rPr>
               <a:t>探討</a:t>
             </a:r>
-            <a:endParaRPr lang="en-US" altLang="zh-TW" sz="2000" dirty="0" smtClean="0">
+            <a:endParaRPr lang="en-US" altLang="zh-TW" sz="2000" dirty="0">
               <a:latin typeface="Segoe UI Light" panose="020B0502040204020203" pitchFamily="34" charset="0"/>
               <a:cs typeface="Segoe UI Light" panose="020B0502040204020203" pitchFamily="34" charset="0"/>
             </a:endParaRPr>
@@ -23905,16 +23875,9 @@
                 <a:latin typeface="Segoe UI Light" panose="020B0502040204020203" pitchFamily="34" charset="0"/>
                 <a:cs typeface="Segoe UI Light" panose="020B0502040204020203" pitchFamily="34" charset="0"/>
               </a:rPr>
-              <a:t>影響最佳化效益之參數與</a:t>
+              <a:t>影響最佳化效益之參數與條件</a:t>
             </a:r>
-            <a:r>
-              <a:rPr lang="zh-TW" altLang="en-US" sz="2000" dirty="0" smtClean="0">
-                <a:latin typeface="Segoe UI Light" panose="020B0502040204020203" pitchFamily="34" charset="0"/>
-                <a:cs typeface="Segoe UI Light" panose="020B0502040204020203" pitchFamily="34" charset="0"/>
-              </a:rPr>
-              <a:t>條件</a:t>
-            </a:r>
-            <a:endParaRPr lang="en-US" altLang="zh-TW" sz="2000" dirty="0" smtClean="0">
+            <a:endParaRPr lang="en-US" altLang="zh-TW" sz="2000" dirty="0">
               <a:latin typeface="Segoe UI Light" panose="020B0502040204020203" pitchFamily="34" charset="0"/>
               <a:cs typeface="Segoe UI Light" panose="020B0502040204020203" pitchFamily="34" charset="0"/>
             </a:endParaRPr>
@@ -23937,16 +23900,9 @@
                 <a:latin typeface="Segoe UI Light" panose="020B0502040204020203" pitchFamily="34" charset="0"/>
                 <a:cs typeface="Segoe UI Light" panose="020B0502040204020203" pitchFamily="34" charset="0"/>
               </a:rPr>
-              <a:t>結構數值模型</a:t>
+              <a:t>結構數值模型建立</a:t>
             </a:r>
-            <a:r>
-              <a:rPr lang="zh-TW" altLang="en-US" sz="2000" dirty="0" smtClean="0">
-                <a:latin typeface="Segoe UI Light" panose="020B0502040204020203" pitchFamily="34" charset="0"/>
-                <a:cs typeface="Segoe UI Light" panose="020B0502040204020203" pitchFamily="34" charset="0"/>
-              </a:rPr>
-              <a:t>建立</a:t>
-            </a:r>
-            <a:endParaRPr lang="en-US" altLang="zh-TW" sz="2000" dirty="0" smtClean="0">
+            <a:endParaRPr lang="en-US" altLang="zh-TW" sz="2000" dirty="0">
               <a:latin typeface="Segoe UI Light" panose="020B0502040204020203" pitchFamily="34" charset="0"/>
               <a:cs typeface="Segoe UI Light" panose="020B0502040204020203" pitchFamily="34" charset="0"/>
             </a:endParaRPr>
@@ -23979,16 +23935,9 @@
                 <a:latin typeface="Segoe UI Light" panose="020B0502040204020203" pitchFamily="34" charset="0"/>
                 <a:cs typeface="Segoe UI Light" panose="020B0502040204020203" pitchFamily="34" charset="0"/>
               </a:rPr>
-              <a:t>切斷點效益</a:t>
+              <a:t>切斷點效益評估</a:t>
             </a:r>
-            <a:r>
-              <a:rPr lang="zh-TW" altLang="en-US" sz="2000" dirty="0" smtClean="0">
-                <a:latin typeface="Segoe UI Light" panose="020B0502040204020203" pitchFamily="34" charset="0"/>
-                <a:cs typeface="Segoe UI Light" panose="020B0502040204020203" pitchFamily="34" charset="0"/>
-              </a:rPr>
-              <a:t>評估</a:t>
-            </a:r>
-            <a:endParaRPr lang="en-US" altLang="zh-TW" sz="2000" dirty="0" smtClean="0">
+            <a:endParaRPr lang="en-US" altLang="zh-TW" sz="2000" dirty="0">
               <a:latin typeface="Segoe UI Light" panose="020B0502040204020203" pitchFamily="34" charset="0"/>
               <a:cs typeface="Segoe UI Light" panose="020B0502040204020203" pitchFamily="34" charset="0"/>
             </a:endParaRPr>
@@ -24021,16 +23970,9 @@
                 <a:latin typeface="Segoe UI Light" panose="020B0502040204020203" pitchFamily="34" charset="0"/>
                 <a:cs typeface="Segoe UI Light" panose="020B0502040204020203" pitchFamily="34" charset="0"/>
               </a:rPr>
-              <a:t>分斷區域效益</a:t>
+              <a:t>分界區域效益評估</a:t>
             </a:r>
-            <a:r>
-              <a:rPr lang="zh-TW" altLang="en-US" sz="2000" dirty="0" smtClean="0">
-                <a:latin typeface="Segoe UI Light" panose="020B0502040204020203" pitchFamily="34" charset="0"/>
-                <a:cs typeface="Segoe UI Light" panose="020B0502040204020203" pitchFamily="34" charset="0"/>
-              </a:rPr>
-              <a:t>評估</a:t>
-            </a:r>
-            <a:endParaRPr lang="en-US" altLang="zh-TW" sz="2000" dirty="0" smtClean="0">
+            <a:endParaRPr lang="en-US" altLang="zh-TW" sz="2000" dirty="0">
               <a:latin typeface="Segoe UI Light" panose="020B0502040204020203" pitchFamily="34" charset="0"/>
               <a:cs typeface="Segoe UI Light" panose="020B0502040204020203" pitchFamily="34" charset="0"/>
             </a:endParaRPr>
@@ -24053,16 +23995,9 @@
                 <a:latin typeface="Segoe UI Light" panose="020B0502040204020203" pitchFamily="34" charset="0"/>
                 <a:cs typeface="Segoe UI Light" panose="020B0502040204020203" pitchFamily="34" charset="0"/>
               </a:rPr>
-              <a:t>真實世界之數值模型</a:t>
+              <a:t>實際建物之數值模型驗證</a:t>
             </a:r>
-            <a:r>
-              <a:rPr lang="zh-TW" altLang="en-US" sz="2000" dirty="0" smtClean="0">
-                <a:latin typeface="Segoe UI Light" panose="020B0502040204020203" pitchFamily="34" charset="0"/>
-                <a:cs typeface="Segoe UI Light" panose="020B0502040204020203" pitchFamily="34" charset="0"/>
-              </a:rPr>
-              <a:t>驗證</a:t>
-            </a:r>
-            <a:endParaRPr lang="en-US" altLang="zh-TW" sz="2000" dirty="0" smtClean="0">
+            <a:endParaRPr lang="en-US" altLang="zh-TW" sz="2000" dirty="0">
               <a:latin typeface="Segoe UI Light" panose="020B0502040204020203" pitchFamily="34" charset="0"/>
               <a:cs typeface="Segoe UI Light" panose="020B0502040204020203" pitchFamily="34" charset="0"/>
             </a:endParaRPr>
@@ -24085,12 +24020,8 @@
                 <a:latin typeface="Segoe UI Light" panose="020B0502040204020203" pitchFamily="34" charset="0"/>
                 <a:cs typeface="Segoe UI Light" panose="020B0502040204020203" pitchFamily="34" charset="0"/>
               </a:rPr>
-              <a:t>施工成本初步評估</a:t>
+              <a:t>施工成本與材料成本初步評估</a:t>
             </a:r>
-            <a:endParaRPr lang="zh-TW" altLang="en-US" sz="2000" dirty="0" smtClean="0">
-              <a:latin typeface="Segoe UI Light" panose="020B0502040204020203" pitchFamily="34" charset="0"/>
-              <a:cs typeface="Segoe UI Light" panose="020B0502040204020203" pitchFamily="34" charset="0"/>
-            </a:endParaRPr>
           </a:p>
         </p:txBody>
       </p:sp>
@@ -24103,7 +24034,7 @@
         <p:spPr>
           <a:xfrm>
             <a:off x="6826098" y="4160222"/>
-            <a:ext cx="4779514" cy="461665"/>
+            <a:ext cx="4766690" cy="435119"/>
           </a:xfrm>
           <a:prstGeom prst="rect">
             <a:avLst/>
@@ -24122,10 +24053,18 @@
               </a:lnSpc>
             </a:pPr>
             <a:r>
+              <a:rPr lang="zh-TW" altLang="en-US" sz="2000" dirty="0">
+                <a:solidFill>
+                  <a:schemeClr val="accent1"/>
+                </a:solidFill>
+              </a:rPr>
+              <a:t>梁鋼筋配置最佳化</a:t>
+            </a:r>
+            <a:r>
               <a:rPr lang="zh-TW" altLang="en-US" sz="2000" dirty="0"/>
-              <a:t>梁鋼筋配置最佳化應用於施工可行性評估 </a:t>
+              <a:t>應用於施工可行性評估 </a:t>
             </a:r>
-            <a:endParaRPr lang="zh-TW" altLang="en-US" sz="2000" dirty="0" smtClean="0">
+            <a:endParaRPr lang="zh-TW" altLang="en-US" sz="2000" dirty="0">
               <a:latin typeface="Segoe UI Light" panose="020B0502040204020203" pitchFamily="34" charset="0"/>
               <a:cs typeface="Segoe UI Light" panose="020B0502040204020203" pitchFamily="34" charset="0"/>
             </a:endParaRPr>
@@ -24161,9 +24100,16 @@
             </a:pPr>
             <a:r>
               <a:rPr lang="en-US" altLang="zh-TW" sz="2000" dirty="0"/>
-              <a:t>Feasibility of Optimization Beam Reinforcement </a:t>
+              <a:t>Feasibility of </a:t>
             </a:r>
-            <a:endParaRPr lang="en-US" altLang="zh-TW" sz="2000" dirty="0" smtClean="0"/>
+            <a:r>
+              <a:rPr lang="en-US" altLang="zh-TW" sz="2000" dirty="0">
+                <a:solidFill>
+                  <a:schemeClr val="accent1"/>
+                </a:solidFill>
+              </a:rPr>
+              <a:t>Optimization Beam Reinforcement </a:t>
+            </a:r>
           </a:p>
           <a:p>
             <a:pPr>
@@ -24172,12 +24118,8 @@
               </a:lnSpc>
             </a:pPr>
             <a:r>
-              <a:rPr lang="en-US" altLang="zh-TW" sz="2000" dirty="0" smtClean="0"/>
-              <a:t>for </a:t>
-            </a:r>
-            <a:r>
               <a:rPr lang="en-US" altLang="zh-TW" sz="2000" dirty="0"/>
-              <a:t>Construction Application </a:t>
+              <a:t>for Construction Application </a:t>
             </a:r>
             <a:endParaRPr lang="zh-TW" altLang="en-US" sz="2000" dirty="0">
               <a:latin typeface="Segoe UI Light" panose="020B0502040204020203" pitchFamily="34" charset="0"/>
@@ -24218,7 +24160,17 @@
                 <a:latin typeface="Segoe UI Light" panose="020B0502040204020203" pitchFamily="34" charset="0"/>
                 <a:cs typeface="Segoe UI Light" panose="020B0502040204020203" pitchFamily="34" charset="0"/>
               </a:rPr>
-              <a:t>Feasibility of Multi-Cut-Off Rebar</a:t>
+              <a:t>Feasibility of </a:t>
+            </a:r>
+            <a:r>
+              <a:rPr lang="en-US" altLang="zh-TW" sz="2000" dirty="0">
+                <a:solidFill>
+                  <a:schemeClr val="accent1"/>
+                </a:solidFill>
+                <a:latin typeface="Segoe UI Light" panose="020B0502040204020203" pitchFamily="34" charset="0"/>
+                <a:cs typeface="Segoe UI Light" panose="020B0502040204020203" pitchFamily="34" charset="0"/>
+              </a:rPr>
+              <a:t>Multi-Cut-Off Rebar</a:t>
             </a:r>
           </a:p>
           <a:p>
@@ -24241,7 +24193,7 @@
                 <a:spcPct val="120000"/>
               </a:lnSpc>
             </a:pPr>
-            <a:endParaRPr lang="zh-TW" altLang="en-US" sz="2000" dirty="0" smtClean="0">
+            <a:endParaRPr lang="zh-TW" altLang="en-US" sz="2000" dirty="0">
               <a:latin typeface="Segoe UI Light" panose="020B0502040204020203" pitchFamily="34" charset="0"/>
               <a:cs typeface="Segoe UI Light" panose="020B0502040204020203" pitchFamily="34" charset="0"/>
             </a:endParaRPr>
@@ -24293,7 +24245,7 @@
         <p:spPr>
           <a:xfrm>
             <a:off x="6826098" y="1280500"/>
-            <a:ext cx="4196020" cy="428066"/>
+            <a:ext cx="4196020" cy="435119"/>
           </a:xfrm>
           <a:prstGeom prst="rect">
             <a:avLst/>
@@ -24313,26 +24265,106 @@
             </a:pPr>
             <a:r>
               <a:rPr lang="zh-TW" altLang="en-US" sz="2000" dirty="0">
+                <a:solidFill>
+                  <a:schemeClr val="accent1"/>
+                </a:solidFill>
                 <a:latin typeface="Segoe UI Light" panose="020B0502040204020203" pitchFamily="34" charset="0"/>
                 <a:cs typeface="Segoe UI Light" panose="020B0502040204020203" pitchFamily="34" charset="0"/>
               </a:rPr>
               <a:t>鋼筋切斷點</a:t>
             </a:r>
             <a:r>
-              <a:rPr lang="zh-TW" altLang="en-US" sz="2000" dirty="0" smtClean="0">
-                <a:latin typeface="Segoe UI Light" panose="020B0502040204020203" pitchFamily="34" charset="0"/>
-                <a:cs typeface="Segoe UI Light" panose="020B0502040204020203" pitchFamily="34" charset="0"/>
-              </a:rPr>
-              <a:t>之最佳化</a:t>
-            </a:r>
-            <a:r>
               <a:rPr lang="zh-TW" altLang="en-US" sz="2000" dirty="0">
                 <a:latin typeface="Segoe UI Light" panose="020B0502040204020203" pitchFamily="34" charset="0"/>
                 <a:cs typeface="Segoe UI Light" panose="020B0502040204020203" pitchFamily="34" charset="0"/>
               </a:rPr>
-              <a:t>研究與數值驗證</a:t>
+              <a:t>之最佳化研究與數值驗證</a:t>
             </a:r>
-            <a:endParaRPr lang="zh-TW" altLang="en-US" sz="2000" dirty="0" smtClean="0">
+          </a:p>
+        </p:txBody>
+      </p:sp>
+      <p:sp>
+        <p:nvSpPr>
+          <p:cNvPr id="10" name="文字方塊 9">
+            <a:extLst>
+              <a:ext uri="{FF2B5EF4-FFF2-40B4-BE49-F238E27FC236}">
+                <a16:creationId xmlns:a16="http://schemas.microsoft.com/office/drawing/2014/main" id="{C22FAA4F-7F2D-DD4F-81F5-AF89E2777A9A}"/>
+              </a:ext>
+            </a:extLst>
+          </p:cNvPr>
+          <p:cNvSpPr txBox="1"/>
+          <p:nvPr/>
+        </p:nvSpPr>
+        <p:spPr>
+          <a:xfrm>
+            <a:off x="1063254" y="5921231"/>
+            <a:ext cx="2811026" cy="435119"/>
+          </a:xfrm>
+          <a:prstGeom prst="rect">
+            <a:avLst/>
+          </a:prstGeom>
+          <a:noFill/>
+        </p:spPr>
+        <p:txBody>
+          <a:bodyPr wrap="none" lIns="0" rtlCol="0" anchor="t">
+            <a:spAutoFit/>
+          </a:bodyPr>
+          <a:lstStyle/>
+          <a:p>
+            <a:pPr algn="l">
+              <a:lnSpc>
+                <a:spcPct val="120000"/>
+              </a:lnSpc>
+            </a:pPr>
+            <a:r>
+              <a:rPr kumimoji="1" lang="zh-CN" altLang="en-US" sz="2000" dirty="0">
+                <a:latin typeface="Segoe UI Light" panose="020B0502040204020203" pitchFamily="34" charset="0"/>
+                <a:cs typeface="Segoe UI Light" panose="020B0502040204020203" pitchFamily="34" charset="0"/>
+              </a:rPr>
+              <a:t>第</a:t>
+            </a:r>
+            <a:r>
+              <a:rPr kumimoji="1" lang="en-US" altLang="zh-CN" sz="2000" dirty="0">
+                <a:latin typeface="Segoe UI Light" panose="020B0502040204020203" pitchFamily="34" charset="0"/>
+                <a:cs typeface="Segoe UI Light" panose="020B0502040204020203" pitchFamily="34" charset="0"/>
+              </a:rPr>
+              <a:t>5</a:t>
+            </a:r>
+            <a:r>
+              <a:rPr kumimoji="1" lang="zh-CN" altLang="en-US" sz="2000" dirty="0">
+                <a:latin typeface="Segoe UI Light" panose="020B0502040204020203" pitchFamily="34" charset="0"/>
+                <a:cs typeface="Segoe UI Light" panose="020B0502040204020203" pitchFamily="34" charset="0"/>
+              </a:rPr>
+              <a:t>章</a:t>
+            </a:r>
+            <a:r>
+              <a:rPr kumimoji="1" lang="en-US" altLang="zh-CN" sz="2000" dirty="0">
+                <a:latin typeface="Segoe UI Light" panose="020B0502040204020203" pitchFamily="34" charset="0"/>
+                <a:cs typeface="Segoe UI Light" panose="020B0502040204020203" pitchFamily="34" charset="0"/>
+              </a:rPr>
+              <a:t>	</a:t>
+            </a:r>
+            <a:r>
+              <a:rPr kumimoji="1" lang="zh-CN" altLang="en-US" sz="2000" dirty="0">
+                <a:latin typeface="Segoe UI Light" panose="020B0502040204020203" pitchFamily="34" charset="0"/>
+                <a:cs typeface="Segoe UI Light" panose="020B0502040204020203" pitchFamily="34" charset="0"/>
+              </a:rPr>
+              <a:t>非線性研究</a:t>
+            </a:r>
+            <a:r>
+              <a:rPr kumimoji="1" lang="zh-CN" altLang="en-US" sz="2000" dirty="0">
+                <a:solidFill>
+                  <a:schemeClr val="accent1"/>
+                </a:solidFill>
+                <a:latin typeface="Segoe UI Light" panose="020B0502040204020203" pitchFamily="34" charset="0"/>
+                <a:cs typeface="Segoe UI Light" panose="020B0502040204020203" pitchFamily="34" charset="0"/>
+              </a:rPr>
+              <a:t>驗證</a:t>
+            </a:r>
+            <a:endParaRPr kumimoji="1" lang="zh-TW" altLang="en-US" sz="2000" dirty="0">
+              <a:solidFill>
+                <a:schemeClr val="accent1"/>
+              </a:solidFill>
               <a:latin typeface="Segoe UI Light" panose="020B0502040204020203" pitchFamily="34" charset="0"/>
               <a:cs typeface="Segoe UI Light" panose="020B0502040204020203" pitchFamily="34" charset="0"/>
             </a:endParaRPr>
@@ -24361,13 +24393,6 @@
       </p:transition>
     </mc:Fallback>
   </mc:AlternateContent>
-  <p:timing>
-    <p:tnLst>
-      <p:par>
-        <p:cTn id="1" dur="indefinite" restart="never" nodeType="tmRoot"/>
-      </p:par>
-    </p:tnLst>
-  </p:timing>
 </p:sld>
 </file>
 
@@ -24409,10 +24434,9 @@
           <a:lstStyle/>
           <a:p>
             <a:r>
-              <a:rPr lang="zh-TW" altLang="en-US" dirty="0" smtClean="0"/>
+              <a:rPr lang="zh-TW" altLang="en-US" dirty="0"/>
               <a:t>量化研究</a:t>
             </a:r>
-            <a:endParaRPr lang="zh-TW" altLang="en-US" dirty="0"/>
           </a:p>
         </p:txBody>
       </p:sp>
@@ -24557,7 +24581,7 @@
           <a:graphicData uri="http://schemas.openxmlformats.org/presentationml/2006/ole">
             <mc:AlternateContent xmlns:mc="http://schemas.openxmlformats.org/markup-compatibility/2006">
               <mc:Choice xmlns:v="urn:schemas-microsoft-com:vml" Requires="v">
-                <p:oleObj spid="_x0000_s3076" name="Equation" r:id="rId7" imgW="2552400" imgH="1117440" progId="Equation.DSMT4">
+                <p:oleObj spid="_x0000_s3082" name="Equation" r:id="rId7" imgW="2552400" imgH="1117440" progId="Equation.DSMT4">
                   <p:embed/>
                 </p:oleObj>
               </mc:Choice>
@@ -24614,13 +24638,6 @@
       </p:transition>
     </mc:Fallback>
   </mc:AlternateContent>
-  <p:timing>
-    <p:tnLst>
-      <p:par>
-        <p:cTn id="1" dur="indefinite" restart="never" nodeType="tmRoot"/>
-      </p:par>
-    </p:tnLst>
-  </p:timing>
 </p:sld>
 </file>
 
@@ -24657,10 +24674,9 @@
           <a:lstStyle/>
           <a:p>
             <a:r>
-              <a:rPr lang="zh-TW" altLang="en-US" dirty="0" smtClean="0"/>
+              <a:rPr lang="zh-TW" altLang="en-US" dirty="0"/>
               <a:t>非線性驗證</a:t>
             </a:r>
-            <a:endParaRPr lang="zh-TW" altLang="en-US" dirty="0"/>
           </a:p>
         </p:txBody>
       </p:sp>
@@ -24735,6 +24751,268 @@
           </a:prstGeom>
         </p:spPr>
       </p:pic>
+      <p:sp>
+        <p:nvSpPr>
+          <p:cNvPr id="3" name="文字方塊 2">
+            <a:extLst>
+              <a:ext uri="{FF2B5EF4-FFF2-40B4-BE49-F238E27FC236}">
+                <a16:creationId xmlns:a16="http://schemas.microsoft.com/office/drawing/2014/main" id="{5BA78B9E-BB6A-1E48-AD51-710137370919}"/>
+              </a:ext>
+            </a:extLst>
+          </p:cNvPr>
+          <p:cNvSpPr txBox="1"/>
+          <p:nvPr/>
+        </p:nvSpPr>
+        <p:spPr>
+          <a:xfrm>
+            <a:off x="5715000" y="3416660"/>
+            <a:ext cx="1118255" cy="435119"/>
+          </a:xfrm>
+          <a:prstGeom prst="rect">
+            <a:avLst/>
+          </a:prstGeom>
+          <a:noFill/>
+        </p:spPr>
+        <p:txBody>
+          <a:bodyPr wrap="none" lIns="0" rtlCol="0" anchor="t">
+            <a:spAutoFit/>
+          </a:bodyPr>
+          <a:lstStyle/>
+          <a:p>
+            <a:pPr algn="l">
+              <a:lnSpc>
+                <a:spcPct val="120000"/>
+              </a:lnSpc>
+            </a:pPr>
+            <a:r>
+              <a:rPr kumimoji="1" lang="zh-TW" altLang="en-US" sz="2000" dirty="0">
+                <a:latin typeface="Segoe UI Light" panose="020B0502040204020203" pitchFamily="34" charset="0"/>
+                <a:cs typeface="Segoe UI Light" panose="020B0502040204020203" pitchFamily="34" charset="0"/>
+              </a:rPr>
+              <a:t>折減最多</a:t>
+            </a:r>
+          </a:p>
+        </p:txBody>
+      </p:sp>
+      <p:sp>
+        <p:nvSpPr>
+          <p:cNvPr id="6" name="文字方塊 5">
+            <a:extLst>
+              <a:ext uri="{FF2B5EF4-FFF2-40B4-BE49-F238E27FC236}">
+                <a16:creationId xmlns:a16="http://schemas.microsoft.com/office/drawing/2014/main" id="{6C40E93B-A44F-C740-9F4F-F840496371A6}"/>
+              </a:ext>
+            </a:extLst>
+          </p:cNvPr>
+          <p:cNvSpPr txBox="1"/>
+          <p:nvPr/>
+        </p:nvSpPr>
+        <p:spPr>
+          <a:xfrm>
+            <a:off x="5715000" y="2328863"/>
+            <a:ext cx="1631216" cy="435119"/>
+          </a:xfrm>
+          <a:prstGeom prst="rect">
+            <a:avLst/>
+          </a:prstGeom>
+          <a:noFill/>
+        </p:spPr>
+        <p:txBody>
+          <a:bodyPr wrap="none" lIns="0" rtlCol="0" anchor="t">
+            <a:spAutoFit/>
+          </a:bodyPr>
+          <a:lstStyle/>
+          <a:p>
+            <a:pPr algn="l">
+              <a:lnSpc>
+                <a:spcPct val="120000"/>
+              </a:lnSpc>
+            </a:pPr>
+            <a:r>
+              <a:rPr kumimoji="1" lang="zh-TW" altLang="en-US" sz="2000" dirty="0">
+                <a:latin typeface="Segoe UI Light" panose="020B0502040204020203" pitchFamily="34" charset="0"/>
+                <a:cs typeface="Segoe UI Light" panose="020B0502040204020203" pitchFamily="34" charset="0"/>
+              </a:rPr>
+              <a:t>近乎沒有折減</a:t>
+            </a:r>
+          </a:p>
+        </p:txBody>
+      </p:sp>
+      <p:sp>
+        <p:nvSpPr>
+          <p:cNvPr id="7" name="文字方塊 6">
+            <a:extLst>
+              <a:ext uri="{FF2B5EF4-FFF2-40B4-BE49-F238E27FC236}">
+                <a16:creationId xmlns:a16="http://schemas.microsoft.com/office/drawing/2014/main" id="{494BEB97-FE0A-8C49-B90D-F3DC0A8DC8E2}"/>
+              </a:ext>
+            </a:extLst>
+          </p:cNvPr>
+          <p:cNvSpPr txBox="1"/>
+          <p:nvPr/>
+        </p:nvSpPr>
+        <p:spPr>
+          <a:xfrm>
+            <a:off x="5715000" y="2872136"/>
+            <a:ext cx="1631216" cy="435119"/>
+          </a:xfrm>
+          <a:prstGeom prst="rect">
+            <a:avLst/>
+          </a:prstGeom>
+          <a:noFill/>
+        </p:spPr>
+        <p:txBody>
+          <a:bodyPr wrap="none" lIns="0" rtlCol="0" anchor="t">
+            <a:spAutoFit/>
+          </a:bodyPr>
+          <a:lstStyle/>
+          <a:p>
+            <a:pPr algn="l">
+              <a:lnSpc>
+                <a:spcPct val="120000"/>
+              </a:lnSpc>
+            </a:pPr>
+            <a:r>
+              <a:rPr kumimoji="1" lang="zh-TW" altLang="en-US" sz="2000" dirty="0">
+                <a:latin typeface="Segoe UI Light" panose="020B0502040204020203" pitchFamily="34" charset="0"/>
+                <a:cs typeface="Segoe UI Light" panose="020B0502040204020203" pitchFamily="34" charset="0"/>
+              </a:rPr>
+              <a:t>折減介於中間</a:t>
+            </a:r>
+          </a:p>
+        </p:txBody>
+      </p:sp>
+      <p:cxnSp>
+        <p:nvCxnSpPr>
+          <p:cNvPr id="10" name="直線箭頭接點 9">
+            <a:extLst>
+              <a:ext uri="{FF2B5EF4-FFF2-40B4-BE49-F238E27FC236}">
+                <a16:creationId xmlns:a16="http://schemas.microsoft.com/office/drawing/2014/main" id="{7BEB2260-630A-5D47-8400-AAF5384E6FD4}"/>
+              </a:ext>
+            </a:extLst>
+          </p:cNvPr>
+          <p:cNvCxnSpPr>
+            <a:cxnSpLocks/>
+            <a:endCxn id="6" idx="1"/>
+          </p:cNvCxnSpPr>
+          <p:nvPr/>
+        </p:nvCxnSpPr>
+        <p:spPr>
+          <a:xfrm flipV="1">
+            <a:off x="4772025" y="2546423"/>
+            <a:ext cx="942975" cy="217559"/>
+          </a:xfrm>
+          <a:prstGeom prst="straightConnector1">
+            <a:avLst/>
+          </a:prstGeom>
+          <a:ln>
+            <a:solidFill>
+              <a:schemeClr val="tx1"/>
+            </a:solidFill>
+            <a:tailEnd type="triangle"/>
+          </a:ln>
+        </p:spPr>
+        <p:style>
+          <a:lnRef idx="1">
+            <a:schemeClr val="accent1"/>
+          </a:lnRef>
+          <a:fillRef idx="0">
+            <a:schemeClr val="accent1"/>
+          </a:fillRef>
+          <a:effectRef idx="0">
+            <a:schemeClr val="accent1"/>
+          </a:effectRef>
+          <a:fontRef idx="minor">
+            <a:schemeClr val="tx1"/>
+          </a:fontRef>
+        </p:style>
+      </p:cxnSp>
+      <p:cxnSp>
+        <p:nvCxnSpPr>
+          <p:cNvPr id="14" name="直線箭頭接點 13">
+            <a:extLst>
+              <a:ext uri="{FF2B5EF4-FFF2-40B4-BE49-F238E27FC236}">
+                <a16:creationId xmlns:a16="http://schemas.microsoft.com/office/drawing/2014/main" id="{C01A1ABD-4305-3A4E-A4D3-09CC53297CD8}"/>
+              </a:ext>
+            </a:extLst>
+          </p:cNvPr>
+          <p:cNvCxnSpPr>
+            <a:endCxn id="7" idx="1"/>
+          </p:cNvCxnSpPr>
+          <p:nvPr/>
+        </p:nvCxnSpPr>
+        <p:spPr>
+          <a:xfrm>
+            <a:off x="4772025" y="3089695"/>
+            <a:ext cx="942975" cy="1"/>
+          </a:xfrm>
+          <a:prstGeom prst="straightConnector1">
+            <a:avLst/>
+          </a:prstGeom>
+          <a:ln>
+            <a:solidFill>
+              <a:schemeClr val="tx1"/>
+            </a:solidFill>
+            <a:tailEnd type="triangle"/>
+          </a:ln>
+        </p:spPr>
+        <p:style>
+          <a:lnRef idx="1">
+            <a:schemeClr val="accent1"/>
+          </a:lnRef>
+          <a:fillRef idx="0">
+            <a:schemeClr val="accent1"/>
+          </a:fillRef>
+          <a:effectRef idx="0">
+            <a:schemeClr val="accent1"/>
+          </a:effectRef>
+          <a:fontRef idx="minor">
+            <a:schemeClr val="tx1"/>
+          </a:fontRef>
+        </p:style>
+      </p:cxnSp>
+      <p:cxnSp>
+        <p:nvCxnSpPr>
+          <p:cNvPr id="16" name="直線箭頭接點 15">
+            <a:extLst>
+              <a:ext uri="{FF2B5EF4-FFF2-40B4-BE49-F238E27FC236}">
+                <a16:creationId xmlns:a16="http://schemas.microsoft.com/office/drawing/2014/main" id="{37285A06-5CEE-B84B-9F61-6A0B0EFC7BCE}"/>
+              </a:ext>
+            </a:extLst>
+          </p:cNvPr>
+          <p:cNvCxnSpPr>
+            <a:endCxn id="3" idx="1"/>
+          </p:cNvCxnSpPr>
+          <p:nvPr/>
+        </p:nvCxnSpPr>
+        <p:spPr>
+          <a:xfrm>
+            <a:off x="4772025" y="3307255"/>
+            <a:ext cx="942975" cy="326965"/>
+          </a:xfrm>
+          <a:prstGeom prst="straightConnector1">
+            <a:avLst/>
+          </a:prstGeom>
+          <a:ln>
+            <a:solidFill>
+              <a:schemeClr val="tx1"/>
+            </a:solidFill>
+            <a:tailEnd type="triangle"/>
+          </a:ln>
+        </p:spPr>
+        <p:style>
+          <a:lnRef idx="1">
+            <a:schemeClr val="accent1"/>
+          </a:lnRef>
+          <a:fillRef idx="0">
+            <a:schemeClr val="accent1"/>
+          </a:fillRef>
+          <a:effectRef idx="0">
+            <a:schemeClr val="accent1"/>
+          </a:effectRef>
+          <a:fontRef idx="minor">
+            <a:schemeClr val="tx1"/>
+          </a:fontRef>
+        </p:style>
+      </p:cxnSp>
     </p:spTree>
     <p:extLst>
       <p:ext uri="{BB962C8B-B14F-4D97-AF65-F5344CB8AC3E}">
@@ -24757,13 +25035,6 @@
       </p:transition>
     </mc:Fallback>
   </mc:AlternateContent>
-  <p:timing>
-    <p:tnLst>
-      <p:par>
-        <p:cTn id="1" dur="indefinite" restart="never" nodeType="tmRoot"/>
-      </p:par>
-    </p:tnLst>
-  </p:timing>
 </p:sld>
 </file>
 
@@ -25006,9 +25277,7 @@
           <p:cNvGraphicFramePr>
             <a:graphicFrameLocks noChangeAspect="1"/>
           </p:cNvGraphicFramePr>
-          <p:nvPr>
-            <p:extLst/>
-          </p:nvPr>
+          <p:nvPr/>
         </p:nvGraphicFramePr>
         <p:xfrm>
           <a:off x="4221671" y="3421587"/>
@@ -25018,7 +25287,7 @@
           <a:graphicData uri="http://schemas.openxmlformats.org/presentationml/2006/ole">
             <mc:AlternateContent xmlns:mc="http://schemas.openxmlformats.org/markup-compatibility/2006">
               <mc:Choice xmlns:v="urn:schemas-microsoft-com:vml" Requires="v">
-                <p:oleObj spid="_x0000_s1031" name="Equation" r:id="rId6" imgW="1612800" imgH="787320" progId="Equation.DSMT4">
+                <p:oleObj spid="_x0000_s1037" name="Equation" r:id="rId6" imgW="1612800" imgH="787320" progId="Equation.DSMT4">
                   <p:embed/>
                 </p:oleObj>
               </mc:Choice>
@@ -25311,13 +25580,6 @@
       </p:transition>
     </mc:Fallback>
   </mc:AlternateContent>
-  <p:timing>
-    <p:tnLst>
-      <p:par>
-        <p:cTn id="1" dur="indefinite" restart="never" nodeType="tmRoot"/>
-      </p:par>
-    </p:tnLst>
-  </p:timing>
 </p:sld>
 </file>
 
@@ -25359,14 +25621,13 @@
           <a:lstStyle/>
           <a:p>
             <a:r>
-              <a:rPr lang="en-US" altLang="zh-TW" dirty="0" smtClean="0"/>
+              <a:rPr lang="en-US" altLang="zh-TW" dirty="0"/>
               <a:t>Multi-Modes Combination </a:t>
             </a:r>
             <a:r>
-              <a:rPr lang="zh-TW" altLang="en-US" dirty="0" smtClean="0"/>
+              <a:rPr lang="zh-TW" altLang="en-US" dirty="0"/>
               <a:t>不穩定</a:t>
             </a:r>
-            <a:endParaRPr lang="zh-TW" altLang="en-US" dirty="0"/>
           </a:p>
         </p:txBody>
       </p:sp>
@@ -25491,13 +25752,13 @@
               </a:lnSpc>
             </a:pPr>
             <a:r>
-              <a:rPr lang="en-US" altLang="zh-TW" sz="2000" dirty="0" smtClean="0">
+              <a:rPr lang="en-US" altLang="zh-TW" sz="2000" dirty="0">
                 <a:latin typeface="Segoe UI Light" panose="020B0502040204020203" pitchFamily="34" charset="0"/>
                 <a:cs typeface="Segoe UI Light" panose="020B0502040204020203" pitchFamily="34" charset="0"/>
               </a:rPr>
               <a:t>Tradition</a:t>
             </a:r>
-            <a:endParaRPr lang="zh-TW" altLang="en-US" sz="2000" dirty="0" smtClean="0">
+            <a:endParaRPr lang="zh-TW" altLang="en-US" sz="2000" dirty="0">
               <a:latin typeface="Segoe UI Light" panose="020B0502040204020203" pitchFamily="34" charset="0"/>
               <a:cs typeface="Segoe UI Light" panose="020B0502040204020203" pitchFamily="34" charset="0"/>
             </a:endParaRPr>
@@ -25532,13 +25793,13 @@
               </a:lnSpc>
             </a:pPr>
             <a:r>
-              <a:rPr lang="en-US" altLang="zh-TW" sz="2000" dirty="0" smtClean="0">
+              <a:rPr lang="en-US" altLang="zh-TW" sz="2000" dirty="0">
                 <a:latin typeface="Segoe UI Light" panose="020B0502040204020203" pitchFamily="34" charset="0"/>
                 <a:cs typeface="Segoe UI Light" panose="020B0502040204020203" pitchFamily="34" charset="0"/>
               </a:rPr>
               <a:t>Multi-Cut</a:t>
             </a:r>
-            <a:endParaRPr lang="zh-TW" altLang="en-US" sz="2000" dirty="0" smtClean="0">
+            <a:endParaRPr lang="zh-TW" altLang="en-US" sz="2000" dirty="0">
               <a:latin typeface="Segoe UI Light" panose="020B0502040204020203" pitchFamily="34" charset="0"/>
               <a:cs typeface="Segoe UI Light" panose="020B0502040204020203" pitchFamily="34" charset="0"/>
             </a:endParaRPr>
@@ -25567,13 +25828,6 @@
       </p:transition>
     </mc:Fallback>
   </mc:AlternateContent>
-  <p:timing>
-    <p:tnLst>
-      <p:par>
-        <p:cTn id="1" dur="indefinite" restart="never" nodeType="tmRoot"/>
-      </p:par>
-    </p:tnLst>
-  </p:timing>
 </p:sld>
 </file>
 
@@ -25734,13 +25988,13 @@
               </a:lnSpc>
             </a:pPr>
             <a:r>
-              <a:rPr lang="en-US" altLang="zh-TW" sz="2000" dirty="0" smtClean="0">
+              <a:rPr lang="en-US" altLang="zh-TW" sz="2000" dirty="0">
                 <a:latin typeface="Segoe UI Light" panose="020B0502040204020203" pitchFamily="34" charset="0"/>
                 <a:cs typeface="Segoe UI Light" panose="020B0502040204020203" pitchFamily="34" charset="0"/>
               </a:rPr>
               <a:t>Tradition</a:t>
             </a:r>
-            <a:endParaRPr lang="zh-TW" altLang="en-US" sz="2000" dirty="0" smtClean="0">
+            <a:endParaRPr lang="zh-TW" altLang="en-US" sz="2000" dirty="0">
               <a:latin typeface="Segoe UI Light" panose="020B0502040204020203" pitchFamily="34" charset="0"/>
               <a:cs typeface="Segoe UI Light" panose="020B0502040204020203" pitchFamily="34" charset="0"/>
             </a:endParaRPr>
@@ -25775,13 +26029,13 @@
               </a:lnSpc>
             </a:pPr>
             <a:r>
-              <a:rPr lang="en-US" altLang="zh-TW" sz="2000" dirty="0" smtClean="0">
+              <a:rPr lang="en-US" altLang="zh-TW" sz="2000" dirty="0">
                 <a:latin typeface="Segoe UI Light" panose="020B0502040204020203" pitchFamily="34" charset="0"/>
                 <a:cs typeface="Segoe UI Light" panose="020B0502040204020203" pitchFamily="34" charset="0"/>
               </a:rPr>
               <a:t>Multi-Cut</a:t>
             </a:r>
-            <a:endParaRPr lang="zh-TW" altLang="en-US" sz="2000" dirty="0" smtClean="0">
+            <a:endParaRPr lang="zh-TW" altLang="en-US" sz="2000" dirty="0">
               <a:latin typeface="Segoe UI Light" panose="020B0502040204020203" pitchFamily="34" charset="0"/>
               <a:cs typeface="Segoe UI Light" panose="020B0502040204020203" pitchFamily="34" charset="0"/>
             </a:endParaRPr>
@@ -25810,13 +26064,6 @@
       </p:transition>
     </mc:Fallback>
   </mc:AlternateContent>
-  <p:timing>
-    <p:tnLst>
-      <p:par>
-        <p:cTn id="1" dur="indefinite" restart="never" nodeType="tmRoot"/>
-      </p:par>
-    </p:tnLst>
-  </p:timing>
 </p:sld>
 </file>
 
@@ -25988,13 +26235,13 @@
               </a:lnSpc>
             </a:pPr>
             <a:r>
-              <a:rPr lang="en-US" altLang="zh-TW" sz="2000" dirty="0" smtClean="0">
+              <a:rPr lang="en-US" altLang="zh-TW" sz="2000" dirty="0">
                 <a:latin typeface="Segoe UI Light" panose="020B0502040204020203" pitchFamily="34" charset="0"/>
                 <a:cs typeface="Segoe UI Light" panose="020B0502040204020203" pitchFamily="34" charset="0"/>
               </a:rPr>
               <a:t>Mode 1</a:t>
             </a:r>
-            <a:endParaRPr lang="zh-TW" altLang="en-US" sz="2000" dirty="0" smtClean="0">
+            <a:endParaRPr lang="zh-TW" altLang="en-US" sz="2000" dirty="0">
               <a:latin typeface="Segoe UI Light" panose="020B0502040204020203" pitchFamily="34" charset="0"/>
               <a:cs typeface="Segoe UI Light" panose="020B0502040204020203" pitchFamily="34" charset="0"/>
             </a:endParaRPr>
@@ -26029,16 +26276,68 @@
               </a:lnSpc>
             </a:pPr>
             <a:r>
-              <a:rPr lang="en-US" altLang="zh-TW" sz="2000" dirty="0" smtClean="0">
+              <a:rPr lang="en-US" altLang="zh-TW" sz="2000" dirty="0">
                 <a:latin typeface="Segoe UI Light" panose="020B0502040204020203" pitchFamily="34" charset="0"/>
                 <a:cs typeface="Segoe UI Light" panose="020B0502040204020203" pitchFamily="34" charset="0"/>
               </a:rPr>
               <a:t>Mode 2</a:t>
             </a:r>
-            <a:endParaRPr lang="zh-TW" altLang="en-US" sz="2000" dirty="0" smtClean="0">
+            <a:endParaRPr lang="zh-TW" altLang="en-US" sz="2000" dirty="0">
               <a:latin typeface="Segoe UI Light" panose="020B0502040204020203" pitchFamily="34" charset="0"/>
               <a:cs typeface="Segoe UI Light" panose="020B0502040204020203" pitchFamily="34" charset="0"/>
             </a:endParaRPr>
+          </a:p>
+        </p:txBody>
+      </p:sp>
+      <p:sp>
+        <p:nvSpPr>
+          <p:cNvPr id="8" name="橢圓 7">
+            <a:extLst>
+              <a:ext uri="{FF2B5EF4-FFF2-40B4-BE49-F238E27FC236}">
+                <a16:creationId xmlns:a16="http://schemas.microsoft.com/office/drawing/2014/main" id="{FF5CFA2A-5170-5741-B707-984890419611}"/>
+              </a:ext>
+            </a:extLst>
+          </p:cNvPr>
+          <p:cNvSpPr/>
+          <p:nvPr/>
+        </p:nvSpPr>
+        <p:spPr>
+          <a:xfrm>
+            <a:off x="1512504" y="2299185"/>
+            <a:ext cx="1186366" cy="1186366"/>
+          </a:xfrm>
+          <a:prstGeom prst="ellipse">
+            <a:avLst/>
+          </a:prstGeom>
+          <a:noFill/>
+          <a:ln>
+            <a:solidFill>
+              <a:schemeClr val="accent1"/>
+            </a:solidFill>
+          </a:ln>
+        </p:spPr>
+        <p:style>
+          <a:lnRef idx="2">
+            <a:schemeClr val="accent1">
+              <a:shade val="50000"/>
+            </a:schemeClr>
+          </a:lnRef>
+          <a:fillRef idx="1">
+            <a:schemeClr val="accent1"/>
+          </a:fillRef>
+          <a:effectRef idx="0">
+            <a:schemeClr val="accent1"/>
+          </a:effectRef>
+          <a:fontRef idx="minor">
+            <a:schemeClr val="lt1"/>
+          </a:fontRef>
+        </p:style>
+        <p:txBody>
+          <a:bodyPr rtlCol="0" anchor="ctr"/>
+          <a:lstStyle/>
+          <a:p>
+            <a:pPr algn="ctr"/>
+            <a:endParaRPr lang="zh-TW" altLang="en-US"/>
           </a:p>
         </p:txBody>
       </p:sp>
@@ -26064,13 +26363,6 @@
       </p:transition>
     </mc:Fallback>
   </mc:AlternateContent>
-  <p:timing>
-    <p:tnLst>
-      <p:par>
-        <p:cTn id="1" dur="indefinite" restart="never" nodeType="tmRoot"/>
-      </p:par>
-    </p:tnLst>
-  </p:timing>
 </p:sld>
 </file>
 
@@ -26171,13 +26463,6 @@
       </p:transition>
     </mc:Fallback>
   </mc:AlternateContent>
-  <p:timing>
-    <p:tnLst>
-      <p:par>
-        <p:cTn id="1" dur="indefinite" restart="never" nodeType="tmRoot"/>
-      </p:par>
-    </p:tnLst>
-  </p:timing>
 </p:sld>
 </file>
 
@@ -26752,18 +27037,18 @@
 </file>
 
 <file path=customXml/item1.xml><?xml version="1.0" encoding="utf-8"?>
+<p:properties xmlns:p="http://schemas.microsoft.com/office/2006/metadata/properties" xmlns:xsi="http://www.w3.org/2001/XMLSchema-instance" xmlns:pc="http://schemas.microsoft.com/office/infopath/2007/PartnerControls">
+  <documentManagement/>
+</p:properties>
+</file>
+
+<file path=customXml/item2.xml><?xml version="1.0" encoding="utf-8"?>
 <?mso-contentType ?>
 <FormTemplates xmlns="http://schemas.microsoft.com/sharepoint/v3/contenttype/forms">
   <Display>DocumentLibraryForm</Display>
   <Edit>DocumentLibraryForm</Edit>
   <New>DocumentLibraryForm</New>
 </FormTemplates>
-</file>
-
-<file path=customXml/item2.xml><?xml version="1.0" encoding="utf-8"?>
-<p:properties xmlns:p="http://schemas.microsoft.com/office/2006/metadata/properties" xmlns:xsi="http://www.w3.org/2001/XMLSchema-instance" xmlns:pc="http://schemas.microsoft.com/office/infopath/2007/PartnerControls">
-  <documentManagement/>
-</p:properties>
 </file>
 
 <file path=customXml/item3.xml><?xml version="1.0" encoding="utf-8"?>
@@ -26881,14 +27166,6 @@
 </file>
 
 <file path=customXml/itemProps1.xml><?xml version="1.0" encoding="utf-8"?>
-<ds:datastoreItem xmlns:ds="http://schemas.openxmlformats.org/officeDocument/2006/customXml" ds:itemID="{95457E87-E546-449E-A4D1-371201992E58}">
-  <ds:schemaRefs>
-    <ds:schemaRef ds:uri="http://schemas.microsoft.com/sharepoint/v3/contenttype/forms"/>
-  </ds:schemaRefs>
-</ds:datastoreItem>
-</file>
-
-<file path=customXml/itemProps2.xml><?xml version="1.0" encoding="utf-8"?>
 <ds:datastoreItem xmlns:ds="http://schemas.openxmlformats.org/officeDocument/2006/customXml" ds:itemID="{88BF5EC3-CBCF-41C7-846F-A9B4B81CCEA8}">
   <ds:schemaRefs>
     <ds:schemaRef ds:uri="http://schemas.microsoft.com/office/2006/documentManagement/types"/>
@@ -26899,6 +27176,14 @@
     <ds:schemaRef ds:uri="http://schemas.microsoft.com/office/infopath/2007/PartnerControls"/>
     <ds:schemaRef ds:uri="http://schemas.openxmlformats.org/package/2006/metadata/core-properties"/>
     <ds:schemaRef ds:uri="http://purl.org/dc/elements/1.1/"/>
+  </ds:schemaRefs>
+</ds:datastoreItem>
+</file>
+
+<file path=customXml/itemProps2.xml><?xml version="1.0" encoding="utf-8"?>
+<ds:datastoreItem xmlns:ds="http://schemas.openxmlformats.org/officeDocument/2006/customXml" ds:itemID="{95457E87-E546-449E-A4D1-371201992E58}">
+  <ds:schemaRefs>
+    <ds:schemaRef ds:uri="http://schemas.microsoft.com/sharepoint/v3/contenttype/forms"/>
   </ds:schemaRefs>
 </ds:datastoreItem>
 </file>
